--- a/그림파일/프레젠테이션.pptx
+++ b/그림파일/프레젠테이션.pptx
@@ -7,6 +7,7 @@
   <p:sldIdLst>
     <p:sldId id="256" r:id="rId2"/>
     <p:sldId id="257" r:id="rId3"/>
+    <p:sldId id="258" r:id="rId4"/>
   </p:sldIdLst>
   <p:sldSz cx="12192000" cy="6858000"/>
   <p:notesSz cx="6858000" cy="9144000"/>
@@ -107,7 +108,7 @@
   </p:defaultTextStyle>
   <p:extLst>
     <p:ext uri="{EFAFB233-063F-42B5-8137-9DF3F51BA10A}">
-      <p15:sldGuideLst xmlns:p15="http://schemas.microsoft.com/office/powerpoint/2012/main"/>
+      <p15:sldGuideLst xmlns:p15="http://schemas.microsoft.com/office/powerpoint/2012/main" xmlns=""/>
     </p:ext>
   </p:extLst>
 </p:presentation>
@@ -244,7 +245,7 @@
           <a:p>
             <a:fld id="{783C13BF-7F68-495D-AEAF-F0F5ECD4421D}" type="datetimeFigureOut">
               <a:rPr lang="ko-KR" altLang="en-US" smtClean="0"/>
-              <a:t>17-09-14</a:t>
+              <a:t>2018-01-06</a:t>
             </a:fld>
             <a:endParaRPr lang="ko-KR" altLang="en-US"/>
           </a:p>
@@ -414,7 +415,7 @@
           <a:p>
             <a:fld id="{783C13BF-7F68-495D-AEAF-F0F5ECD4421D}" type="datetimeFigureOut">
               <a:rPr lang="ko-KR" altLang="en-US" smtClean="0"/>
-              <a:t>17-09-14</a:t>
+              <a:t>2018-01-06</a:t>
             </a:fld>
             <a:endParaRPr lang="ko-KR" altLang="en-US"/>
           </a:p>
@@ -594,7 +595,7 @@
           <a:p>
             <a:fld id="{783C13BF-7F68-495D-AEAF-F0F5ECD4421D}" type="datetimeFigureOut">
               <a:rPr lang="ko-KR" altLang="en-US" smtClean="0"/>
-              <a:t>17-09-14</a:t>
+              <a:t>2018-01-06</a:t>
             </a:fld>
             <a:endParaRPr lang="ko-KR" altLang="en-US"/>
           </a:p>
@@ -764,7 +765,7 @@
           <a:p>
             <a:fld id="{783C13BF-7F68-495D-AEAF-F0F5ECD4421D}" type="datetimeFigureOut">
               <a:rPr lang="ko-KR" altLang="en-US" smtClean="0"/>
-              <a:t>17-09-14</a:t>
+              <a:t>2018-01-06</a:t>
             </a:fld>
             <a:endParaRPr lang="ko-KR" altLang="en-US"/>
           </a:p>
@@ -1010,7 +1011,7 @@
           <a:p>
             <a:fld id="{783C13BF-7F68-495D-AEAF-F0F5ECD4421D}" type="datetimeFigureOut">
               <a:rPr lang="ko-KR" altLang="en-US" smtClean="0"/>
-              <a:t>17-09-14</a:t>
+              <a:t>2018-01-06</a:t>
             </a:fld>
             <a:endParaRPr lang="ko-KR" altLang="en-US"/>
           </a:p>
@@ -1242,7 +1243,7 @@
           <a:p>
             <a:fld id="{783C13BF-7F68-495D-AEAF-F0F5ECD4421D}" type="datetimeFigureOut">
               <a:rPr lang="ko-KR" altLang="en-US" smtClean="0"/>
-              <a:t>17-09-14</a:t>
+              <a:t>2018-01-06</a:t>
             </a:fld>
             <a:endParaRPr lang="ko-KR" altLang="en-US"/>
           </a:p>
@@ -1609,7 +1610,7 @@
           <a:p>
             <a:fld id="{783C13BF-7F68-495D-AEAF-F0F5ECD4421D}" type="datetimeFigureOut">
               <a:rPr lang="ko-KR" altLang="en-US" smtClean="0"/>
-              <a:t>17-09-14</a:t>
+              <a:t>2018-01-06</a:t>
             </a:fld>
             <a:endParaRPr lang="ko-KR" altLang="en-US"/>
           </a:p>
@@ -1727,7 +1728,7 @@
           <a:p>
             <a:fld id="{783C13BF-7F68-495D-AEAF-F0F5ECD4421D}" type="datetimeFigureOut">
               <a:rPr lang="ko-KR" altLang="en-US" smtClean="0"/>
-              <a:t>17-09-14</a:t>
+              <a:t>2018-01-06</a:t>
             </a:fld>
             <a:endParaRPr lang="ko-KR" altLang="en-US"/>
           </a:p>
@@ -1822,7 +1823,7 @@
           <a:p>
             <a:fld id="{783C13BF-7F68-495D-AEAF-F0F5ECD4421D}" type="datetimeFigureOut">
               <a:rPr lang="ko-KR" altLang="en-US" smtClean="0"/>
-              <a:t>17-09-14</a:t>
+              <a:t>2018-01-06</a:t>
             </a:fld>
             <a:endParaRPr lang="ko-KR" altLang="en-US"/>
           </a:p>
@@ -2099,7 +2100,7 @@
           <a:p>
             <a:fld id="{783C13BF-7F68-495D-AEAF-F0F5ECD4421D}" type="datetimeFigureOut">
               <a:rPr lang="ko-KR" altLang="en-US" smtClean="0"/>
-              <a:t>17-09-14</a:t>
+              <a:t>2018-01-06</a:t>
             </a:fld>
             <a:endParaRPr lang="ko-KR" altLang="en-US"/>
           </a:p>
@@ -2352,7 +2353,7 @@
           <a:p>
             <a:fld id="{783C13BF-7F68-495D-AEAF-F0F5ECD4421D}" type="datetimeFigureOut">
               <a:rPr lang="ko-KR" altLang="en-US" smtClean="0"/>
-              <a:t>17-09-14</a:t>
+              <a:t>2018-01-06</a:t>
             </a:fld>
             <a:endParaRPr lang="ko-KR" altLang="en-US"/>
           </a:p>
@@ -2565,7 +2566,7 @@
           <a:p>
             <a:fld id="{783C13BF-7F68-495D-AEAF-F0F5ECD4421D}" type="datetimeFigureOut">
               <a:rPr lang="ko-KR" altLang="en-US" smtClean="0"/>
-              <a:t>17-09-14</a:t>
+              <a:t>2018-01-06</a:t>
             </a:fld>
             <a:endParaRPr lang="ko-KR" altLang="en-US"/>
           </a:p>
@@ -4651,6 +4652,1553 @@
           </p:txBody>
         </p:sp>
       </p:grpSp>
+      <p:grpSp>
+        <p:nvGrpSpPr>
+          <p:cNvPr id="40" name="그룹 39"/>
+          <p:cNvGrpSpPr/>
+          <p:nvPr/>
+        </p:nvGrpSpPr>
+        <p:grpSpPr>
+          <a:xfrm>
+            <a:off x="733168" y="4011826"/>
+            <a:ext cx="9745358" cy="2010034"/>
+            <a:chOff x="733168" y="659026"/>
+            <a:chExt cx="9745358" cy="2010034"/>
+          </a:xfrm>
+        </p:grpSpPr>
+        <p:sp>
+          <p:nvSpPr>
+            <p:cNvPr id="41" name="직사각형 40"/>
+            <p:cNvSpPr/>
+            <p:nvPr/>
+          </p:nvSpPr>
+          <p:spPr>
+            <a:xfrm>
+              <a:off x="2125362" y="691978"/>
+              <a:ext cx="1392194" cy="988541"/>
+            </a:xfrm>
+            <a:prstGeom prst="rect">
+              <a:avLst/>
+            </a:prstGeom>
+            <a:solidFill>
+              <a:schemeClr val="accent4">
+                <a:lumMod val="20000"/>
+                <a:lumOff val="80000"/>
+              </a:schemeClr>
+            </a:solidFill>
+            <a:ln>
+              <a:solidFill>
+                <a:schemeClr val="tx1">
+                  <a:lumMod val="65000"/>
+                  <a:lumOff val="35000"/>
+                </a:schemeClr>
+              </a:solidFill>
+            </a:ln>
+          </p:spPr>
+          <p:style>
+            <a:lnRef idx="2">
+              <a:schemeClr val="accent1">
+                <a:shade val="50000"/>
+              </a:schemeClr>
+            </a:lnRef>
+            <a:fillRef idx="1">
+              <a:schemeClr val="accent1"/>
+            </a:fillRef>
+            <a:effectRef idx="0">
+              <a:schemeClr val="accent1"/>
+            </a:effectRef>
+            <a:fontRef idx="minor">
+              <a:schemeClr val="lt1"/>
+            </a:fontRef>
+          </p:style>
+          <p:txBody>
+            <a:bodyPr rtlCol="0" anchor="ctr"/>
+            <a:lstStyle/>
+            <a:p>
+              <a:pPr algn="ctr"/>
+              <a:endParaRPr lang="ko-KR" altLang="en-US"/>
+            </a:p>
+          </p:txBody>
+        </p:sp>
+        <p:sp>
+          <p:nvSpPr>
+            <p:cNvPr id="42" name="직사각형 41"/>
+            <p:cNvSpPr/>
+            <p:nvPr/>
+          </p:nvSpPr>
+          <p:spPr>
+            <a:xfrm>
+              <a:off x="3517556" y="691978"/>
+              <a:ext cx="1392194" cy="988541"/>
+            </a:xfrm>
+            <a:prstGeom prst="rect">
+              <a:avLst/>
+            </a:prstGeom>
+            <a:solidFill>
+              <a:schemeClr val="accent4">
+                <a:lumMod val="20000"/>
+                <a:lumOff val="80000"/>
+              </a:schemeClr>
+            </a:solidFill>
+            <a:ln>
+              <a:solidFill>
+                <a:schemeClr val="tx1">
+                  <a:lumMod val="65000"/>
+                  <a:lumOff val="35000"/>
+                </a:schemeClr>
+              </a:solidFill>
+            </a:ln>
+          </p:spPr>
+          <p:style>
+            <a:lnRef idx="2">
+              <a:schemeClr val="accent1">
+                <a:shade val="50000"/>
+              </a:schemeClr>
+            </a:lnRef>
+            <a:fillRef idx="1">
+              <a:schemeClr val="accent1"/>
+            </a:fillRef>
+            <a:effectRef idx="0">
+              <a:schemeClr val="accent1"/>
+            </a:effectRef>
+            <a:fontRef idx="minor">
+              <a:schemeClr val="lt1"/>
+            </a:fontRef>
+          </p:style>
+          <p:txBody>
+            <a:bodyPr rtlCol="0" anchor="ctr"/>
+            <a:lstStyle/>
+            <a:p>
+              <a:pPr algn="ctr"/>
+              <a:endParaRPr lang="ko-KR" altLang="en-US"/>
+            </a:p>
+          </p:txBody>
+        </p:sp>
+        <p:sp>
+          <p:nvSpPr>
+            <p:cNvPr id="49" name="직사각형 48"/>
+            <p:cNvSpPr/>
+            <p:nvPr/>
+          </p:nvSpPr>
+          <p:spPr>
+            <a:xfrm>
+              <a:off x="4909750" y="691978"/>
+              <a:ext cx="1392194" cy="988541"/>
+            </a:xfrm>
+            <a:prstGeom prst="rect">
+              <a:avLst/>
+            </a:prstGeom>
+            <a:solidFill>
+              <a:schemeClr val="accent4">
+                <a:lumMod val="20000"/>
+                <a:lumOff val="80000"/>
+              </a:schemeClr>
+            </a:solidFill>
+            <a:ln>
+              <a:solidFill>
+                <a:schemeClr val="tx1">
+                  <a:lumMod val="65000"/>
+                  <a:lumOff val="35000"/>
+                </a:schemeClr>
+              </a:solidFill>
+            </a:ln>
+          </p:spPr>
+          <p:style>
+            <a:lnRef idx="2">
+              <a:schemeClr val="accent1">
+                <a:shade val="50000"/>
+              </a:schemeClr>
+            </a:lnRef>
+            <a:fillRef idx="1">
+              <a:schemeClr val="accent1"/>
+            </a:fillRef>
+            <a:effectRef idx="0">
+              <a:schemeClr val="accent1"/>
+            </a:effectRef>
+            <a:fontRef idx="minor">
+              <a:schemeClr val="lt1"/>
+            </a:fontRef>
+          </p:style>
+          <p:txBody>
+            <a:bodyPr rtlCol="0" anchor="ctr"/>
+            <a:lstStyle/>
+            <a:p>
+              <a:pPr algn="ctr"/>
+              <a:endParaRPr lang="ko-KR" altLang="en-US"/>
+            </a:p>
+          </p:txBody>
+        </p:sp>
+        <p:sp>
+          <p:nvSpPr>
+            <p:cNvPr id="50" name="직사각형 49"/>
+            <p:cNvSpPr/>
+            <p:nvPr/>
+          </p:nvSpPr>
+          <p:spPr>
+            <a:xfrm>
+              <a:off x="6301944" y="691978"/>
+              <a:ext cx="1392194" cy="988541"/>
+            </a:xfrm>
+            <a:prstGeom prst="rect">
+              <a:avLst/>
+            </a:prstGeom>
+            <a:solidFill>
+              <a:schemeClr val="accent4">
+                <a:lumMod val="20000"/>
+                <a:lumOff val="80000"/>
+              </a:schemeClr>
+            </a:solidFill>
+            <a:ln>
+              <a:solidFill>
+                <a:schemeClr val="tx1">
+                  <a:lumMod val="65000"/>
+                  <a:lumOff val="35000"/>
+                </a:schemeClr>
+              </a:solidFill>
+            </a:ln>
+          </p:spPr>
+          <p:style>
+            <a:lnRef idx="2">
+              <a:schemeClr val="accent1">
+                <a:shade val="50000"/>
+              </a:schemeClr>
+            </a:lnRef>
+            <a:fillRef idx="1">
+              <a:schemeClr val="accent1"/>
+            </a:fillRef>
+            <a:effectRef idx="0">
+              <a:schemeClr val="accent1"/>
+            </a:effectRef>
+            <a:fontRef idx="minor">
+              <a:schemeClr val="lt1"/>
+            </a:fontRef>
+          </p:style>
+          <p:txBody>
+            <a:bodyPr rtlCol="0" anchor="ctr"/>
+            <a:lstStyle/>
+            <a:p>
+              <a:pPr algn="ctr"/>
+              <a:endParaRPr lang="ko-KR" altLang="en-US"/>
+            </a:p>
+          </p:txBody>
+        </p:sp>
+        <p:sp>
+          <p:nvSpPr>
+            <p:cNvPr id="51" name="직사각형 50"/>
+            <p:cNvSpPr/>
+            <p:nvPr/>
+          </p:nvSpPr>
+          <p:spPr>
+            <a:xfrm>
+              <a:off x="7694138" y="691978"/>
+              <a:ext cx="1392194" cy="988541"/>
+            </a:xfrm>
+            <a:prstGeom prst="rect">
+              <a:avLst/>
+            </a:prstGeom>
+            <a:solidFill>
+              <a:schemeClr val="accent4">
+                <a:lumMod val="20000"/>
+                <a:lumOff val="80000"/>
+              </a:schemeClr>
+            </a:solidFill>
+            <a:ln>
+              <a:solidFill>
+                <a:schemeClr val="tx1">
+                  <a:lumMod val="65000"/>
+                  <a:lumOff val="35000"/>
+                </a:schemeClr>
+              </a:solidFill>
+            </a:ln>
+          </p:spPr>
+          <p:style>
+            <a:lnRef idx="2">
+              <a:schemeClr val="accent1">
+                <a:shade val="50000"/>
+              </a:schemeClr>
+            </a:lnRef>
+            <a:fillRef idx="1">
+              <a:schemeClr val="accent1"/>
+            </a:fillRef>
+            <a:effectRef idx="0">
+              <a:schemeClr val="accent1"/>
+            </a:effectRef>
+            <a:fontRef idx="minor">
+              <a:schemeClr val="lt1"/>
+            </a:fontRef>
+          </p:style>
+          <p:txBody>
+            <a:bodyPr rtlCol="0" anchor="ctr"/>
+            <a:lstStyle/>
+            <a:p>
+              <a:pPr algn="ctr"/>
+              <a:endParaRPr lang="ko-KR" altLang="en-US"/>
+            </a:p>
+          </p:txBody>
+        </p:sp>
+        <p:sp>
+          <p:nvSpPr>
+            <p:cNvPr id="52" name="직사각형 51"/>
+            <p:cNvSpPr/>
+            <p:nvPr/>
+          </p:nvSpPr>
+          <p:spPr>
+            <a:xfrm>
+              <a:off x="7694138" y="1680519"/>
+              <a:ext cx="1392194" cy="988541"/>
+            </a:xfrm>
+            <a:prstGeom prst="rect">
+              <a:avLst/>
+            </a:prstGeom>
+            <a:solidFill>
+              <a:schemeClr val="accent4">
+                <a:lumMod val="20000"/>
+                <a:lumOff val="80000"/>
+              </a:schemeClr>
+            </a:solidFill>
+            <a:ln>
+              <a:solidFill>
+                <a:schemeClr val="tx1">
+                  <a:lumMod val="65000"/>
+                  <a:lumOff val="35000"/>
+                </a:schemeClr>
+              </a:solidFill>
+            </a:ln>
+          </p:spPr>
+          <p:style>
+            <a:lnRef idx="2">
+              <a:schemeClr val="accent1">
+                <a:shade val="50000"/>
+              </a:schemeClr>
+            </a:lnRef>
+            <a:fillRef idx="1">
+              <a:schemeClr val="accent1"/>
+            </a:fillRef>
+            <a:effectRef idx="0">
+              <a:schemeClr val="accent1"/>
+            </a:effectRef>
+            <a:fontRef idx="minor">
+              <a:schemeClr val="lt1"/>
+            </a:fontRef>
+          </p:style>
+          <p:txBody>
+            <a:bodyPr rtlCol="0" anchor="ctr"/>
+            <a:lstStyle/>
+            <a:p>
+              <a:pPr algn="ctr"/>
+              <a:endParaRPr lang="ko-KR" altLang="en-US"/>
+            </a:p>
+          </p:txBody>
+        </p:sp>
+        <p:sp>
+          <p:nvSpPr>
+            <p:cNvPr id="53" name="직사각형 52"/>
+            <p:cNvSpPr/>
+            <p:nvPr/>
+          </p:nvSpPr>
+          <p:spPr>
+            <a:xfrm>
+              <a:off x="6301944" y="1680519"/>
+              <a:ext cx="1392194" cy="988541"/>
+            </a:xfrm>
+            <a:prstGeom prst="rect">
+              <a:avLst/>
+            </a:prstGeom>
+            <a:solidFill>
+              <a:schemeClr val="accent4">
+                <a:lumMod val="20000"/>
+                <a:lumOff val="80000"/>
+              </a:schemeClr>
+            </a:solidFill>
+            <a:ln>
+              <a:solidFill>
+                <a:schemeClr val="tx1">
+                  <a:lumMod val="65000"/>
+                  <a:lumOff val="35000"/>
+                </a:schemeClr>
+              </a:solidFill>
+            </a:ln>
+          </p:spPr>
+          <p:style>
+            <a:lnRef idx="2">
+              <a:schemeClr val="accent1">
+                <a:shade val="50000"/>
+              </a:schemeClr>
+            </a:lnRef>
+            <a:fillRef idx="1">
+              <a:schemeClr val="accent1"/>
+            </a:fillRef>
+            <a:effectRef idx="0">
+              <a:schemeClr val="accent1"/>
+            </a:effectRef>
+            <a:fontRef idx="minor">
+              <a:schemeClr val="lt1"/>
+            </a:fontRef>
+          </p:style>
+          <p:txBody>
+            <a:bodyPr rtlCol="0" anchor="ctr"/>
+            <a:lstStyle/>
+            <a:p>
+              <a:pPr algn="ctr"/>
+              <a:endParaRPr lang="ko-KR" altLang="en-US"/>
+            </a:p>
+          </p:txBody>
+        </p:sp>
+        <p:sp>
+          <p:nvSpPr>
+            <p:cNvPr id="54" name="직사각형 53"/>
+            <p:cNvSpPr/>
+            <p:nvPr/>
+          </p:nvSpPr>
+          <p:spPr>
+            <a:xfrm>
+              <a:off x="4909750" y="1680519"/>
+              <a:ext cx="1392194" cy="988541"/>
+            </a:xfrm>
+            <a:prstGeom prst="rect">
+              <a:avLst/>
+            </a:prstGeom>
+            <a:solidFill>
+              <a:schemeClr val="accent4">
+                <a:lumMod val="20000"/>
+                <a:lumOff val="80000"/>
+              </a:schemeClr>
+            </a:solidFill>
+            <a:ln>
+              <a:solidFill>
+                <a:schemeClr val="tx1">
+                  <a:lumMod val="65000"/>
+                  <a:lumOff val="35000"/>
+                </a:schemeClr>
+              </a:solidFill>
+            </a:ln>
+          </p:spPr>
+          <p:style>
+            <a:lnRef idx="2">
+              <a:schemeClr val="accent1">
+                <a:shade val="50000"/>
+              </a:schemeClr>
+            </a:lnRef>
+            <a:fillRef idx="1">
+              <a:schemeClr val="accent1"/>
+            </a:fillRef>
+            <a:effectRef idx="0">
+              <a:schemeClr val="accent1"/>
+            </a:effectRef>
+            <a:fontRef idx="minor">
+              <a:schemeClr val="lt1"/>
+            </a:fontRef>
+          </p:style>
+          <p:txBody>
+            <a:bodyPr rtlCol="0" anchor="ctr"/>
+            <a:lstStyle/>
+            <a:p>
+              <a:pPr algn="ctr"/>
+              <a:endParaRPr lang="ko-KR" altLang="en-US"/>
+            </a:p>
+          </p:txBody>
+        </p:sp>
+        <p:sp>
+          <p:nvSpPr>
+            <p:cNvPr id="55" name="직사각형 54"/>
+            <p:cNvSpPr/>
+            <p:nvPr/>
+          </p:nvSpPr>
+          <p:spPr>
+            <a:xfrm>
+              <a:off x="3517556" y="1680519"/>
+              <a:ext cx="1392194" cy="988541"/>
+            </a:xfrm>
+            <a:prstGeom prst="rect">
+              <a:avLst/>
+            </a:prstGeom>
+            <a:solidFill>
+              <a:schemeClr val="accent4">
+                <a:lumMod val="20000"/>
+                <a:lumOff val="80000"/>
+              </a:schemeClr>
+            </a:solidFill>
+            <a:ln>
+              <a:solidFill>
+                <a:schemeClr val="tx1">
+                  <a:lumMod val="65000"/>
+                  <a:lumOff val="35000"/>
+                </a:schemeClr>
+              </a:solidFill>
+            </a:ln>
+          </p:spPr>
+          <p:style>
+            <a:lnRef idx="2">
+              <a:schemeClr val="accent1">
+                <a:shade val="50000"/>
+              </a:schemeClr>
+            </a:lnRef>
+            <a:fillRef idx="1">
+              <a:schemeClr val="accent1"/>
+            </a:fillRef>
+            <a:effectRef idx="0">
+              <a:schemeClr val="accent1"/>
+            </a:effectRef>
+            <a:fontRef idx="minor">
+              <a:schemeClr val="lt1"/>
+            </a:fontRef>
+          </p:style>
+          <p:txBody>
+            <a:bodyPr rtlCol="0" anchor="ctr"/>
+            <a:lstStyle/>
+            <a:p>
+              <a:pPr algn="ctr"/>
+              <a:endParaRPr lang="ko-KR" altLang="en-US"/>
+            </a:p>
+          </p:txBody>
+        </p:sp>
+        <p:sp>
+          <p:nvSpPr>
+            <p:cNvPr id="56" name="직사각형 55"/>
+            <p:cNvSpPr/>
+            <p:nvPr/>
+          </p:nvSpPr>
+          <p:spPr>
+            <a:xfrm>
+              <a:off x="2125362" y="1680519"/>
+              <a:ext cx="1392194" cy="988541"/>
+            </a:xfrm>
+            <a:prstGeom prst="rect">
+              <a:avLst/>
+            </a:prstGeom>
+            <a:solidFill>
+              <a:schemeClr val="accent4">
+                <a:lumMod val="20000"/>
+                <a:lumOff val="80000"/>
+              </a:schemeClr>
+            </a:solidFill>
+            <a:ln>
+              <a:solidFill>
+                <a:schemeClr val="tx1">
+                  <a:lumMod val="65000"/>
+                  <a:lumOff val="35000"/>
+                </a:schemeClr>
+              </a:solidFill>
+            </a:ln>
+          </p:spPr>
+          <p:style>
+            <a:lnRef idx="2">
+              <a:schemeClr val="accent1">
+                <a:shade val="50000"/>
+              </a:schemeClr>
+            </a:lnRef>
+            <a:fillRef idx="1">
+              <a:schemeClr val="accent1"/>
+            </a:fillRef>
+            <a:effectRef idx="0">
+              <a:schemeClr val="accent1"/>
+            </a:effectRef>
+            <a:fontRef idx="minor">
+              <a:schemeClr val="lt1"/>
+            </a:fontRef>
+          </p:style>
+          <p:txBody>
+            <a:bodyPr rtlCol="0" anchor="ctr"/>
+            <a:lstStyle/>
+            <a:p>
+              <a:pPr algn="ctr"/>
+              <a:endParaRPr lang="ko-KR" altLang="en-US"/>
+            </a:p>
+          </p:txBody>
+        </p:sp>
+        <p:sp>
+          <p:nvSpPr>
+            <p:cNvPr id="57" name="직사각형 56"/>
+            <p:cNvSpPr/>
+            <p:nvPr/>
+          </p:nvSpPr>
+          <p:spPr>
+            <a:xfrm>
+              <a:off x="733168" y="1680519"/>
+              <a:ext cx="1392194" cy="988541"/>
+            </a:xfrm>
+            <a:prstGeom prst="rect">
+              <a:avLst/>
+            </a:prstGeom>
+            <a:solidFill>
+              <a:schemeClr val="accent4">
+                <a:lumMod val="20000"/>
+                <a:lumOff val="80000"/>
+              </a:schemeClr>
+            </a:solidFill>
+            <a:ln>
+              <a:solidFill>
+                <a:schemeClr val="tx1">
+                  <a:lumMod val="65000"/>
+                  <a:lumOff val="35000"/>
+                </a:schemeClr>
+              </a:solidFill>
+            </a:ln>
+          </p:spPr>
+          <p:style>
+            <a:lnRef idx="2">
+              <a:schemeClr val="accent1">
+                <a:shade val="50000"/>
+              </a:schemeClr>
+            </a:lnRef>
+            <a:fillRef idx="1">
+              <a:schemeClr val="accent1"/>
+            </a:fillRef>
+            <a:effectRef idx="0">
+              <a:schemeClr val="accent1"/>
+            </a:effectRef>
+            <a:fontRef idx="minor">
+              <a:schemeClr val="lt1"/>
+            </a:fontRef>
+          </p:style>
+          <p:txBody>
+            <a:bodyPr rtlCol="0" anchor="ctr"/>
+            <a:lstStyle/>
+            <a:p>
+              <a:pPr algn="ctr"/>
+              <a:endParaRPr lang="ko-KR" altLang="en-US"/>
+            </a:p>
+          </p:txBody>
+        </p:sp>
+        <p:sp>
+          <p:nvSpPr>
+            <p:cNvPr id="58" name="직사각형 57"/>
+            <p:cNvSpPr/>
+            <p:nvPr/>
+          </p:nvSpPr>
+          <p:spPr>
+            <a:xfrm>
+              <a:off x="9086332" y="691978"/>
+              <a:ext cx="1392194" cy="988541"/>
+            </a:xfrm>
+            <a:prstGeom prst="rect">
+              <a:avLst/>
+            </a:prstGeom>
+            <a:solidFill>
+              <a:schemeClr val="accent4">
+                <a:lumMod val="20000"/>
+                <a:lumOff val="80000"/>
+              </a:schemeClr>
+            </a:solidFill>
+            <a:ln>
+              <a:solidFill>
+                <a:schemeClr val="tx1">
+                  <a:lumMod val="65000"/>
+                  <a:lumOff val="35000"/>
+                </a:schemeClr>
+              </a:solidFill>
+            </a:ln>
+          </p:spPr>
+          <p:style>
+            <a:lnRef idx="2">
+              <a:schemeClr val="accent1">
+                <a:shade val="50000"/>
+              </a:schemeClr>
+            </a:lnRef>
+            <a:fillRef idx="1">
+              <a:schemeClr val="accent1"/>
+            </a:fillRef>
+            <a:effectRef idx="0">
+              <a:schemeClr val="accent1"/>
+            </a:effectRef>
+            <a:fontRef idx="minor">
+              <a:schemeClr val="lt1"/>
+            </a:fontRef>
+          </p:style>
+          <p:txBody>
+            <a:bodyPr rtlCol="0" anchor="ctr"/>
+            <a:lstStyle/>
+            <a:p>
+              <a:pPr algn="ctr"/>
+              <a:endParaRPr lang="ko-KR" altLang="en-US"/>
+            </a:p>
+          </p:txBody>
+        </p:sp>
+        <p:sp>
+          <p:nvSpPr>
+            <p:cNvPr id="59" name="TextBox 58"/>
+            <p:cNvSpPr txBox="1"/>
+            <p:nvPr/>
+          </p:nvSpPr>
+          <p:spPr>
+            <a:xfrm>
+              <a:off x="2248927" y="659026"/>
+              <a:ext cx="1178016" cy="338554"/>
+            </a:xfrm>
+            <a:prstGeom prst="rect">
+              <a:avLst/>
+            </a:prstGeom>
+            <a:noFill/>
+          </p:spPr>
+          <p:txBody>
+            <a:bodyPr wrap="square" rtlCol="0">
+              <a:spAutoFit/>
+            </a:bodyPr>
+            <a:lstStyle/>
+            <a:p>
+              <a:pPr algn="ctr"/>
+              <a:r>
+                <a:rPr lang="en-US" altLang="ko-KR" sz="1600" dirty="0" smtClean="0"/>
+                <a:t>9.4</a:t>
+              </a:r>
+              <a:endParaRPr lang="ko-KR" altLang="en-US" sz="1600" dirty="0"/>
+            </a:p>
+          </p:txBody>
+        </p:sp>
+        <p:sp>
+          <p:nvSpPr>
+            <p:cNvPr id="60" name="TextBox 59"/>
+            <p:cNvSpPr txBox="1"/>
+            <p:nvPr/>
+          </p:nvSpPr>
+          <p:spPr>
+            <a:xfrm>
+              <a:off x="3624645" y="659026"/>
+              <a:ext cx="1178016" cy="338554"/>
+            </a:xfrm>
+            <a:prstGeom prst="rect">
+              <a:avLst/>
+            </a:prstGeom>
+            <a:noFill/>
+          </p:spPr>
+          <p:txBody>
+            <a:bodyPr wrap="square" rtlCol="0">
+              <a:spAutoFit/>
+            </a:bodyPr>
+            <a:lstStyle/>
+            <a:p>
+              <a:pPr algn="ctr"/>
+              <a:r>
+                <a:rPr lang="en-US" altLang="ko-KR" sz="1600" dirty="0" smtClean="0"/>
+                <a:t>9.5</a:t>
+              </a:r>
+              <a:endParaRPr lang="ko-KR" altLang="en-US" sz="1600" dirty="0"/>
+            </a:p>
+          </p:txBody>
+        </p:sp>
+        <p:sp>
+          <p:nvSpPr>
+            <p:cNvPr id="61" name="TextBox 60"/>
+            <p:cNvSpPr txBox="1"/>
+            <p:nvPr/>
+          </p:nvSpPr>
+          <p:spPr>
+            <a:xfrm>
+              <a:off x="5016839" y="659026"/>
+              <a:ext cx="1178016" cy="338554"/>
+            </a:xfrm>
+            <a:prstGeom prst="rect">
+              <a:avLst/>
+            </a:prstGeom>
+            <a:noFill/>
+          </p:spPr>
+          <p:txBody>
+            <a:bodyPr wrap="square" rtlCol="0">
+              <a:spAutoFit/>
+            </a:bodyPr>
+            <a:lstStyle/>
+            <a:p>
+              <a:pPr algn="ctr"/>
+              <a:r>
+                <a:rPr lang="en-US" altLang="ko-KR" sz="1600" dirty="0" smtClean="0"/>
+                <a:t>9.6</a:t>
+              </a:r>
+              <a:endParaRPr lang="ko-KR" altLang="en-US" sz="1600" dirty="0"/>
+            </a:p>
+          </p:txBody>
+        </p:sp>
+        <p:sp>
+          <p:nvSpPr>
+            <p:cNvPr id="62" name="TextBox 61"/>
+            <p:cNvSpPr txBox="1"/>
+            <p:nvPr/>
+          </p:nvSpPr>
+          <p:spPr>
+            <a:xfrm>
+              <a:off x="6409033" y="659026"/>
+              <a:ext cx="1178016" cy="338554"/>
+            </a:xfrm>
+            <a:prstGeom prst="rect">
+              <a:avLst/>
+            </a:prstGeom>
+            <a:noFill/>
+          </p:spPr>
+          <p:txBody>
+            <a:bodyPr wrap="square" rtlCol="0">
+              <a:spAutoFit/>
+            </a:bodyPr>
+            <a:lstStyle/>
+            <a:p>
+              <a:pPr algn="ctr"/>
+              <a:r>
+                <a:rPr lang="en-US" altLang="ko-KR" sz="1600" dirty="0" smtClean="0"/>
+                <a:t>9.7</a:t>
+              </a:r>
+              <a:endParaRPr lang="ko-KR" altLang="en-US" sz="1600" dirty="0"/>
+            </a:p>
+          </p:txBody>
+        </p:sp>
+        <p:sp>
+          <p:nvSpPr>
+            <p:cNvPr id="63" name="TextBox 62"/>
+            <p:cNvSpPr txBox="1"/>
+            <p:nvPr/>
+          </p:nvSpPr>
+          <p:spPr>
+            <a:xfrm>
+              <a:off x="7801227" y="659026"/>
+              <a:ext cx="1178016" cy="338554"/>
+            </a:xfrm>
+            <a:prstGeom prst="rect">
+              <a:avLst/>
+            </a:prstGeom>
+            <a:noFill/>
+          </p:spPr>
+          <p:txBody>
+            <a:bodyPr wrap="square" rtlCol="0">
+              <a:spAutoFit/>
+            </a:bodyPr>
+            <a:lstStyle/>
+            <a:p>
+              <a:pPr algn="ctr"/>
+              <a:r>
+                <a:rPr lang="en-US" altLang="ko-KR" sz="1600" dirty="0" smtClean="0"/>
+                <a:t>9.8</a:t>
+              </a:r>
+              <a:endParaRPr lang="ko-KR" altLang="en-US" sz="1600" dirty="0"/>
+            </a:p>
+          </p:txBody>
+        </p:sp>
+        <p:sp>
+          <p:nvSpPr>
+            <p:cNvPr id="64" name="TextBox 63"/>
+            <p:cNvSpPr txBox="1"/>
+            <p:nvPr/>
+          </p:nvSpPr>
+          <p:spPr>
+            <a:xfrm>
+              <a:off x="9193421" y="659026"/>
+              <a:ext cx="1178016" cy="338554"/>
+            </a:xfrm>
+            <a:prstGeom prst="rect">
+              <a:avLst/>
+            </a:prstGeom>
+            <a:noFill/>
+          </p:spPr>
+          <p:txBody>
+            <a:bodyPr wrap="square" rtlCol="0">
+              <a:spAutoFit/>
+            </a:bodyPr>
+            <a:lstStyle/>
+            <a:p>
+              <a:pPr algn="ctr"/>
+              <a:r>
+                <a:rPr lang="en-US" altLang="ko-KR" sz="1600" dirty="0" smtClean="0"/>
+                <a:t>9.9</a:t>
+              </a:r>
+              <a:endParaRPr lang="ko-KR" altLang="en-US" sz="1600" dirty="0"/>
+            </a:p>
+          </p:txBody>
+        </p:sp>
+        <p:sp>
+          <p:nvSpPr>
+            <p:cNvPr id="65" name="TextBox 64"/>
+            <p:cNvSpPr txBox="1"/>
+            <p:nvPr/>
+          </p:nvSpPr>
+          <p:spPr>
+            <a:xfrm>
+              <a:off x="7801227" y="1662383"/>
+              <a:ext cx="1178016" cy="338554"/>
+            </a:xfrm>
+            <a:prstGeom prst="rect">
+              <a:avLst/>
+            </a:prstGeom>
+            <a:noFill/>
+          </p:spPr>
+          <p:txBody>
+            <a:bodyPr wrap="square" rtlCol="0">
+              <a:spAutoFit/>
+            </a:bodyPr>
+            <a:lstStyle/>
+            <a:p>
+              <a:pPr algn="ctr"/>
+              <a:r>
+                <a:rPr lang="en-US" altLang="ko-KR" sz="1600" dirty="0" smtClean="0"/>
+                <a:t>9.15</a:t>
+              </a:r>
+              <a:endParaRPr lang="ko-KR" altLang="en-US" sz="1600" dirty="0"/>
+            </a:p>
+          </p:txBody>
+        </p:sp>
+        <p:sp>
+          <p:nvSpPr>
+            <p:cNvPr id="66" name="TextBox 65"/>
+            <p:cNvSpPr txBox="1"/>
+            <p:nvPr/>
+          </p:nvSpPr>
+          <p:spPr>
+            <a:xfrm>
+              <a:off x="6409033" y="1662383"/>
+              <a:ext cx="1178016" cy="338554"/>
+            </a:xfrm>
+            <a:prstGeom prst="rect">
+              <a:avLst/>
+            </a:prstGeom>
+            <a:noFill/>
+          </p:spPr>
+          <p:txBody>
+            <a:bodyPr wrap="square" rtlCol="0">
+              <a:spAutoFit/>
+            </a:bodyPr>
+            <a:lstStyle/>
+            <a:p>
+              <a:pPr algn="ctr"/>
+              <a:r>
+                <a:rPr lang="en-US" altLang="ko-KR" sz="1600" dirty="0" smtClean="0"/>
+                <a:t>9.14</a:t>
+              </a:r>
+              <a:endParaRPr lang="ko-KR" altLang="en-US" sz="1600" dirty="0"/>
+            </a:p>
+          </p:txBody>
+        </p:sp>
+        <p:sp>
+          <p:nvSpPr>
+            <p:cNvPr id="67" name="TextBox 66"/>
+            <p:cNvSpPr txBox="1"/>
+            <p:nvPr/>
+          </p:nvSpPr>
+          <p:spPr>
+            <a:xfrm>
+              <a:off x="5016839" y="1662383"/>
+              <a:ext cx="1178016" cy="338554"/>
+            </a:xfrm>
+            <a:prstGeom prst="rect">
+              <a:avLst/>
+            </a:prstGeom>
+            <a:noFill/>
+          </p:spPr>
+          <p:txBody>
+            <a:bodyPr wrap="square" rtlCol="0">
+              <a:spAutoFit/>
+            </a:bodyPr>
+            <a:lstStyle/>
+            <a:p>
+              <a:pPr algn="ctr"/>
+              <a:r>
+                <a:rPr lang="en-US" altLang="ko-KR" sz="1600" dirty="0" smtClean="0"/>
+                <a:t>9.13</a:t>
+              </a:r>
+              <a:endParaRPr lang="ko-KR" altLang="en-US" sz="1600" dirty="0"/>
+            </a:p>
+          </p:txBody>
+        </p:sp>
+        <p:sp>
+          <p:nvSpPr>
+            <p:cNvPr id="68" name="TextBox 67"/>
+            <p:cNvSpPr txBox="1"/>
+            <p:nvPr/>
+          </p:nvSpPr>
+          <p:spPr>
+            <a:xfrm>
+              <a:off x="3624645" y="1662383"/>
+              <a:ext cx="1178016" cy="338554"/>
+            </a:xfrm>
+            <a:prstGeom prst="rect">
+              <a:avLst/>
+            </a:prstGeom>
+            <a:noFill/>
+          </p:spPr>
+          <p:txBody>
+            <a:bodyPr wrap="square" rtlCol="0">
+              <a:spAutoFit/>
+            </a:bodyPr>
+            <a:lstStyle/>
+            <a:p>
+              <a:pPr algn="ctr"/>
+              <a:r>
+                <a:rPr lang="en-US" altLang="ko-KR" sz="1600" dirty="0" smtClean="0"/>
+                <a:t>9.12</a:t>
+              </a:r>
+              <a:endParaRPr lang="ko-KR" altLang="en-US" sz="1600" dirty="0"/>
+            </a:p>
+          </p:txBody>
+        </p:sp>
+        <p:sp>
+          <p:nvSpPr>
+            <p:cNvPr id="69" name="TextBox 68"/>
+            <p:cNvSpPr txBox="1"/>
+            <p:nvPr/>
+          </p:nvSpPr>
+          <p:spPr>
+            <a:xfrm>
+              <a:off x="2248927" y="1662383"/>
+              <a:ext cx="1178016" cy="338554"/>
+            </a:xfrm>
+            <a:prstGeom prst="rect">
+              <a:avLst/>
+            </a:prstGeom>
+            <a:noFill/>
+          </p:spPr>
+          <p:txBody>
+            <a:bodyPr wrap="square" rtlCol="0">
+              <a:spAutoFit/>
+            </a:bodyPr>
+            <a:lstStyle/>
+            <a:p>
+              <a:pPr algn="ctr"/>
+              <a:r>
+                <a:rPr lang="en-US" altLang="ko-KR" sz="1600" dirty="0" smtClean="0"/>
+                <a:t>9.11</a:t>
+              </a:r>
+              <a:endParaRPr lang="ko-KR" altLang="en-US" sz="1600" dirty="0"/>
+            </a:p>
+          </p:txBody>
+        </p:sp>
+        <p:sp>
+          <p:nvSpPr>
+            <p:cNvPr id="70" name="TextBox 69"/>
+            <p:cNvSpPr txBox="1"/>
+            <p:nvPr/>
+          </p:nvSpPr>
+          <p:spPr>
+            <a:xfrm>
+              <a:off x="840257" y="1662383"/>
+              <a:ext cx="1178016" cy="338554"/>
+            </a:xfrm>
+            <a:prstGeom prst="rect">
+              <a:avLst/>
+            </a:prstGeom>
+            <a:noFill/>
+          </p:spPr>
+          <p:txBody>
+            <a:bodyPr wrap="square" rtlCol="0">
+              <a:spAutoFit/>
+            </a:bodyPr>
+            <a:lstStyle/>
+            <a:p>
+              <a:pPr algn="ctr"/>
+              <a:r>
+                <a:rPr lang="en-US" altLang="ko-KR" sz="1600" dirty="0" smtClean="0"/>
+                <a:t>9.10</a:t>
+              </a:r>
+              <a:endParaRPr lang="ko-KR" altLang="en-US" sz="1600" dirty="0"/>
+            </a:p>
+          </p:txBody>
+        </p:sp>
+        <p:sp>
+          <p:nvSpPr>
+            <p:cNvPr id="71" name="모서리가 둥근 직사각형 70"/>
+            <p:cNvSpPr/>
+            <p:nvPr/>
+          </p:nvSpPr>
+          <p:spPr>
+            <a:xfrm>
+              <a:off x="2125362" y="1140483"/>
+              <a:ext cx="4176582" cy="293702"/>
+            </a:xfrm>
+            <a:prstGeom prst="roundRect">
+              <a:avLst/>
+            </a:prstGeom>
+            <a:solidFill>
+              <a:schemeClr val="accent5">
+                <a:lumMod val="40000"/>
+                <a:lumOff val="60000"/>
+              </a:schemeClr>
+            </a:solidFill>
+            <a:ln>
+              <a:solidFill>
+                <a:schemeClr val="tx1"/>
+              </a:solidFill>
+            </a:ln>
+          </p:spPr>
+          <p:style>
+            <a:lnRef idx="2">
+              <a:schemeClr val="accent1">
+                <a:shade val="50000"/>
+              </a:schemeClr>
+            </a:lnRef>
+            <a:fillRef idx="1">
+              <a:schemeClr val="accent1"/>
+            </a:fillRef>
+            <a:effectRef idx="0">
+              <a:schemeClr val="accent1"/>
+            </a:effectRef>
+            <a:fontRef idx="minor">
+              <a:schemeClr val="lt1"/>
+            </a:fontRef>
+          </p:style>
+          <p:txBody>
+            <a:bodyPr rtlCol="0" anchor="ctr"/>
+            <a:lstStyle/>
+            <a:p>
+              <a:pPr algn="ctr"/>
+              <a:r>
+                <a:rPr lang="en-US" altLang="ja-JP" dirty="0" smtClean="0">
+                  <a:solidFill>
+                    <a:schemeClr val="tx1">
+                      <a:lumMod val="95000"/>
+                      <a:lumOff val="5000"/>
+                    </a:schemeClr>
+                  </a:solidFill>
+                </a:rPr>
+                <a:t>DB</a:t>
+              </a:r>
+              <a:r>
+                <a:rPr lang="ja-JP" altLang="en-US" dirty="0" smtClean="0">
+                  <a:solidFill>
+                    <a:schemeClr val="tx1">
+                      <a:lumMod val="95000"/>
+                      <a:lumOff val="5000"/>
+                    </a:schemeClr>
+                  </a:solidFill>
+                </a:rPr>
+                <a:t>設計</a:t>
+              </a:r>
+              <a:endParaRPr lang="ko-KR" altLang="en-US" dirty="0">
+                <a:solidFill>
+                  <a:schemeClr val="tx1">
+                    <a:lumMod val="95000"/>
+                    <a:lumOff val="5000"/>
+                  </a:schemeClr>
+                </a:solidFill>
+              </a:endParaRPr>
+            </a:p>
+          </p:txBody>
+        </p:sp>
+        <p:sp>
+          <p:nvSpPr>
+            <p:cNvPr id="72" name="모서리가 둥근 직사각형 71"/>
+            <p:cNvSpPr/>
+            <p:nvPr/>
+          </p:nvSpPr>
+          <p:spPr>
+            <a:xfrm>
+              <a:off x="4909750" y="2229135"/>
+              <a:ext cx="1392194" cy="293702"/>
+            </a:xfrm>
+            <a:prstGeom prst="roundRect">
+              <a:avLst/>
+            </a:prstGeom>
+            <a:solidFill>
+              <a:schemeClr val="accent3">
+                <a:lumMod val="20000"/>
+                <a:lumOff val="80000"/>
+              </a:schemeClr>
+            </a:solidFill>
+            <a:ln>
+              <a:solidFill>
+                <a:schemeClr val="tx1"/>
+              </a:solidFill>
+            </a:ln>
+          </p:spPr>
+          <p:style>
+            <a:lnRef idx="2">
+              <a:schemeClr val="accent1">
+                <a:shade val="50000"/>
+              </a:schemeClr>
+            </a:lnRef>
+            <a:fillRef idx="1">
+              <a:schemeClr val="accent1"/>
+            </a:fillRef>
+            <a:effectRef idx="0">
+              <a:schemeClr val="accent1"/>
+            </a:effectRef>
+            <a:fontRef idx="minor">
+              <a:schemeClr val="lt1"/>
+            </a:fontRef>
+          </p:style>
+          <p:txBody>
+            <a:bodyPr rtlCol="0" anchor="ctr"/>
+            <a:lstStyle/>
+            <a:p>
+              <a:pPr algn="ctr"/>
+              <a:r>
+                <a:rPr lang="ja-JP" altLang="en-US" sz="1400" dirty="0" smtClean="0">
+                  <a:solidFill>
+                    <a:schemeClr val="tx1">
+                      <a:lumMod val="95000"/>
+                      <a:lumOff val="5000"/>
+                    </a:schemeClr>
+                  </a:solidFill>
+                </a:rPr>
+                <a:t>開発書作成</a:t>
+              </a:r>
+              <a:endParaRPr lang="ko-KR" altLang="en-US" sz="1400" dirty="0">
+                <a:solidFill>
+                  <a:schemeClr val="tx1">
+                    <a:lumMod val="95000"/>
+                    <a:lumOff val="5000"/>
+                  </a:schemeClr>
+                </a:solidFill>
+              </a:endParaRPr>
+            </a:p>
+          </p:txBody>
+        </p:sp>
+        <p:sp>
+          <p:nvSpPr>
+            <p:cNvPr id="73" name="모서리가 둥근 직사각형 72"/>
+            <p:cNvSpPr/>
+            <p:nvPr/>
+          </p:nvSpPr>
+          <p:spPr>
+            <a:xfrm>
+              <a:off x="6301944" y="1140483"/>
+              <a:ext cx="2784388" cy="293702"/>
+            </a:xfrm>
+            <a:prstGeom prst="roundRect">
+              <a:avLst/>
+            </a:prstGeom>
+            <a:solidFill>
+              <a:schemeClr val="accent6">
+                <a:lumMod val="60000"/>
+                <a:lumOff val="40000"/>
+              </a:schemeClr>
+            </a:solidFill>
+            <a:ln>
+              <a:solidFill>
+                <a:schemeClr val="tx1"/>
+              </a:solidFill>
+            </a:ln>
+          </p:spPr>
+          <p:style>
+            <a:lnRef idx="2">
+              <a:schemeClr val="accent1">
+                <a:shade val="50000"/>
+              </a:schemeClr>
+            </a:lnRef>
+            <a:fillRef idx="1">
+              <a:schemeClr val="accent1"/>
+            </a:fillRef>
+            <a:effectRef idx="0">
+              <a:schemeClr val="accent1"/>
+            </a:effectRef>
+            <a:fontRef idx="minor">
+              <a:schemeClr val="lt1"/>
+            </a:fontRef>
+          </p:style>
+          <p:txBody>
+            <a:bodyPr rtlCol="0" anchor="ctr"/>
+            <a:lstStyle/>
+            <a:p>
+              <a:pPr algn="ctr"/>
+              <a:r>
+                <a:rPr lang="ja-JP" altLang="en-US" dirty="0" smtClean="0">
+                  <a:solidFill>
+                    <a:schemeClr val="tx1">
+                      <a:lumMod val="95000"/>
+                      <a:lumOff val="5000"/>
+                    </a:schemeClr>
+                  </a:solidFill>
+                </a:rPr>
+                <a:t>機能ソース作成</a:t>
+              </a:r>
+              <a:endParaRPr lang="ko-KR" altLang="en-US" dirty="0">
+                <a:solidFill>
+                  <a:schemeClr val="tx1">
+                    <a:lumMod val="95000"/>
+                    <a:lumOff val="5000"/>
+                  </a:schemeClr>
+                </a:solidFill>
+              </a:endParaRPr>
+            </a:p>
+          </p:txBody>
+        </p:sp>
+        <p:sp>
+          <p:nvSpPr>
+            <p:cNvPr id="74" name="양쪽 모서리가 둥근 사각형 73"/>
+            <p:cNvSpPr/>
+            <p:nvPr/>
+          </p:nvSpPr>
+          <p:spPr>
+            <a:xfrm rot="16200000">
+              <a:off x="9643818" y="599477"/>
+              <a:ext cx="293702" cy="1375714"/>
+            </a:xfrm>
+            <a:prstGeom prst="round2SameRect">
+              <a:avLst>
+                <a:gd name="adj1" fmla="val 50000"/>
+                <a:gd name="adj2" fmla="val 0"/>
+              </a:avLst>
+            </a:prstGeom>
+            <a:solidFill>
+              <a:schemeClr val="accent3">
+                <a:lumMod val="50000"/>
+              </a:schemeClr>
+            </a:solidFill>
+            <a:ln>
+              <a:solidFill>
+                <a:schemeClr val="tx1"/>
+              </a:solidFill>
+            </a:ln>
+          </p:spPr>
+          <p:style>
+            <a:lnRef idx="2">
+              <a:schemeClr val="accent1">
+                <a:shade val="50000"/>
+              </a:schemeClr>
+            </a:lnRef>
+            <a:fillRef idx="1">
+              <a:schemeClr val="accent1"/>
+            </a:fillRef>
+            <a:effectRef idx="0">
+              <a:schemeClr val="accent1"/>
+            </a:effectRef>
+            <a:fontRef idx="minor">
+              <a:schemeClr val="lt1"/>
+            </a:fontRef>
+          </p:style>
+          <p:txBody>
+            <a:bodyPr rtlCol="0" anchor="ctr"/>
+            <a:lstStyle/>
+            <a:p>
+              <a:pPr algn="ctr"/>
+              <a:endParaRPr lang="ko-KR" altLang="en-US"/>
+            </a:p>
+          </p:txBody>
+        </p:sp>
+        <p:sp>
+          <p:nvSpPr>
+            <p:cNvPr id="75" name="양쪽 모서리가 둥근 사각형 74"/>
+            <p:cNvSpPr/>
+            <p:nvPr/>
+          </p:nvSpPr>
+          <p:spPr>
+            <a:xfrm rot="5400000">
+              <a:off x="2674608" y="287695"/>
+              <a:ext cx="293702" cy="4176582"/>
+            </a:xfrm>
+            <a:prstGeom prst="round2SameRect">
+              <a:avLst>
+                <a:gd name="adj1" fmla="val 50000"/>
+                <a:gd name="adj2" fmla="val 0"/>
+              </a:avLst>
+            </a:prstGeom>
+            <a:solidFill>
+              <a:schemeClr val="accent3">
+                <a:lumMod val="50000"/>
+              </a:schemeClr>
+            </a:solidFill>
+            <a:ln>
+              <a:solidFill>
+                <a:schemeClr val="tx1"/>
+              </a:solidFill>
+            </a:ln>
+          </p:spPr>
+          <p:style>
+            <a:lnRef idx="2">
+              <a:schemeClr val="accent1">
+                <a:shade val="50000"/>
+              </a:schemeClr>
+            </a:lnRef>
+            <a:fillRef idx="1">
+              <a:schemeClr val="accent1"/>
+            </a:fillRef>
+            <a:effectRef idx="0">
+              <a:schemeClr val="accent1"/>
+            </a:effectRef>
+            <a:fontRef idx="minor">
+              <a:schemeClr val="lt1"/>
+            </a:fontRef>
+          </p:style>
+          <p:txBody>
+            <a:bodyPr rtlCol="0" anchor="ctr"/>
+            <a:lstStyle/>
+            <a:p>
+              <a:pPr algn="ctr"/>
+              <a:endParaRPr lang="ko-KR" altLang="en-US" dirty="0"/>
+            </a:p>
+          </p:txBody>
+        </p:sp>
+        <p:sp>
+          <p:nvSpPr>
+            <p:cNvPr id="76" name="TextBox 75"/>
+            <p:cNvSpPr txBox="1"/>
+            <p:nvPr/>
+          </p:nvSpPr>
+          <p:spPr>
+            <a:xfrm>
+              <a:off x="1886463" y="2207796"/>
+              <a:ext cx="2051222" cy="369332"/>
+            </a:xfrm>
+            <a:prstGeom prst="rect">
+              <a:avLst/>
+            </a:prstGeom>
+            <a:noFill/>
+          </p:spPr>
+          <p:txBody>
+            <a:bodyPr wrap="square" rtlCol="0">
+              <a:spAutoFit/>
+            </a:bodyPr>
+            <a:lstStyle/>
+            <a:p>
+              <a:pPr algn="ctr"/>
+              <a:r>
+                <a:rPr lang="ja-JP" altLang="en-US" dirty="0" smtClean="0">
+                  <a:solidFill>
+                    <a:schemeClr val="bg1"/>
+                  </a:solidFill>
+                </a:rPr>
+                <a:t>フロントページ作成</a:t>
+              </a:r>
+              <a:endParaRPr lang="ko-KR" altLang="en-US" dirty="0">
+                <a:solidFill>
+                  <a:schemeClr val="bg1"/>
+                </a:solidFill>
+              </a:endParaRPr>
+            </a:p>
+          </p:txBody>
+        </p:sp>
+        <p:sp>
+          <p:nvSpPr>
+            <p:cNvPr id="77" name="모서리가 둥근 직사각형 76"/>
+            <p:cNvSpPr/>
+            <p:nvPr/>
+          </p:nvSpPr>
+          <p:spPr>
+            <a:xfrm>
+              <a:off x="6301944" y="2229135"/>
+              <a:ext cx="1392194" cy="293702"/>
+            </a:xfrm>
+            <a:prstGeom prst="roundRect">
+              <a:avLst/>
+            </a:prstGeom>
+            <a:solidFill>
+              <a:schemeClr val="accent2">
+                <a:lumMod val="40000"/>
+                <a:lumOff val="60000"/>
+              </a:schemeClr>
+            </a:solidFill>
+            <a:ln>
+              <a:solidFill>
+                <a:schemeClr val="tx1"/>
+              </a:solidFill>
+            </a:ln>
+          </p:spPr>
+          <p:style>
+            <a:lnRef idx="2">
+              <a:schemeClr val="accent1">
+                <a:shade val="50000"/>
+              </a:schemeClr>
+            </a:lnRef>
+            <a:fillRef idx="1">
+              <a:schemeClr val="accent1"/>
+            </a:fillRef>
+            <a:effectRef idx="0">
+              <a:schemeClr val="accent1"/>
+            </a:effectRef>
+            <a:fontRef idx="minor">
+              <a:schemeClr val="lt1"/>
+            </a:fontRef>
+          </p:style>
+          <p:txBody>
+            <a:bodyPr rtlCol="0" anchor="ctr"/>
+            <a:lstStyle/>
+            <a:p>
+              <a:pPr algn="ctr"/>
+              <a:r>
+                <a:rPr lang="en-US" altLang="ja-JP" sz="1400" dirty="0" smtClean="0">
+                  <a:solidFill>
+                    <a:schemeClr val="tx1">
+                      <a:lumMod val="95000"/>
+                      <a:lumOff val="5000"/>
+                    </a:schemeClr>
+                  </a:solidFill>
+                </a:rPr>
+                <a:t>PPT</a:t>
+              </a:r>
+              <a:r>
+                <a:rPr lang="ja-JP" altLang="en-US" sz="1400" dirty="0" smtClean="0">
+                  <a:solidFill>
+                    <a:schemeClr val="tx1">
+                      <a:lumMod val="95000"/>
+                      <a:lumOff val="5000"/>
+                    </a:schemeClr>
+                  </a:solidFill>
+                </a:rPr>
+                <a:t>作成</a:t>
+              </a:r>
+              <a:endParaRPr lang="ko-KR" altLang="en-US" sz="1400" dirty="0">
+                <a:solidFill>
+                  <a:schemeClr val="tx1">
+                    <a:lumMod val="95000"/>
+                    <a:lumOff val="5000"/>
+                  </a:schemeClr>
+                </a:solidFill>
+              </a:endParaRPr>
+            </a:p>
+          </p:txBody>
+        </p:sp>
+        <p:sp>
+          <p:nvSpPr>
+            <p:cNvPr id="78" name="모서리가 둥근 직사각형 77"/>
+            <p:cNvSpPr/>
+            <p:nvPr/>
+          </p:nvSpPr>
+          <p:spPr>
+            <a:xfrm>
+              <a:off x="4909750" y="1931827"/>
+              <a:ext cx="1392194" cy="293702"/>
+            </a:xfrm>
+            <a:prstGeom prst="roundRect">
+              <a:avLst/>
+            </a:prstGeom>
+            <a:solidFill>
+              <a:schemeClr val="accent3">
+                <a:lumMod val="20000"/>
+                <a:lumOff val="80000"/>
+              </a:schemeClr>
+            </a:solidFill>
+            <a:ln>
+              <a:solidFill>
+                <a:schemeClr val="tx1"/>
+              </a:solidFill>
+            </a:ln>
+          </p:spPr>
+          <p:style>
+            <a:lnRef idx="2">
+              <a:schemeClr val="accent1">
+                <a:shade val="50000"/>
+              </a:schemeClr>
+            </a:lnRef>
+            <a:fillRef idx="1">
+              <a:schemeClr val="accent1"/>
+            </a:fillRef>
+            <a:effectRef idx="0">
+              <a:schemeClr val="accent1"/>
+            </a:effectRef>
+            <a:fontRef idx="minor">
+              <a:schemeClr val="lt1"/>
+            </a:fontRef>
+          </p:style>
+          <p:txBody>
+            <a:bodyPr rtlCol="0" anchor="ctr"/>
+            <a:lstStyle/>
+            <a:p>
+              <a:pPr algn="ctr"/>
+              <a:r>
+                <a:rPr lang="en-US" altLang="ko-KR" sz="1400" dirty="0" smtClean="0">
+                  <a:solidFill>
+                    <a:schemeClr val="tx1">
+                      <a:lumMod val="95000"/>
+                      <a:lumOff val="5000"/>
+                    </a:schemeClr>
+                  </a:solidFill>
+                </a:rPr>
+                <a:t>Debugging</a:t>
+              </a:r>
+              <a:endParaRPr lang="ko-KR" altLang="en-US" sz="1400" dirty="0">
+                <a:solidFill>
+                  <a:schemeClr val="tx1">
+                    <a:lumMod val="95000"/>
+                    <a:lumOff val="5000"/>
+                  </a:schemeClr>
+                </a:solidFill>
+              </a:endParaRPr>
+            </a:p>
+          </p:txBody>
+        </p:sp>
+      </p:grpSp>
     </p:spTree>
     <p:extLst>
       <p:ext uri="{BB962C8B-B14F-4D97-AF65-F5344CB8AC3E}">
@@ -11650,6 +13198,6992 @@
 </p:sld>
 </file>
 
+<file path=ppt/slides/slide3.xml><?xml version="1.0" encoding="utf-8"?>
+<p:sld xmlns:a="http://schemas.openxmlformats.org/drawingml/2006/main" xmlns:r="http://schemas.openxmlformats.org/officeDocument/2006/relationships" xmlns:p="http://schemas.openxmlformats.org/presentationml/2006/main">
+  <p:cSld>
+    <p:spTree>
+      <p:nvGrpSpPr>
+        <p:cNvPr id="1" name=""/>
+        <p:cNvGrpSpPr/>
+        <p:nvPr/>
+      </p:nvGrpSpPr>
+      <p:grpSpPr>
+        <a:xfrm>
+          <a:off x="0" y="0"/>
+          <a:ext cx="0" cy="0"/>
+          <a:chOff x="0" y="0"/>
+          <a:chExt cx="0" cy="0"/>
+        </a:xfrm>
+      </p:grpSpPr>
+      <p:graphicFrame>
+        <p:nvGraphicFramePr>
+          <p:cNvPr id="4" name="표 3"/>
+          <p:cNvGraphicFramePr>
+            <a:graphicFrameLocks noGrp="1"/>
+          </p:cNvGraphicFramePr>
+          <p:nvPr>
+            <p:extLst>
+              <p:ext uri="{D42A27DB-BD31-4B8C-83A1-F6EECF244321}">
+                <p14:modId xmlns:p14="http://schemas.microsoft.com/office/powerpoint/2010/main" val="1365413808"/>
+              </p:ext>
+            </p:extLst>
+          </p:nvPr>
+        </p:nvGraphicFramePr>
+        <p:xfrm>
+          <a:off x="1182660" y="-3829408"/>
+          <a:ext cx="3318597" cy="3017520"/>
+        </p:xfrm>
+        <a:graphic>
+          <a:graphicData uri="http://schemas.openxmlformats.org/drawingml/2006/table">
+            <a:tbl>
+              <a:tblPr firstRow="1" bandRow="1">
+                <a:tableStyleId>{F2DE63D5-997A-4646-A377-4702673A728D}</a:tableStyleId>
+              </a:tblPr>
+              <a:tblGrid>
+                <a:gridCol w="1106199"/>
+                <a:gridCol w="1106199"/>
+                <a:gridCol w="1106199"/>
+              </a:tblGrid>
+              <a:tr h="230189">
+                <a:tc gridSpan="3">
+                  <a:txBody>
+                    <a:bodyPr/>
+                    <a:lstStyle/>
+                    <a:p>
+                      <a:pPr algn="ctr" latinLnBrk="1"/>
+                      <a:r>
+                        <a:rPr lang="en-US" altLang="ko-KR" sz="1200" dirty="0" smtClean="0"/>
+                        <a:t>Member</a:t>
+                      </a:r>
+                      <a:endParaRPr lang="ko-KR" altLang="en-US" sz="1200" dirty="0"/>
+                    </a:p>
+                  </a:txBody>
+                  <a:tcPr/>
+                </a:tc>
+                <a:tc hMerge="1">
+                  <a:txBody>
+                    <a:bodyPr/>
+                    <a:lstStyle/>
+                    <a:p>
+                      <a:pPr algn="ctr" latinLnBrk="1"/>
+                      <a:endParaRPr lang="ko-KR" altLang="en-US" dirty="0"/>
+                    </a:p>
+                  </a:txBody>
+                  <a:tcPr/>
+                </a:tc>
+                <a:tc hMerge="1">
+                  <a:txBody>
+                    <a:bodyPr/>
+                    <a:lstStyle/>
+                    <a:p>
+                      <a:pPr algn="ctr" latinLnBrk="1"/>
+                      <a:endParaRPr lang="ko-KR" altLang="en-US" dirty="0"/>
+                    </a:p>
+                  </a:txBody>
+                  <a:tcPr/>
+                </a:tc>
+              </a:tr>
+              <a:tr h="245686">
+                <a:tc>
+                  <a:txBody>
+                    <a:bodyPr/>
+                    <a:lstStyle/>
+                    <a:p>
+                      <a:pPr marL="0" marR="0" lvl="0" indent="0" algn="ctr" defTabSz="914400" rtl="0" eaLnBrk="1" fontAlgn="auto" latinLnBrk="1" hangingPunct="1">
+                        <a:lnSpc>
+                          <a:spcPct val="100000"/>
+                        </a:lnSpc>
+                        <a:spcBef>
+                          <a:spcPts val="0"/>
+                        </a:spcBef>
+                        <a:spcAft>
+                          <a:spcPts val="0"/>
+                        </a:spcAft>
+                        <a:buClrTx/>
+                        <a:buSzTx/>
+                        <a:buFontTx/>
+                        <a:buNone/>
+                        <a:tabLst/>
+                        <a:defRPr/>
+                      </a:pPr>
+                      <a:r>
+                        <a:rPr lang="ja-JP" altLang="en-US" sz="1200" dirty="0" smtClean="0"/>
+                        <a:t>促成名</a:t>
+                      </a:r>
+                      <a:endParaRPr lang="ko-KR" altLang="en-US" sz="1200" dirty="0" smtClean="0"/>
+                    </a:p>
+                  </a:txBody>
+                  <a:tcPr/>
+                </a:tc>
+                <a:tc>
+                  <a:txBody>
+                    <a:bodyPr/>
+                    <a:lstStyle/>
+                    <a:p>
+                      <a:pPr algn="ctr" latinLnBrk="1"/>
+                      <a:r>
+                        <a:rPr lang="ja-JP" altLang="en-US" sz="1200" dirty="0" smtClean="0"/>
+                        <a:t>データタイプ</a:t>
+                      </a:r>
+                      <a:endParaRPr lang="ko-KR" altLang="en-US" sz="1200" dirty="0"/>
+                    </a:p>
+                  </a:txBody>
+                  <a:tcPr/>
+                </a:tc>
+                <a:tc>
+                  <a:txBody>
+                    <a:bodyPr/>
+                    <a:lstStyle/>
+                    <a:p>
+                      <a:pPr algn="ctr" latinLnBrk="1"/>
+                      <a:r>
+                        <a:rPr lang="ja-JP" altLang="en-US" sz="1200" dirty="0" smtClean="0"/>
+                        <a:t>オプション</a:t>
+                      </a:r>
+                      <a:endParaRPr lang="ko-KR" altLang="en-US" sz="1200" dirty="0"/>
+                    </a:p>
+                  </a:txBody>
+                  <a:tcPr/>
+                </a:tc>
+              </a:tr>
+              <a:tr h="245686">
+                <a:tc>
+                  <a:txBody>
+                    <a:bodyPr/>
+                    <a:lstStyle/>
+                    <a:p>
+                      <a:pPr marL="0" marR="0" lvl="0" indent="0" algn="ctr" defTabSz="914400" rtl="0" eaLnBrk="1" fontAlgn="auto" latinLnBrk="1" hangingPunct="1">
+                        <a:lnSpc>
+                          <a:spcPct val="100000"/>
+                        </a:lnSpc>
+                        <a:spcBef>
+                          <a:spcPts val="0"/>
+                        </a:spcBef>
+                        <a:spcAft>
+                          <a:spcPts val="0"/>
+                        </a:spcAft>
+                        <a:buClrTx/>
+                        <a:buSzTx/>
+                        <a:buFontTx/>
+                        <a:buNone/>
+                        <a:tabLst/>
+                        <a:defRPr/>
+                      </a:pPr>
+                      <a:r>
+                        <a:rPr lang="en-US" altLang="ko-KR" sz="1200" dirty="0" smtClean="0"/>
+                        <a:t>id</a:t>
+                      </a:r>
+                      <a:endParaRPr lang="ko-KR" altLang="en-US" sz="1200" dirty="0" smtClean="0"/>
+                    </a:p>
+                  </a:txBody>
+                  <a:tcPr/>
+                </a:tc>
+                <a:tc>
+                  <a:txBody>
+                    <a:bodyPr/>
+                    <a:lstStyle/>
+                    <a:p>
+                      <a:pPr algn="ctr" latinLnBrk="1"/>
+                      <a:r>
+                        <a:rPr lang="en-US" altLang="ko-KR" sz="1200" dirty="0" smtClean="0"/>
+                        <a:t>varchar2</a:t>
+                      </a:r>
+                      <a:endParaRPr lang="ko-KR" altLang="en-US" sz="1200" dirty="0"/>
+                    </a:p>
+                  </a:txBody>
+                  <a:tcPr/>
+                </a:tc>
+                <a:tc>
+                  <a:txBody>
+                    <a:bodyPr/>
+                    <a:lstStyle/>
+                    <a:p>
+                      <a:pPr algn="ctr" latinLnBrk="1"/>
+                      <a:r>
+                        <a:rPr lang="en-US" altLang="ko-KR" sz="1200" dirty="0" smtClean="0"/>
+                        <a:t>Primary</a:t>
+                      </a:r>
+                      <a:r>
+                        <a:rPr lang="en-US" altLang="ko-KR" sz="1200" baseline="0" dirty="0" smtClean="0"/>
+                        <a:t> key</a:t>
+                      </a:r>
+                      <a:endParaRPr lang="ko-KR" altLang="en-US" sz="1200" dirty="0"/>
+                    </a:p>
+                  </a:txBody>
+                  <a:tcPr/>
+                </a:tc>
+              </a:tr>
+              <a:tr h="245686">
+                <a:tc>
+                  <a:txBody>
+                    <a:bodyPr/>
+                    <a:lstStyle/>
+                    <a:p>
+                      <a:pPr marL="0" marR="0" lvl="0" indent="0" algn="ctr" defTabSz="914400" rtl="0" eaLnBrk="1" fontAlgn="auto" latinLnBrk="1" hangingPunct="1">
+                        <a:lnSpc>
+                          <a:spcPct val="100000"/>
+                        </a:lnSpc>
+                        <a:spcBef>
+                          <a:spcPts val="0"/>
+                        </a:spcBef>
+                        <a:spcAft>
+                          <a:spcPts val="0"/>
+                        </a:spcAft>
+                        <a:buClrTx/>
+                        <a:buSzTx/>
+                        <a:buFontTx/>
+                        <a:buNone/>
+                        <a:tabLst/>
+                        <a:defRPr/>
+                      </a:pPr>
+                      <a:r>
+                        <a:rPr lang="en-US" altLang="ko-KR" sz="1200" dirty="0" err="1" smtClean="0"/>
+                        <a:t>Pwd</a:t>
+                      </a:r>
+                      <a:endParaRPr lang="ko-KR" altLang="en-US" sz="1200" dirty="0" smtClean="0"/>
+                    </a:p>
+                  </a:txBody>
+                  <a:tcPr/>
+                </a:tc>
+                <a:tc>
+                  <a:txBody>
+                    <a:bodyPr/>
+                    <a:lstStyle/>
+                    <a:p>
+                      <a:pPr algn="ctr" latinLnBrk="1"/>
+                      <a:r>
+                        <a:rPr lang="en-US" altLang="ko-KR" sz="1200" dirty="0" smtClean="0"/>
+                        <a:t>Varchar2</a:t>
+                      </a:r>
+                      <a:endParaRPr lang="ko-KR" altLang="en-US" sz="1200" dirty="0"/>
+                    </a:p>
+                  </a:txBody>
+                  <a:tcPr/>
+                </a:tc>
+                <a:tc>
+                  <a:txBody>
+                    <a:bodyPr/>
+                    <a:lstStyle/>
+                    <a:p>
+                      <a:pPr algn="ctr" latinLnBrk="1"/>
+                      <a:r>
+                        <a:rPr lang="en-US" altLang="ko-KR" sz="1200" dirty="0" smtClean="0"/>
+                        <a:t>Not</a:t>
+                      </a:r>
+                      <a:r>
+                        <a:rPr lang="en-US" altLang="ko-KR" sz="1200" baseline="0" dirty="0" smtClean="0"/>
+                        <a:t> null</a:t>
+                      </a:r>
+                      <a:endParaRPr lang="ko-KR" altLang="en-US" sz="1200" dirty="0"/>
+                    </a:p>
+                  </a:txBody>
+                  <a:tcPr/>
+                </a:tc>
+              </a:tr>
+              <a:tr h="245686">
+                <a:tc>
+                  <a:txBody>
+                    <a:bodyPr/>
+                    <a:lstStyle/>
+                    <a:p>
+                      <a:pPr marL="0" marR="0" lvl="0" indent="0" algn="ctr" defTabSz="914400" rtl="0" eaLnBrk="1" fontAlgn="auto" latinLnBrk="1" hangingPunct="1">
+                        <a:lnSpc>
+                          <a:spcPct val="100000"/>
+                        </a:lnSpc>
+                        <a:spcBef>
+                          <a:spcPts val="0"/>
+                        </a:spcBef>
+                        <a:spcAft>
+                          <a:spcPts val="0"/>
+                        </a:spcAft>
+                        <a:buClrTx/>
+                        <a:buSzTx/>
+                        <a:buFontTx/>
+                        <a:buNone/>
+                        <a:tabLst/>
+                        <a:defRPr/>
+                      </a:pPr>
+                      <a:r>
+                        <a:rPr lang="en-US" altLang="ko-KR" sz="1200" dirty="0" smtClean="0"/>
+                        <a:t>Name</a:t>
+                      </a:r>
+                      <a:endParaRPr lang="ko-KR" altLang="en-US" sz="1200" dirty="0" smtClean="0"/>
+                    </a:p>
+                  </a:txBody>
+                  <a:tcPr/>
+                </a:tc>
+                <a:tc>
+                  <a:txBody>
+                    <a:bodyPr/>
+                    <a:lstStyle/>
+                    <a:p>
+                      <a:pPr algn="ctr" latinLnBrk="1"/>
+                      <a:r>
+                        <a:rPr lang="en-US" altLang="ko-KR" sz="1200" dirty="0" smtClean="0"/>
+                        <a:t>Varchar2</a:t>
+                      </a:r>
+                      <a:endParaRPr lang="ko-KR" altLang="en-US" sz="1200" dirty="0"/>
+                    </a:p>
+                  </a:txBody>
+                  <a:tcPr/>
+                </a:tc>
+                <a:tc>
+                  <a:txBody>
+                    <a:bodyPr/>
+                    <a:lstStyle/>
+                    <a:p>
+                      <a:pPr algn="ctr" latinLnBrk="1"/>
+                      <a:r>
+                        <a:rPr lang="en-US" altLang="ko-KR" sz="1200" dirty="0" smtClean="0"/>
+                        <a:t>Not null</a:t>
+                      </a:r>
+                      <a:endParaRPr lang="ko-KR" altLang="en-US" sz="1200" dirty="0"/>
+                    </a:p>
+                  </a:txBody>
+                  <a:tcPr/>
+                </a:tc>
+              </a:tr>
+              <a:tr h="245686">
+                <a:tc>
+                  <a:txBody>
+                    <a:bodyPr/>
+                    <a:lstStyle/>
+                    <a:p>
+                      <a:pPr marL="0" marR="0" lvl="0" indent="0" algn="ctr" defTabSz="914400" rtl="0" eaLnBrk="1" fontAlgn="auto" latinLnBrk="1" hangingPunct="1">
+                        <a:lnSpc>
+                          <a:spcPct val="100000"/>
+                        </a:lnSpc>
+                        <a:spcBef>
+                          <a:spcPts val="0"/>
+                        </a:spcBef>
+                        <a:spcAft>
+                          <a:spcPts val="0"/>
+                        </a:spcAft>
+                        <a:buClrTx/>
+                        <a:buSzTx/>
+                        <a:buFontTx/>
+                        <a:buNone/>
+                        <a:tabLst/>
+                        <a:defRPr/>
+                      </a:pPr>
+                      <a:r>
+                        <a:rPr lang="en-US" altLang="ko-KR" sz="1200" dirty="0" smtClean="0"/>
+                        <a:t>Identification</a:t>
+                      </a:r>
+                      <a:endParaRPr lang="ko-KR" altLang="en-US" sz="1200" dirty="0" smtClean="0"/>
+                    </a:p>
+                  </a:txBody>
+                  <a:tcPr/>
+                </a:tc>
+                <a:tc>
+                  <a:txBody>
+                    <a:bodyPr/>
+                    <a:lstStyle/>
+                    <a:p>
+                      <a:pPr algn="ctr" latinLnBrk="1"/>
+                      <a:r>
+                        <a:rPr lang="en-US" altLang="ko-KR" sz="1200" dirty="0" smtClean="0"/>
+                        <a:t>Char(14)</a:t>
+                      </a:r>
+                      <a:endParaRPr lang="ko-KR" altLang="en-US" sz="1200" dirty="0"/>
+                    </a:p>
+                  </a:txBody>
+                  <a:tcPr/>
+                </a:tc>
+                <a:tc>
+                  <a:txBody>
+                    <a:bodyPr/>
+                    <a:lstStyle/>
+                    <a:p>
+                      <a:pPr algn="ctr" latinLnBrk="1"/>
+                      <a:r>
+                        <a:rPr lang="en-US" altLang="ko-KR" sz="1200" dirty="0" smtClean="0"/>
+                        <a:t>Not</a:t>
+                      </a:r>
+                      <a:r>
+                        <a:rPr lang="en-US" altLang="ko-KR" sz="1200" baseline="0" dirty="0" smtClean="0"/>
+                        <a:t> null</a:t>
+                      </a:r>
+                      <a:endParaRPr lang="ko-KR" altLang="en-US" sz="1200" dirty="0"/>
+                    </a:p>
+                  </a:txBody>
+                  <a:tcPr/>
+                </a:tc>
+              </a:tr>
+              <a:tr h="245686">
+                <a:tc>
+                  <a:txBody>
+                    <a:bodyPr/>
+                    <a:lstStyle/>
+                    <a:p>
+                      <a:pPr marL="0" marR="0" lvl="0" indent="0" algn="ctr" defTabSz="914400" rtl="0" eaLnBrk="1" fontAlgn="auto" latinLnBrk="1" hangingPunct="1">
+                        <a:lnSpc>
+                          <a:spcPct val="100000"/>
+                        </a:lnSpc>
+                        <a:spcBef>
+                          <a:spcPts val="0"/>
+                        </a:spcBef>
+                        <a:spcAft>
+                          <a:spcPts val="0"/>
+                        </a:spcAft>
+                        <a:buClrTx/>
+                        <a:buSzTx/>
+                        <a:buFontTx/>
+                        <a:buNone/>
+                        <a:tabLst/>
+                        <a:defRPr/>
+                      </a:pPr>
+                      <a:r>
+                        <a:rPr lang="en-US" altLang="ko-KR" sz="1200" dirty="0" smtClean="0"/>
+                        <a:t>Birth</a:t>
+                      </a:r>
+                      <a:endParaRPr lang="ko-KR" altLang="en-US" sz="1200" dirty="0" smtClean="0"/>
+                    </a:p>
+                  </a:txBody>
+                  <a:tcPr/>
+                </a:tc>
+                <a:tc>
+                  <a:txBody>
+                    <a:bodyPr/>
+                    <a:lstStyle/>
+                    <a:p>
+                      <a:pPr algn="ctr" latinLnBrk="1"/>
+                      <a:r>
+                        <a:rPr lang="en-US" altLang="ko-KR" sz="1200" dirty="0" smtClean="0"/>
+                        <a:t>Data</a:t>
+                      </a:r>
+                      <a:endParaRPr lang="ko-KR" altLang="en-US" sz="1200" dirty="0"/>
+                    </a:p>
+                  </a:txBody>
+                  <a:tcPr/>
+                </a:tc>
+                <a:tc>
+                  <a:txBody>
+                    <a:bodyPr/>
+                    <a:lstStyle/>
+                    <a:p>
+                      <a:pPr algn="ctr" latinLnBrk="1"/>
+                      <a:endParaRPr lang="ko-KR" altLang="en-US" sz="1200" dirty="0"/>
+                    </a:p>
+                  </a:txBody>
+                  <a:tcPr/>
+                </a:tc>
+              </a:tr>
+              <a:tr h="245686">
+                <a:tc>
+                  <a:txBody>
+                    <a:bodyPr/>
+                    <a:lstStyle/>
+                    <a:p>
+                      <a:pPr marL="0" marR="0" lvl="0" indent="0" algn="ctr" defTabSz="914400" rtl="0" eaLnBrk="1" fontAlgn="auto" latinLnBrk="1" hangingPunct="1">
+                        <a:lnSpc>
+                          <a:spcPct val="100000"/>
+                        </a:lnSpc>
+                        <a:spcBef>
+                          <a:spcPts val="0"/>
+                        </a:spcBef>
+                        <a:spcAft>
+                          <a:spcPts val="0"/>
+                        </a:spcAft>
+                        <a:buClrTx/>
+                        <a:buSzTx/>
+                        <a:buFontTx/>
+                        <a:buNone/>
+                        <a:tabLst/>
+                        <a:defRPr/>
+                      </a:pPr>
+                      <a:r>
+                        <a:rPr lang="en-US" altLang="ko-KR" sz="1200" dirty="0" smtClean="0"/>
+                        <a:t>Email</a:t>
+                      </a:r>
+                      <a:endParaRPr lang="ko-KR" altLang="en-US" sz="1200" dirty="0" smtClean="0"/>
+                    </a:p>
+                  </a:txBody>
+                  <a:tcPr/>
+                </a:tc>
+                <a:tc>
+                  <a:txBody>
+                    <a:bodyPr/>
+                    <a:lstStyle/>
+                    <a:p>
+                      <a:pPr algn="ctr" latinLnBrk="1"/>
+                      <a:r>
+                        <a:rPr lang="en-US" altLang="ko-KR" sz="1200" dirty="0" smtClean="0"/>
+                        <a:t>Varchar2</a:t>
+                      </a:r>
+                      <a:endParaRPr lang="ko-KR" altLang="en-US" sz="1200" dirty="0"/>
+                    </a:p>
+                  </a:txBody>
+                  <a:tcPr/>
+                </a:tc>
+                <a:tc>
+                  <a:txBody>
+                    <a:bodyPr/>
+                    <a:lstStyle/>
+                    <a:p>
+                      <a:pPr algn="ctr" latinLnBrk="1"/>
+                      <a:endParaRPr lang="ko-KR" altLang="en-US" sz="1200" dirty="0"/>
+                    </a:p>
+                  </a:txBody>
+                  <a:tcPr/>
+                </a:tc>
+              </a:tr>
+              <a:tr h="245686">
+                <a:tc>
+                  <a:txBody>
+                    <a:bodyPr/>
+                    <a:lstStyle/>
+                    <a:p>
+                      <a:pPr marL="0" marR="0" lvl="0" indent="0" algn="ctr" defTabSz="914400" rtl="0" eaLnBrk="1" fontAlgn="auto" latinLnBrk="1" hangingPunct="1">
+                        <a:lnSpc>
+                          <a:spcPct val="100000"/>
+                        </a:lnSpc>
+                        <a:spcBef>
+                          <a:spcPts val="0"/>
+                        </a:spcBef>
+                        <a:spcAft>
+                          <a:spcPts val="0"/>
+                        </a:spcAft>
+                        <a:buClrTx/>
+                        <a:buSzTx/>
+                        <a:buFontTx/>
+                        <a:buNone/>
+                        <a:tabLst/>
+                        <a:defRPr/>
+                      </a:pPr>
+                      <a:r>
+                        <a:rPr lang="en-US" altLang="ko-KR" sz="1200" dirty="0" smtClean="0"/>
+                        <a:t>Phone</a:t>
+                      </a:r>
+                      <a:endParaRPr lang="ko-KR" altLang="en-US" sz="1200" dirty="0" smtClean="0"/>
+                    </a:p>
+                  </a:txBody>
+                  <a:tcPr/>
+                </a:tc>
+                <a:tc>
+                  <a:txBody>
+                    <a:bodyPr/>
+                    <a:lstStyle/>
+                    <a:p>
+                      <a:pPr algn="ctr" latinLnBrk="1"/>
+                      <a:r>
+                        <a:rPr lang="en-US" altLang="ko-KR" sz="1200" dirty="0" smtClean="0"/>
+                        <a:t>Varchar2</a:t>
+                      </a:r>
+                      <a:endParaRPr lang="ko-KR" altLang="en-US" sz="1200" dirty="0"/>
+                    </a:p>
+                  </a:txBody>
+                  <a:tcPr/>
+                </a:tc>
+                <a:tc>
+                  <a:txBody>
+                    <a:bodyPr/>
+                    <a:lstStyle/>
+                    <a:p>
+                      <a:pPr algn="ctr" latinLnBrk="1"/>
+                      <a:endParaRPr lang="ko-KR" altLang="en-US" sz="1200" dirty="0"/>
+                    </a:p>
+                  </a:txBody>
+                  <a:tcPr/>
+                </a:tc>
+              </a:tr>
+              <a:tr h="245686">
+                <a:tc>
+                  <a:txBody>
+                    <a:bodyPr/>
+                    <a:lstStyle/>
+                    <a:p>
+                      <a:pPr marL="0" marR="0" lvl="0" indent="0" algn="ctr" defTabSz="914400" rtl="0" eaLnBrk="1" fontAlgn="auto" latinLnBrk="1" hangingPunct="1">
+                        <a:lnSpc>
+                          <a:spcPct val="100000"/>
+                        </a:lnSpc>
+                        <a:spcBef>
+                          <a:spcPts val="0"/>
+                        </a:spcBef>
+                        <a:spcAft>
+                          <a:spcPts val="0"/>
+                        </a:spcAft>
+                        <a:buClrTx/>
+                        <a:buSzTx/>
+                        <a:buFontTx/>
+                        <a:buNone/>
+                        <a:tabLst/>
+                        <a:defRPr/>
+                      </a:pPr>
+                      <a:r>
+                        <a:rPr lang="en-US" altLang="ko-KR" sz="1200" dirty="0" err="1" smtClean="0"/>
+                        <a:t>Prefer_surger</a:t>
+                      </a:r>
+                      <a:endParaRPr lang="ko-KR" altLang="en-US" sz="1200" dirty="0" smtClean="0"/>
+                    </a:p>
+                  </a:txBody>
+                  <a:tcPr/>
+                </a:tc>
+                <a:tc>
+                  <a:txBody>
+                    <a:bodyPr/>
+                    <a:lstStyle/>
+                    <a:p>
+                      <a:pPr algn="ctr" latinLnBrk="1"/>
+                      <a:r>
+                        <a:rPr lang="en-US" altLang="ko-KR" sz="1200" dirty="0" smtClean="0"/>
+                        <a:t>Number</a:t>
+                      </a:r>
+                      <a:endParaRPr lang="ko-KR" altLang="en-US" sz="1200" dirty="0"/>
+                    </a:p>
+                  </a:txBody>
+                  <a:tcPr/>
+                </a:tc>
+                <a:tc>
+                  <a:txBody>
+                    <a:bodyPr/>
+                    <a:lstStyle/>
+                    <a:p>
+                      <a:pPr algn="ctr" latinLnBrk="1"/>
+                      <a:endParaRPr lang="ko-KR" altLang="en-US" sz="1200" dirty="0"/>
+                    </a:p>
+                  </a:txBody>
+                  <a:tcPr/>
+                </a:tc>
+              </a:tr>
+              <a:tr h="245686">
+                <a:tc>
+                  <a:txBody>
+                    <a:bodyPr/>
+                    <a:lstStyle/>
+                    <a:p>
+                      <a:pPr marL="0" marR="0" lvl="0" indent="0" algn="ctr" defTabSz="914400" rtl="0" eaLnBrk="1" fontAlgn="auto" latinLnBrk="1" hangingPunct="1">
+                        <a:lnSpc>
+                          <a:spcPct val="100000"/>
+                        </a:lnSpc>
+                        <a:spcBef>
+                          <a:spcPts val="0"/>
+                        </a:spcBef>
+                        <a:spcAft>
+                          <a:spcPts val="0"/>
+                        </a:spcAft>
+                        <a:buClrTx/>
+                        <a:buSzTx/>
+                        <a:buFontTx/>
+                        <a:buNone/>
+                        <a:tabLst/>
+                        <a:defRPr/>
+                      </a:pPr>
+                      <a:r>
+                        <a:rPr lang="en-US" altLang="ko-KR" sz="1200" dirty="0" smtClean="0"/>
+                        <a:t>Grade</a:t>
+                      </a:r>
+                      <a:endParaRPr lang="ko-KR" altLang="en-US" sz="1200" dirty="0" smtClean="0"/>
+                    </a:p>
+                  </a:txBody>
+                  <a:tcPr/>
+                </a:tc>
+                <a:tc>
+                  <a:txBody>
+                    <a:bodyPr/>
+                    <a:lstStyle/>
+                    <a:p>
+                      <a:pPr algn="ctr" latinLnBrk="1"/>
+                      <a:r>
+                        <a:rPr lang="en-US" altLang="ko-KR" sz="1200" dirty="0" smtClean="0"/>
+                        <a:t>Varchar2</a:t>
+                      </a:r>
+                      <a:endParaRPr lang="ko-KR" altLang="en-US" sz="1200" dirty="0"/>
+                    </a:p>
+                  </a:txBody>
+                  <a:tcPr/>
+                </a:tc>
+                <a:tc>
+                  <a:txBody>
+                    <a:bodyPr/>
+                    <a:lstStyle/>
+                    <a:p>
+                      <a:pPr algn="ctr" latinLnBrk="1"/>
+                      <a:endParaRPr lang="ko-KR" altLang="en-US" sz="1200" dirty="0"/>
+                    </a:p>
+                  </a:txBody>
+                  <a:tcPr/>
+                </a:tc>
+              </a:tr>
+            </a:tbl>
+          </a:graphicData>
+        </a:graphic>
+      </p:graphicFrame>
+      <p:graphicFrame>
+        <p:nvGraphicFramePr>
+          <p:cNvPr id="5" name="표 4"/>
+          <p:cNvGraphicFramePr>
+            <a:graphicFrameLocks noGrp="1"/>
+          </p:cNvGraphicFramePr>
+          <p:nvPr>
+            <p:extLst>
+              <p:ext uri="{D42A27DB-BD31-4B8C-83A1-F6EECF244321}">
+                <p14:modId xmlns:p14="http://schemas.microsoft.com/office/powerpoint/2010/main" val="16654629"/>
+              </p:ext>
+            </p:extLst>
+          </p:nvPr>
+        </p:nvGraphicFramePr>
+        <p:xfrm>
+          <a:off x="-2838409" y="-2257467"/>
+          <a:ext cx="3318597" cy="1920240"/>
+        </p:xfrm>
+        <a:graphic>
+          <a:graphicData uri="http://schemas.openxmlformats.org/drawingml/2006/table">
+            <a:tbl>
+              <a:tblPr firstRow="1" bandRow="1">
+                <a:tableStyleId>{F2DE63D5-997A-4646-A377-4702673A728D}</a:tableStyleId>
+              </a:tblPr>
+              <a:tblGrid>
+                <a:gridCol w="1106199"/>
+                <a:gridCol w="1106199"/>
+                <a:gridCol w="1106199"/>
+              </a:tblGrid>
+              <a:tr h="245686">
+                <a:tc gridSpan="3">
+                  <a:txBody>
+                    <a:bodyPr/>
+                    <a:lstStyle/>
+                    <a:p>
+                      <a:pPr algn="ctr" latinLnBrk="1"/>
+                      <a:r>
+                        <a:rPr lang="en-US" altLang="ko-KR" sz="1200" dirty="0" smtClean="0"/>
+                        <a:t>Staff</a:t>
+                      </a:r>
+                      <a:endParaRPr lang="ko-KR" altLang="en-US" sz="1200" dirty="0"/>
+                    </a:p>
+                  </a:txBody>
+                  <a:tcPr/>
+                </a:tc>
+                <a:tc hMerge="1">
+                  <a:txBody>
+                    <a:bodyPr/>
+                    <a:lstStyle/>
+                    <a:p>
+                      <a:pPr algn="ctr" latinLnBrk="1"/>
+                      <a:endParaRPr lang="ko-KR" altLang="en-US" dirty="0"/>
+                    </a:p>
+                  </a:txBody>
+                  <a:tcPr/>
+                </a:tc>
+                <a:tc hMerge="1">
+                  <a:txBody>
+                    <a:bodyPr/>
+                    <a:lstStyle/>
+                    <a:p>
+                      <a:pPr algn="ctr" latinLnBrk="1"/>
+                      <a:endParaRPr lang="ko-KR" altLang="en-US" dirty="0"/>
+                    </a:p>
+                  </a:txBody>
+                  <a:tcPr/>
+                </a:tc>
+              </a:tr>
+              <a:tr h="245686">
+                <a:tc>
+                  <a:txBody>
+                    <a:bodyPr/>
+                    <a:lstStyle/>
+                    <a:p>
+                      <a:pPr marL="0" marR="0" lvl="0" indent="0" algn="ctr" defTabSz="914400" rtl="0" eaLnBrk="1" fontAlgn="auto" latinLnBrk="1" hangingPunct="1">
+                        <a:lnSpc>
+                          <a:spcPct val="100000"/>
+                        </a:lnSpc>
+                        <a:spcBef>
+                          <a:spcPts val="0"/>
+                        </a:spcBef>
+                        <a:spcAft>
+                          <a:spcPts val="0"/>
+                        </a:spcAft>
+                        <a:buClrTx/>
+                        <a:buSzTx/>
+                        <a:buFontTx/>
+                        <a:buNone/>
+                        <a:tabLst/>
+                        <a:defRPr/>
+                      </a:pPr>
+                      <a:r>
+                        <a:rPr lang="ja-JP" altLang="en-US" sz="1200" dirty="0" smtClean="0"/>
+                        <a:t>促成名</a:t>
+                      </a:r>
+                      <a:endParaRPr lang="ko-KR" altLang="en-US" sz="1200" dirty="0" smtClean="0"/>
+                    </a:p>
+                  </a:txBody>
+                  <a:tcPr/>
+                </a:tc>
+                <a:tc>
+                  <a:txBody>
+                    <a:bodyPr/>
+                    <a:lstStyle/>
+                    <a:p>
+                      <a:pPr algn="ctr" latinLnBrk="1"/>
+                      <a:r>
+                        <a:rPr lang="ja-JP" altLang="en-US" sz="1200" dirty="0" smtClean="0"/>
+                        <a:t>データタイプ</a:t>
+                      </a:r>
+                      <a:endParaRPr lang="ko-KR" altLang="en-US" sz="1200" dirty="0"/>
+                    </a:p>
+                  </a:txBody>
+                  <a:tcPr/>
+                </a:tc>
+                <a:tc>
+                  <a:txBody>
+                    <a:bodyPr/>
+                    <a:lstStyle/>
+                    <a:p>
+                      <a:pPr algn="ctr" latinLnBrk="1"/>
+                      <a:r>
+                        <a:rPr lang="ja-JP" altLang="en-US" sz="1200" dirty="0" smtClean="0"/>
+                        <a:t>オプション</a:t>
+                      </a:r>
+                      <a:endParaRPr lang="ko-KR" altLang="en-US" sz="1200" dirty="0"/>
+                    </a:p>
+                  </a:txBody>
+                  <a:tcPr/>
+                </a:tc>
+              </a:tr>
+              <a:tr h="245686">
+                <a:tc>
+                  <a:txBody>
+                    <a:bodyPr/>
+                    <a:lstStyle/>
+                    <a:p>
+                      <a:pPr marL="0" marR="0" lvl="0" indent="0" algn="ctr" defTabSz="914400" rtl="0" eaLnBrk="1" fontAlgn="auto" latinLnBrk="1" hangingPunct="1">
+                        <a:lnSpc>
+                          <a:spcPct val="100000"/>
+                        </a:lnSpc>
+                        <a:spcBef>
+                          <a:spcPts val="0"/>
+                        </a:spcBef>
+                        <a:spcAft>
+                          <a:spcPts val="0"/>
+                        </a:spcAft>
+                        <a:buClrTx/>
+                        <a:buSzTx/>
+                        <a:buFontTx/>
+                        <a:buNone/>
+                        <a:tabLst/>
+                        <a:defRPr/>
+                      </a:pPr>
+                      <a:r>
+                        <a:rPr lang="en-US" altLang="ko-KR" sz="1200" dirty="0" err="1" smtClean="0"/>
+                        <a:t>Staff_num</a:t>
+                      </a:r>
+                      <a:endParaRPr lang="ko-KR" altLang="en-US" sz="1200" dirty="0" smtClean="0"/>
+                    </a:p>
+                  </a:txBody>
+                  <a:tcPr/>
+                </a:tc>
+                <a:tc>
+                  <a:txBody>
+                    <a:bodyPr/>
+                    <a:lstStyle/>
+                    <a:p>
+                      <a:pPr algn="ctr" latinLnBrk="1"/>
+                      <a:r>
+                        <a:rPr lang="en-US" altLang="ko-KR" sz="1200" dirty="0" smtClean="0"/>
+                        <a:t>Number</a:t>
+                      </a:r>
+                      <a:endParaRPr lang="ko-KR" altLang="en-US" sz="1200" dirty="0"/>
+                    </a:p>
+                  </a:txBody>
+                  <a:tcPr/>
+                </a:tc>
+                <a:tc>
+                  <a:txBody>
+                    <a:bodyPr/>
+                    <a:lstStyle/>
+                    <a:p>
+                      <a:pPr algn="ctr" latinLnBrk="1"/>
+                      <a:r>
+                        <a:rPr lang="en-US" altLang="ko-KR" sz="1200" dirty="0" smtClean="0"/>
+                        <a:t>Primary</a:t>
+                      </a:r>
+                      <a:r>
+                        <a:rPr lang="en-US" altLang="ko-KR" sz="1200" baseline="0" dirty="0" smtClean="0"/>
+                        <a:t> key</a:t>
+                      </a:r>
+                      <a:endParaRPr lang="ko-KR" altLang="en-US" sz="1200" dirty="0"/>
+                    </a:p>
+                  </a:txBody>
+                  <a:tcPr/>
+                </a:tc>
+              </a:tr>
+              <a:tr h="245686">
+                <a:tc>
+                  <a:txBody>
+                    <a:bodyPr/>
+                    <a:lstStyle/>
+                    <a:p>
+                      <a:pPr marL="0" marR="0" lvl="0" indent="0" algn="ctr" defTabSz="914400" rtl="0" eaLnBrk="1" fontAlgn="auto" latinLnBrk="1" hangingPunct="1">
+                        <a:lnSpc>
+                          <a:spcPct val="100000"/>
+                        </a:lnSpc>
+                        <a:spcBef>
+                          <a:spcPts val="0"/>
+                        </a:spcBef>
+                        <a:spcAft>
+                          <a:spcPts val="0"/>
+                        </a:spcAft>
+                        <a:buClrTx/>
+                        <a:buSzTx/>
+                        <a:buFontTx/>
+                        <a:buNone/>
+                        <a:tabLst/>
+                        <a:defRPr/>
+                      </a:pPr>
+                      <a:r>
+                        <a:rPr lang="en-US" altLang="ko-KR" sz="1200" dirty="0" err="1" smtClean="0"/>
+                        <a:t>Staff_name</a:t>
+                      </a:r>
+                      <a:endParaRPr lang="ko-KR" altLang="en-US" sz="1200" dirty="0" smtClean="0"/>
+                    </a:p>
+                  </a:txBody>
+                  <a:tcPr/>
+                </a:tc>
+                <a:tc>
+                  <a:txBody>
+                    <a:bodyPr/>
+                    <a:lstStyle/>
+                    <a:p>
+                      <a:pPr algn="ctr" latinLnBrk="1"/>
+                      <a:r>
+                        <a:rPr lang="en-US" altLang="ko-KR" sz="1200" dirty="0" smtClean="0"/>
+                        <a:t>Varchar2</a:t>
+                      </a:r>
+                      <a:endParaRPr lang="ko-KR" altLang="en-US" sz="1200" dirty="0"/>
+                    </a:p>
+                  </a:txBody>
+                  <a:tcPr/>
+                </a:tc>
+                <a:tc>
+                  <a:txBody>
+                    <a:bodyPr/>
+                    <a:lstStyle/>
+                    <a:p>
+                      <a:pPr algn="ctr" latinLnBrk="1"/>
+                      <a:r>
+                        <a:rPr lang="en-US" altLang="ko-KR" sz="1200" dirty="0" smtClean="0"/>
+                        <a:t>not</a:t>
+                      </a:r>
+                      <a:r>
+                        <a:rPr lang="en-US" altLang="ko-KR" sz="1200" baseline="0" dirty="0" smtClean="0"/>
+                        <a:t> null</a:t>
+                      </a:r>
+                      <a:endParaRPr lang="ko-KR" altLang="en-US" sz="1200" dirty="0"/>
+                    </a:p>
+                  </a:txBody>
+                  <a:tcPr/>
+                </a:tc>
+              </a:tr>
+              <a:tr h="245686">
+                <a:tc>
+                  <a:txBody>
+                    <a:bodyPr/>
+                    <a:lstStyle/>
+                    <a:p>
+                      <a:pPr marL="0" marR="0" lvl="0" indent="0" algn="ctr" defTabSz="914400" rtl="0" eaLnBrk="1" fontAlgn="auto" latinLnBrk="1" hangingPunct="1">
+                        <a:lnSpc>
+                          <a:spcPct val="100000"/>
+                        </a:lnSpc>
+                        <a:spcBef>
+                          <a:spcPts val="0"/>
+                        </a:spcBef>
+                        <a:spcAft>
+                          <a:spcPts val="0"/>
+                        </a:spcAft>
+                        <a:buClrTx/>
+                        <a:buSzTx/>
+                        <a:buFontTx/>
+                        <a:buNone/>
+                        <a:tabLst/>
+                        <a:defRPr/>
+                      </a:pPr>
+                      <a:r>
+                        <a:rPr lang="en-US" altLang="ko-KR" sz="1200" dirty="0" err="1" smtClean="0"/>
+                        <a:t>Staff_career</a:t>
+                      </a:r>
+                      <a:endParaRPr lang="ko-KR" altLang="en-US" sz="1200" dirty="0" smtClean="0"/>
+                    </a:p>
+                  </a:txBody>
+                  <a:tcPr/>
+                </a:tc>
+                <a:tc>
+                  <a:txBody>
+                    <a:bodyPr/>
+                    <a:lstStyle/>
+                    <a:p>
+                      <a:pPr algn="ctr" latinLnBrk="1"/>
+                      <a:r>
+                        <a:rPr lang="en-US" altLang="ko-KR" sz="1200" dirty="0" smtClean="0"/>
+                        <a:t>Number</a:t>
+                      </a:r>
+                      <a:endParaRPr lang="ko-KR" altLang="en-US" sz="1200" dirty="0"/>
+                    </a:p>
+                  </a:txBody>
+                  <a:tcPr/>
+                </a:tc>
+                <a:tc>
+                  <a:txBody>
+                    <a:bodyPr/>
+                    <a:lstStyle/>
+                    <a:p>
+                      <a:pPr algn="ctr" latinLnBrk="1"/>
+                      <a:r>
+                        <a:rPr lang="en-US" altLang="ko-KR" sz="1200" dirty="0" smtClean="0"/>
+                        <a:t>Not null</a:t>
+                      </a:r>
+                      <a:endParaRPr lang="ko-KR" altLang="en-US" sz="1200" dirty="0"/>
+                    </a:p>
+                  </a:txBody>
+                  <a:tcPr/>
+                </a:tc>
+              </a:tr>
+              <a:tr h="245686">
+                <a:tc>
+                  <a:txBody>
+                    <a:bodyPr/>
+                    <a:lstStyle/>
+                    <a:p>
+                      <a:pPr marL="0" marR="0" lvl="0" indent="0" algn="ctr" defTabSz="914400" rtl="0" eaLnBrk="1" fontAlgn="auto" latinLnBrk="1" hangingPunct="1">
+                        <a:lnSpc>
+                          <a:spcPct val="100000"/>
+                        </a:lnSpc>
+                        <a:spcBef>
+                          <a:spcPts val="0"/>
+                        </a:spcBef>
+                        <a:spcAft>
+                          <a:spcPts val="0"/>
+                        </a:spcAft>
+                        <a:buClrTx/>
+                        <a:buSzTx/>
+                        <a:buFontTx/>
+                        <a:buNone/>
+                        <a:tabLst/>
+                        <a:defRPr/>
+                      </a:pPr>
+                      <a:r>
+                        <a:rPr lang="en-US" altLang="ko-KR" sz="1200" dirty="0" err="1" smtClean="0"/>
+                        <a:t>Staff_detail</a:t>
+                      </a:r>
+                      <a:endParaRPr lang="ko-KR" altLang="en-US" sz="1200" dirty="0" smtClean="0"/>
+                    </a:p>
+                  </a:txBody>
+                  <a:tcPr/>
+                </a:tc>
+                <a:tc>
+                  <a:txBody>
+                    <a:bodyPr/>
+                    <a:lstStyle/>
+                    <a:p>
+                      <a:pPr algn="ctr" latinLnBrk="1"/>
+                      <a:r>
+                        <a:rPr lang="en-US" altLang="ko-KR" sz="1200" dirty="0" smtClean="0"/>
+                        <a:t>Varchar2</a:t>
+                      </a:r>
+                      <a:endParaRPr lang="ko-KR" altLang="en-US" sz="1200" dirty="0"/>
+                    </a:p>
+                  </a:txBody>
+                  <a:tcPr/>
+                </a:tc>
+                <a:tc>
+                  <a:txBody>
+                    <a:bodyPr/>
+                    <a:lstStyle/>
+                    <a:p>
+                      <a:pPr algn="ctr" latinLnBrk="1"/>
+                      <a:r>
+                        <a:rPr lang="en-US" altLang="ko-KR" sz="1200" dirty="0" smtClean="0"/>
+                        <a:t>Not null</a:t>
+                      </a:r>
+                      <a:endParaRPr lang="ko-KR" altLang="en-US" sz="1200" dirty="0"/>
+                    </a:p>
+                  </a:txBody>
+                  <a:tcPr/>
+                </a:tc>
+              </a:tr>
+              <a:tr h="245686">
+                <a:tc>
+                  <a:txBody>
+                    <a:bodyPr/>
+                    <a:lstStyle/>
+                    <a:p>
+                      <a:pPr marL="0" marR="0" lvl="0" indent="0" algn="ctr" defTabSz="914400" rtl="0" eaLnBrk="1" fontAlgn="auto" latinLnBrk="1" hangingPunct="1">
+                        <a:lnSpc>
+                          <a:spcPct val="100000"/>
+                        </a:lnSpc>
+                        <a:spcBef>
+                          <a:spcPts val="0"/>
+                        </a:spcBef>
+                        <a:spcAft>
+                          <a:spcPts val="0"/>
+                        </a:spcAft>
+                        <a:buClrTx/>
+                        <a:buSzTx/>
+                        <a:buFontTx/>
+                        <a:buNone/>
+                        <a:tabLst/>
+                        <a:defRPr/>
+                      </a:pPr>
+                      <a:r>
+                        <a:rPr lang="en-US" altLang="ko-KR" sz="1200" dirty="0" smtClean="0"/>
+                        <a:t>Depart</a:t>
+                      </a:r>
+                      <a:endParaRPr lang="ko-KR" altLang="en-US" sz="1200" dirty="0" smtClean="0"/>
+                    </a:p>
+                  </a:txBody>
+                  <a:tcPr/>
+                </a:tc>
+                <a:tc>
+                  <a:txBody>
+                    <a:bodyPr/>
+                    <a:lstStyle/>
+                    <a:p>
+                      <a:pPr algn="ctr" latinLnBrk="1"/>
+                      <a:r>
+                        <a:rPr lang="en-US" altLang="ko-KR" sz="1200" dirty="0" smtClean="0"/>
+                        <a:t>Number</a:t>
+                      </a:r>
+                      <a:endParaRPr lang="ko-KR" altLang="en-US" sz="1200" dirty="0"/>
+                    </a:p>
+                  </a:txBody>
+                  <a:tcPr/>
+                </a:tc>
+                <a:tc>
+                  <a:txBody>
+                    <a:bodyPr/>
+                    <a:lstStyle/>
+                    <a:p>
+                      <a:pPr algn="ctr" latinLnBrk="1"/>
+                      <a:r>
+                        <a:rPr lang="en-US" altLang="ko-KR" sz="1200" dirty="0" smtClean="0"/>
+                        <a:t>Default 1</a:t>
+                      </a:r>
+                      <a:endParaRPr lang="ko-KR" altLang="en-US" sz="1200" dirty="0"/>
+                    </a:p>
+                  </a:txBody>
+                  <a:tcPr/>
+                </a:tc>
+              </a:tr>
+            </a:tbl>
+          </a:graphicData>
+        </a:graphic>
+      </p:graphicFrame>
+      <p:graphicFrame>
+        <p:nvGraphicFramePr>
+          <p:cNvPr id="6" name="표 5"/>
+          <p:cNvGraphicFramePr>
+            <a:graphicFrameLocks noGrp="1"/>
+          </p:cNvGraphicFramePr>
+          <p:nvPr>
+            <p:extLst>
+              <p:ext uri="{D42A27DB-BD31-4B8C-83A1-F6EECF244321}">
+                <p14:modId xmlns:p14="http://schemas.microsoft.com/office/powerpoint/2010/main" val="1780201992"/>
+              </p:ext>
+            </p:extLst>
+          </p:nvPr>
+        </p:nvGraphicFramePr>
+        <p:xfrm>
+          <a:off x="-2838409" y="-4157136"/>
+          <a:ext cx="3318597" cy="1371600"/>
+        </p:xfrm>
+        <a:graphic>
+          <a:graphicData uri="http://schemas.openxmlformats.org/drawingml/2006/table">
+            <a:tbl>
+              <a:tblPr firstRow="1" bandRow="1">
+                <a:tableStyleId>{F2DE63D5-997A-4646-A377-4702673A728D}</a:tableStyleId>
+              </a:tblPr>
+              <a:tblGrid>
+                <a:gridCol w="1106199"/>
+                <a:gridCol w="1106199"/>
+                <a:gridCol w="1106199"/>
+              </a:tblGrid>
+              <a:tr h="208371">
+                <a:tc gridSpan="3">
+                  <a:txBody>
+                    <a:bodyPr/>
+                    <a:lstStyle/>
+                    <a:p>
+                      <a:pPr algn="ctr" latinLnBrk="1"/>
+                      <a:r>
+                        <a:rPr lang="en-US" altLang="ko-KR" sz="1200" dirty="0" smtClean="0"/>
+                        <a:t>Department</a:t>
+                      </a:r>
+                      <a:endParaRPr lang="ko-KR" altLang="en-US" sz="1200" dirty="0"/>
+                    </a:p>
+                  </a:txBody>
+                  <a:tcPr/>
+                </a:tc>
+                <a:tc hMerge="1">
+                  <a:txBody>
+                    <a:bodyPr/>
+                    <a:lstStyle/>
+                    <a:p>
+                      <a:pPr algn="ctr" latinLnBrk="1"/>
+                      <a:endParaRPr lang="ko-KR" altLang="en-US" dirty="0"/>
+                    </a:p>
+                  </a:txBody>
+                  <a:tcPr/>
+                </a:tc>
+                <a:tc hMerge="1">
+                  <a:txBody>
+                    <a:bodyPr/>
+                    <a:lstStyle/>
+                    <a:p>
+                      <a:pPr algn="ctr" latinLnBrk="1"/>
+                      <a:endParaRPr lang="ko-KR" altLang="en-US" dirty="0"/>
+                    </a:p>
+                  </a:txBody>
+                  <a:tcPr/>
+                </a:tc>
+              </a:tr>
+              <a:tr h="245686">
+                <a:tc>
+                  <a:txBody>
+                    <a:bodyPr/>
+                    <a:lstStyle/>
+                    <a:p>
+                      <a:pPr marL="0" marR="0" lvl="0" indent="0" algn="ctr" defTabSz="914400" rtl="0" eaLnBrk="1" fontAlgn="auto" latinLnBrk="1" hangingPunct="1">
+                        <a:lnSpc>
+                          <a:spcPct val="100000"/>
+                        </a:lnSpc>
+                        <a:spcBef>
+                          <a:spcPts val="0"/>
+                        </a:spcBef>
+                        <a:spcAft>
+                          <a:spcPts val="0"/>
+                        </a:spcAft>
+                        <a:buClrTx/>
+                        <a:buSzTx/>
+                        <a:buFontTx/>
+                        <a:buNone/>
+                        <a:tabLst/>
+                        <a:defRPr/>
+                      </a:pPr>
+                      <a:r>
+                        <a:rPr lang="ja-JP" altLang="en-US" sz="1200" dirty="0" smtClean="0"/>
+                        <a:t>促成名</a:t>
+                      </a:r>
+                      <a:endParaRPr lang="ko-KR" altLang="en-US" sz="1200" dirty="0" smtClean="0"/>
+                    </a:p>
+                  </a:txBody>
+                  <a:tcPr/>
+                </a:tc>
+                <a:tc>
+                  <a:txBody>
+                    <a:bodyPr/>
+                    <a:lstStyle/>
+                    <a:p>
+                      <a:pPr algn="ctr" latinLnBrk="1"/>
+                      <a:r>
+                        <a:rPr lang="ja-JP" altLang="en-US" sz="1200" dirty="0" smtClean="0"/>
+                        <a:t>データタイプ</a:t>
+                      </a:r>
+                      <a:endParaRPr lang="ko-KR" altLang="en-US" sz="1200" dirty="0"/>
+                    </a:p>
+                  </a:txBody>
+                  <a:tcPr/>
+                </a:tc>
+                <a:tc>
+                  <a:txBody>
+                    <a:bodyPr/>
+                    <a:lstStyle/>
+                    <a:p>
+                      <a:pPr algn="ctr" latinLnBrk="1"/>
+                      <a:r>
+                        <a:rPr lang="ja-JP" altLang="en-US" sz="1200" dirty="0" smtClean="0"/>
+                        <a:t>オプション</a:t>
+                      </a:r>
+                      <a:endParaRPr lang="ko-KR" altLang="en-US" sz="1200" dirty="0"/>
+                    </a:p>
+                  </a:txBody>
+                  <a:tcPr/>
+                </a:tc>
+              </a:tr>
+              <a:tr h="245686">
+                <a:tc>
+                  <a:txBody>
+                    <a:bodyPr/>
+                    <a:lstStyle/>
+                    <a:p>
+                      <a:pPr marL="0" marR="0" lvl="0" indent="0" algn="ctr" defTabSz="914400" rtl="0" eaLnBrk="1" fontAlgn="auto" latinLnBrk="1" hangingPunct="1">
+                        <a:lnSpc>
+                          <a:spcPct val="100000"/>
+                        </a:lnSpc>
+                        <a:spcBef>
+                          <a:spcPts val="0"/>
+                        </a:spcBef>
+                        <a:spcAft>
+                          <a:spcPts val="0"/>
+                        </a:spcAft>
+                        <a:buClrTx/>
+                        <a:buSzTx/>
+                        <a:buFontTx/>
+                        <a:buNone/>
+                        <a:tabLst/>
+                        <a:defRPr/>
+                      </a:pPr>
+                      <a:r>
+                        <a:rPr lang="en-US" altLang="ko-KR" sz="1200" dirty="0" err="1" smtClean="0"/>
+                        <a:t>Depart_num</a:t>
+                      </a:r>
+                      <a:endParaRPr lang="ko-KR" altLang="en-US" sz="1200" dirty="0" smtClean="0"/>
+                    </a:p>
+                  </a:txBody>
+                  <a:tcPr/>
+                </a:tc>
+                <a:tc>
+                  <a:txBody>
+                    <a:bodyPr/>
+                    <a:lstStyle/>
+                    <a:p>
+                      <a:pPr algn="ctr" latinLnBrk="1"/>
+                      <a:r>
+                        <a:rPr lang="en-US" altLang="ko-KR" sz="1200" dirty="0" smtClean="0"/>
+                        <a:t>Number</a:t>
+                      </a:r>
+                      <a:endParaRPr lang="ko-KR" altLang="en-US" sz="1200" dirty="0"/>
+                    </a:p>
+                  </a:txBody>
+                  <a:tcPr/>
+                </a:tc>
+                <a:tc>
+                  <a:txBody>
+                    <a:bodyPr/>
+                    <a:lstStyle/>
+                    <a:p>
+                      <a:pPr algn="ctr" latinLnBrk="1"/>
+                      <a:r>
+                        <a:rPr lang="en-US" altLang="ko-KR" sz="1200" dirty="0" smtClean="0"/>
+                        <a:t>Primary key</a:t>
+                      </a:r>
+                      <a:endParaRPr lang="ko-KR" altLang="en-US" sz="1200" dirty="0"/>
+                    </a:p>
+                  </a:txBody>
+                  <a:tcPr/>
+                </a:tc>
+              </a:tr>
+              <a:tr h="245686">
+                <a:tc>
+                  <a:txBody>
+                    <a:bodyPr/>
+                    <a:lstStyle/>
+                    <a:p>
+                      <a:pPr marL="0" marR="0" lvl="0" indent="0" algn="ctr" defTabSz="914400" rtl="0" eaLnBrk="1" fontAlgn="auto" latinLnBrk="1" hangingPunct="1">
+                        <a:lnSpc>
+                          <a:spcPct val="100000"/>
+                        </a:lnSpc>
+                        <a:spcBef>
+                          <a:spcPts val="0"/>
+                        </a:spcBef>
+                        <a:spcAft>
+                          <a:spcPts val="0"/>
+                        </a:spcAft>
+                        <a:buClrTx/>
+                        <a:buSzTx/>
+                        <a:buFontTx/>
+                        <a:buNone/>
+                        <a:tabLst/>
+                        <a:defRPr/>
+                      </a:pPr>
+                      <a:r>
+                        <a:rPr lang="en-US" altLang="ko-KR" sz="1200" dirty="0" err="1" smtClean="0"/>
+                        <a:t>Depart_name</a:t>
+                      </a:r>
+                      <a:endParaRPr lang="ko-KR" altLang="en-US" sz="1200" dirty="0" smtClean="0"/>
+                    </a:p>
+                  </a:txBody>
+                  <a:tcPr/>
+                </a:tc>
+                <a:tc>
+                  <a:txBody>
+                    <a:bodyPr/>
+                    <a:lstStyle/>
+                    <a:p>
+                      <a:pPr algn="ctr" latinLnBrk="1"/>
+                      <a:r>
+                        <a:rPr lang="en-US" altLang="ko-KR" sz="1200" dirty="0" smtClean="0"/>
+                        <a:t>Varchar2</a:t>
+                      </a:r>
+                      <a:endParaRPr lang="ko-KR" altLang="en-US" sz="1200" dirty="0"/>
+                    </a:p>
+                  </a:txBody>
+                  <a:tcPr/>
+                </a:tc>
+                <a:tc>
+                  <a:txBody>
+                    <a:bodyPr/>
+                    <a:lstStyle/>
+                    <a:p>
+                      <a:pPr algn="ctr" latinLnBrk="1"/>
+                      <a:endParaRPr lang="ko-KR" altLang="en-US" sz="1200" dirty="0"/>
+                    </a:p>
+                  </a:txBody>
+                  <a:tcPr/>
+                </a:tc>
+              </a:tr>
+              <a:tr h="245686">
+                <a:tc>
+                  <a:txBody>
+                    <a:bodyPr/>
+                    <a:lstStyle/>
+                    <a:p>
+                      <a:pPr marL="0" marR="0" lvl="0" indent="0" algn="ctr" defTabSz="914400" rtl="0" eaLnBrk="1" fontAlgn="auto" latinLnBrk="1" hangingPunct="1">
+                        <a:lnSpc>
+                          <a:spcPct val="100000"/>
+                        </a:lnSpc>
+                        <a:spcBef>
+                          <a:spcPts val="0"/>
+                        </a:spcBef>
+                        <a:spcAft>
+                          <a:spcPts val="0"/>
+                        </a:spcAft>
+                        <a:buClrTx/>
+                        <a:buSzTx/>
+                        <a:buFontTx/>
+                        <a:buNone/>
+                        <a:tabLst/>
+                        <a:defRPr/>
+                      </a:pPr>
+                      <a:r>
+                        <a:rPr lang="en-US" altLang="ko-KR" sz="1200" dirty="0" err="1" smtClean="0"/>
+                        <a:t>Basic_pay</a:t>
+                      </a:r>
+                      <a:endParaRPr lang="ko-KR" altLang="en-US" sz="1200" dirty="0" smtClean="0"/>
+                    </a:p>
+                  </a:txBody>
+                  <a:tcPr/>
+                </a:tc>
+                <a:tc>
+                  <a:txBody>
+                    <a:bodyPr/>
+                    <a:lstStyle/>
+                    <a:p>
+                      <a:pPr algn="ctr" latinLnBrk="1"/>
+                      <a:r>
+                        <a:rPr lang="en-US" altLang="ko-KR" sz="1200" dirty="0" smtClean="0"/>
+                        <a:t>Number</a:t>
+                      </a:r>
+                      <a:endParaRPr lang="ko-KR" altLang="en-US" sz="1200" dirty="0"/>
+                    </a:p>
+                  </a:txBody>
+                  <a:tcPr/>
+                </a:tc>
+                <a:tc>
+                  <a:txBody>
+                    <a:bodyPr/>
+                    <a:lstStyle/>
+                    <a:p>
+                      <a:pPr algn="ctr" latinLnBrk="1"/>
+                      <a:endParaRPr lang="ko-KR" altLang="en-US" sz="1200" dirty="0"/>
+                    </a:p>
+                  </a:txBody>
+                  <a:tcPr/>
+                </a:tc>
+              </a:tr>
+            </a:tbl>
+          </a:graphicData>
+        </a:graphic>
+      </p:graphicFrame>
+      <p:graphicFrame>
+        <p:nvGraphicFramePr>
+          <p:cNvPr id="7" name="표 6"/>
+          <p:cNvGraphicFramePr>
+            <a:graphicFrameLocks noGrp="1"/>
+          </p:cNvGraphicFramePr>
+          <p:nvPr>
+            <p:extLst>
+              <p:ext uri="{D42A27DB-BD31-4B8C-83A1-F6EECF244321}">
+                <p14:modId xmlns:p14="http://schemas.microsoft.com/office/powerpoint/2010/main" val="3546634138"/>
+              </p:ext>
+            </p:extLst>
+          </p:nvPr>
+        </p:nvGraphicFramePr>
+        <p:xfrm>
+          <a:off x="5203730" y="-3922914"/>
+          <a:ext cx="3318597" cy="2468880"/>
+        </p:xfrm>
+        <a:graphic>
+          <a:graphicData uri="http://schemas.openxmlformats.org/drawingml/2006/table">
+            <a:tbl>
+              <a:tblPr firstRow="1" bandRow="1">
+                <a:tableStyleId>{F2DE63D5-997A-4646-A377-4702673A728D}</a:tableStyleId>
+              </a:tblPr>
+              <a:tblGrid>
+                <a:gridCol w="1328345"/>
+                <a:gridCol w="977774"/>
+                <a:gridCol w="1012478"/>
+              </a:tblGrid>
+              <a:tr h="245686">
+                <a:tc gridSpan="3">
+                  <a:txBody>
+                    <a:bodyPr/>
+                    <a:lstStyle/>
+                    <a:p>
+                      <a:pPr algn="ctr" latinLnBrk="1"/>
+                      <a:r>
+                        <a:rPr lang="en-US" altLang="ko-KR" sz="1200" dirty="0" smtClean="0"/>
+                        <a:t>Board</a:t>
+                      </a:r>
+                      <a:endParaRPr lang="ko-KR" altLang="en-US" sz="1200" dirty="0"/>
+                    </a:p>
+                  </a:txBody>
+                  <a:tcPr/>
+                </a:tc>
+                <a:tc hMerge="1">
+                  <a:txBody>
+                    <a:bodyPr/>
+                    <a:lstStyle/>
+                    <a:p>
+                      <a:pPr algn="ctr" latinLnBrk="1"/>
+                      <a:endParaRPr lang="ko-KR" altLang="en-US" dirty="0"/>
+                    </a:p>
+                  </a:txBody>
+                  <a:tcPr/>
+                </a:tc>
+                <a:tc hMerge="1">
+                  <a:txBody>
+                    <a:bodyPr/>
+                    <a:lstStyle/>
+                    <a:p>
+                      <a:pPr algn="ctr" latinLnBrk="1"/>
+                      <a:endParaRPr lang="ko-KR" altLang="en-US" dirty="0"/>
+                    </a:p>
+                  </a:txBody>
+                  <a:tcPr/>
+                </a:tc>
+              </a:tr>
+              <a:tr h="245686">
+                <a:tc>
+                  <a:txBody>
+                    <a:bodyPr/>
+                    <a:lstStyle/>
+                    <a:p>
+                      <a:pPr marL="0" marR="0" lvl="0" indent="0" algn="ctr" defTabSz="914400" rtl="0" eaLnBrk="1" fontAlgn="auto" latinLnBrk="1" hangingPunct="1">
+                        <a:lnSpc>
+                          <a:spcPct val="100000"/>
+                        </a:lnSpc>
+                        <a:spcBef>
+                          <a:spcPts val="0"/>
+                        </a:spcBef>
+                        <a:spcAft>
+                          <a:spcPts val="0"/>
+                        </a:spcAft>
+                        <a:buClrTx/>
+                        <a:buSzTx/>
+                        <a:buFontTx/>
+                        <a:buNone/>
+                        <a:tabLst/>
+                        <a:defRPr/>
+                      </a:pPr>
+                      <a:r>
+                        <a:rPr lang="ja-JP" altLang="en-US" sz="1200" dirty="0" smtClean="0"/>
+                        <a:t>促成名</a:t>
+                      </a:r>
+                      <a:endParaRPr lang="ko-KR" altLang="en-US" sz="1200" dirty="0" smtClean="0"/>
+                    </a:p>
+                  </a:txBody>
+                  <a:tcPr/>
+                </a:tc>
+                <a:tc>
+                  <a:txBody>
+                    <a:bodyPr/>
+                    <a:lstStyle/>
+                    <a:p>
+                      <a:pPr algn="ctr" latinLnBrk="1"/>
+                      <a:r>
+                        <a:rPr lang="ja-JP" altLang="en-US" sz="1200" dirty="0" smtClean="0"/>
+                        <a:t>データタイプ</a:t>
+                      </a:r>
+                      <a:endParaRPr lang="ko-KR" altLang="en-US" sz="1200" dirty="0"/>
+                    </a:p>
+                  </a:txBody>
+                  <a:tcPr/>
+                </a:tc>
+                <a:tc>
+                  <a:txBody>
+                    <a:bodyPr/>
+                    <a:lstStyle/>
+                    <a:p>
+                      <a:pPr algn="ctr" latinLnBrk="1"/>
+                      <a:r>
+                        <a:rPr lang="ja-JP" altLang="en-US" sz="1200" dirty="0" smtClean="0"/>
+                        <a:t>オプション</a:t>
+                      </a:r>
+                      <a:endParaRPr lang="ko-KR" altLang="en-US" sz="1200" dirty="0"/>
+                    </a:p>
+                  </a:txBody>
+                  <a:tcPr/>
+                </a:tc>
+              </a:tr>
+              <a:tr h="245686">
+                <a:tc>
+                  <a:txBody>
+                    <a:bodyPr/>
+                    <a:lstStyle/>
+                    <a:p>
+                      <a:pPr marL="0" marR="0" lvl="0" indent="0" algn="ctr" defTabSz="914400" rtl="0" eaLnBrk="1" fontAlgn="auto" latinLnBrk="1" hangingPunct="1">
+                        <a:lnSpc>
+                          <a:spcPct val="100000"/>
+                        </a:lnSpc>
+                        <a:spcBef>
+                          <a:spcPts val="0"/>
+                        </a:spcBef>
+                        <a:spcAft>
+                          <a:spcPts val="0"/>
+                        </a:spcAft>
+                        <a:buClrTx/>
+                        <a:buSzTx/>
+                        <a:buFontTx/>
+                        <a:buNone/>
+                        <a:tabLst/>
+                        <a:defRPr/>
+                      </a:pPr>
+                      <a:r>
+                        <a:rPr lang="en-US" altLang="ko-KR" sz="1200" dirty="0" err="1" smtClean="0"/>
+                        <a:t>Board_num</a:t>
+                      </a:r>
+                      <a:endParaRPr lang="ko-KR" altLang="en-US" sz="1200" dirty="0" smtClean="0"/>
+                    </a:p>
+                  </a:txBody>
+                  <a:tcPr/>
+                </a:tc>
+                <a:tc>
+                  <a:txBody>
+                    <a:bodyPr/>
+                    <a:lstStyle/>
+                    <a:p>
+                      <a:pPr algn="ctr" latinLnBrk="1"/>
+                      <a:r>
+                        <a:rPr lang="en-US" altLang="ko-KR" sz="1200" dirty="0" smtClean="0"/>
+                        <a:t>Number</a:t>
+                      </a:r>
+                      <a:endParaRPr lang="ko-KR" altLang="en-US" sz="1200" dirty="0"/>
+                    </a:p>
+                  </a:txBody>
+                  <a:tcPr/>
+                </a:tc>
+                <a:tc>
+                  <a:txBody>
+                    <a:bodyPr/>
+                    <a:lstStyle/>
+                    <a:p>
+                      <a:pPr algn="ctr" latinLnBrk="1"/>
+                      <a:r>
+                        <a:rPr lang="en-US" altLang="ko-KR" sz="1200" dirty="0" smtClean="0"/>
+                        <a:t>Primary key</a:t>
+                      </a:r>
+                      <a:endParaRPr lang="ko-KR" altLang="en-US" sz="1200" dirty="0"/>
+                    </a:p>
+                  </a:txBody>
+                  <a:tcPr/>
+                </a:tc>
+              </a:tr>
+              <a:tr h="245686">
+                <a:tc>
+                  <a:txBody>
+                    <a:bodyPr/>
+                    <a:lstStyle/>
+                    <a:p>
+                      <a:pPr marL="0" marR="0" lvl="0" indent="0" algn="ctr" defTabSz="914400" rtl="0" eaLnBrk="1" fontAlgn="auto" latinLnBrk="1" hangingPunct="1">
+                        <a:lnSpc>
+                          <a:spcPct val="100000"/>
+                        </a:lnSpc>
+                        <a:spcBef>
+                          <a:spcPts val="0"/>
+                        </a:spcBef>
+                        <a:spcAft>
+                          <a:spcPts val="0"/>
+                        </a:spcAft>
+                        <a:buClrTx/>
+                        <a:buSzTx/>
+                        <a:buFontTx/>
+                        <a:buNone/>
+                        <a:tabLst/>
+                        <a:defRPr/>
+                      </a:pPr>
+                      <a:r>
+                        <a:rPr lang="en-US" altLang="ko-KR" sz="1200" dirty="0" err="1" smtClean="0"/>
+                        <a:t>Board_userid</a:t>
+                      </a:r>
+                      <a:endParaRPr lang="ko-KR" altLang="en-US" sz="1200" dirty="0" smtClean="0"/>
+                    </a:p>
+                  </a:txBody>
+                  <a:tcPr/>
+                </a:tc>
+                <a:tc>
+                  <a:txBody>
+                    <a:bodyPr/>
+                    <a:lstStyle/>
+                    <a:p>
+                      <a:pPr algn="ctr" latinLnBrk="1"/>
+                      <a:r>
+                        <a:rPr lang="en-US" altLang="ko-KR" sz="1200" dirty="0" smtClean="0"/>
+                        <a:t>Varchar2</a:t>
+                      </a:r>
+                      <a:endParaRPr lang="ko-KR" altLang="en-US" sz="1200" dirty="0"/>
+                    </a:p>
+                  </a:txBody>
+                  <a:tcPr/>
+                </a:tc>
+                <a:tc>
+                  <a:txBody>
+                    <a:bodyPr/>
+                    <a:lstStyle/>
+                    <a:p>
+                      <a:pPr algn="ctr" latinLnBrk="1"/>
+                      <a:endParaRPr lang="ko-KR" altLang="en-US" sz="1200" dirty="0"/>
+                    </a:p>
+                  </a:txBody>
+                  <a:tcPr/>
+                </a:tc>
+              </a:tr>
+              <a:tr h="245686">
+                <a:tc>
+                  <a:txBody>
+                    <a:bodyPr/>
+                    <a:lstStyle/>
+                    <a:p>
+                      <a:pPr marL="0" marR="0" lvl="0" indent="0" algn="ctr" defTabSz="914400" rtl="0" eaLnBrk="1" fontAlgn="auto" latinLnBrk="1" hangingPunct="1">
+                        <a:lnSpc>
+                          <a:spcPct val="100000"/>
+                        </a:lnSpc>
+                        <a:spcBef>
+                          <a:spcPts val="0"/>
+                        </a:spcBef>
+                        <a:spcAft>
+                          <a:spcPts val="0"/>
+                        </a:spcAft>
+                        <a:buClrTx/>
+                        <a:buSzTx/>
+                        <a:buFontTx/>
+                        <a:buNone/>
+                        <a:tabLst/>
+                        <a:defRPr/>
+                      </a:pPr>
+                      <a:r>
+                        <a:rPr lang="en-US" altLang="ko-KR" sz="1200" dirty="0" err="1" smtClean="0"/>
+                        <a:t>Board_kinds</a:t>
+                      </a:r>
+                      <a:endParaRPr lang="ko-KR" altLang="en-US" sz="1200" dirty="0" smtClean="0"/>
+                    </a:p>
+                  </a:txBody>
+                  <a:tcPr/>
+                </a:tc>
+                <a:tc>
+                  <a:txBody>
+                    <a:bodyPr/>
+                    <a:lstStyle/>
+                    <a:p>
+                      <a:pPr algn="ctr" latinLnBrk="1"/>
+                      <a:r>
+                        <a:rPr lang="en-US" altLang="ko-KR" sz="1200" dirty="0" smtClean="0"/>
+                        <a:t>Varchar2</a:t>
+                      </a:r>
+                      <a:endParaRPr lang="ko-KR" altLang="en-US" sz="1200" dirty="0"/>
+                    </a:p>
+                  </a:txBody>
+                  <a:tcPr/>
+                </a:tc>
+                <a:tc>
+                  <a:txBody>
+                    <a:bodyPr/>
+                    <a:lstStyle/>
+                    <a:p>
+                      <a:pPr algn="ctr" latinLnBrk="1"/>
+                      <a:endParaRPr lang="ko-KR" altLang="en-US" sz="1200" dirty="0"/>
+                    </a:p>
+                  </a:txBody>
+                  <a:tcPr/>
+                </a:tc>
+              </a:tr>
+              <a:tr h="245686">
+                <a:tc>
+                  <a:txBody>
+                    <a:bodyPr/>
+                    <a:lstStyle/>
+                    <a:p>
+                      <a:pPr marL="0" marR="0" lvl="0" indent="0" algn="ctr" defTabSz="914400" rtl="0" eaLnBrk="1" fontAlgn="auto" latinLnBrk="1" hangingPunct="1">
+                        <a:lnSpc>
+                          <a:spcPct val="100000"/>
+                        </a:lnSpc>
+                        <a:spcBef>
+                          <a:spcPts val="0"/>
+                        </a:spcBef>
+                        <a:spcAft>
+                          <a:spcPts val="0"/>
+                        </a:spcAft>
+                        <a:buClrTx/>
+                        <a:buSzTx/>
+                        <a:buFontTx/>
+                        <a:buNone/>
+                        <a:tabLst/>
+                        <a:defRPr/>
+                      </a:pPr>
+                      <a:r>
+                        <a:rPr lang="en-US" altLang="ko-KR" sz="1200" dirty="0" err="1" smtClean="0"/>
+                        <a:t>Board_title</a:t>
+                      </a:r>
+                      <a:endParaRPr lang="ko-KR" altLang="en-US" sz="1200" dirty="0" smtClean="0"/>
+                    </a:p>
+                  </a:txBody>
+                  <a:tcPr/>
+                </a:tc>
+                <a:tc>
+                  <a:txBody>
+                    <a:bodyPr/>
+                    <a:lstStyle/>
+                    <a:p>
+                      <a:pPr algn="ctr" latinLnBrk="1"/>
+                      <a:r>
+                        <a:rPr lang="en-US" altLang="ko-KR" sz="1200" dirty="0" smtClean="0"/>
+                        <a:t>Varchar2</a:t>
+                      </a:r>
+                      <a:endParaRPr lang="ko-KR" altLang="en-US" sz="1200" dirty="0"/>
+                    </a:p>
+                  </a:txBody>
+                  <a:tcPr/>
+                </a:tc>
+                <a:tc>
+                  <a:txBody>
+                    <a:bodyPr/>
+                    <a:lstStyle/>
+                    <a:p>
+                      <a:pPr algn="ctr" latinLnBrk="1"/>
+                      <a:endParaRPr lang="ko-KR" altLang="en-US" sz="1200" dirty="0"/>
+                    </a:p>
+                  </a:txBody>
+                  <a:tcPr/>
+                </a:tc>
+              </a:tr>
+              <a:tr h="245686">
+                <a:tc>
+                  <a:txBody>
+                    <a:bodyPr/>
+                    <a:lstStyle/>
+                    <a:p>
+                      <a:pPr marL="0" marR="0" lvl="0" indent="0" algn="ctr" defTabSz="914400" rtl="0" eaLnBrk="1" fontAlgn="auto" latinLnBrk="1" hangingPunct="1">
+                        <a:lnSpc>
+                          <a:spcPct val="100000"/>
+                        </a:lnSpc>
+                        <a:spcBef>
+                          <a:spcPts val="0"/>
+                        </a:spcBef>
+                        <a:spcAft>
+                          <a:spcPts val="0"/>
+                        </a:spcAft>
+                        <a:buClrTx/>
+                        <a:buSzTx/>
+                        <a:buFontTx/>
+                        <a:buNone/>
+                        <a:tabLst/>
+                        <a:defRPr/>
+                      </a:pPr>
+                      <a:r>
+                        <a:rPr lang="en-US" altLang="ko-KR" sz="1200" dirty="0" err="1" smtClean="0"/>
+                        <a:t>Board_content</a:t>
+                      </a:r>
+                      <a:endParaRPr lang="ko-KR" altLang="en-US" sz="1200" dirty="0" smtClean="0"/>
+                    </a:p>
+                  </a:txBody>
+                  <a:tcPr/>
+                </a:tc>
+                <a:tc>
+                  <a:txBody>
+                    <a:bodyPr/>
+                    <a:lstStyle/>
+                    <a:p>
+                      <a:pPr algn="ctr" latinLnBrk="1"/>
+                      <a:r>
+                        <a:rPr lang="en-US" altLang="ko-KR" sz="1200" dirty="0" smtClean="0"/>
+                        <a:t>Varchar2</a:t>
+                      </a:r>
+                      <a:endParaRPr lang="ko-KR" altLang="en-US" sz="1200" dirty="0"/>
+                    </a:p>
+                  </a:txBody>
+                  <a:tcPr/>
+                </a:tc>
+                <a:tc>
+                  <a:txBody>
+                    <a:bodyPr/>
+                    <a:lstStyle/>
+                    <a:p>
+                      <a:pPr algn="ctr" latinLnBrk="1"/>
+                      <a:endParaRPr lang="ko-KR" altLang="en-US" sz="1200" dirty="0"/>
+                    </a:p>
+                  </a:txBody>
+                  <a:tcPr/>
+                </a:tc>
+              </a:tr>
+              <a:tr h="245686">
+                <a:tc>
+                  <a:txBody>
+                    <a:bodyPr/>
+                    <a:lstStyle/>
+                    <a:p>
+                      <a:pPr marL="0" marR="0" lvl="0" indent="0" algn="ctr" defTabSz="914400" rtl="0" eaLnBrk="1" fontAlgn="auto" latinLnBrk="1" hangingPunct="1">
+                        <a:lnSpc>
+                          <a:spcPct val="100000"/>
+                        </a:lnSpc>
+                        <a:spcBef>
+                          <a:spcPts val="0"/>
+                        </a:spcBef>
+                        <a:spcAft>
+                          <a:spcPts val="0"/>
+                        </a:spcAft>
+                        <a:buClrTx/>
+                        <a:buSzTx/>
+                        <a:buFontTx/>
+                        <a:buNone/>
+                        <a:tabLst/>
+                        <a:defRPr/>
+                      </a:pPr>
+                      <a:r>
+                        <a:rPr lang="en-US" altLang="ko-KR" sz="1200" dirty="0" err="1" smtClean="0"/>
+                        <a:t>Board_filename</a:t>
+                      </a:r>
+                      <a:endParaRPr lang="ko-KR" altLang="en-US" sz="1200" dirty="0" smtClean="0"/>
+                    </a:p>
+                  </a:txBody>
+                  <a:tcPr/>
+                </a:tc>
+                <a:tc>
+                  <a:txBody>
+                    <a:bodyPr/>
+                    <a:lstStyle/>
+                    <a:p>
+                      <a:pPr algn="ctr" latinLnBrk="1"/>
+                      <a:r>
+                        <a:rPr lang="en-US" altLang="ko-KR" sz="1200" dirty="0" smtClean="0"/>
+                        <a:t>Varchar2</a:t>
+                      </a:r>
+                      <a:endParaRPr lang="ko-KR" altLang="en-US" sz="1200" dirty="0"/>
+                    </a:p>
+                  </a:txBody>
+                  <a:tcPr/>
+                </a:tc>
+                <a:tc>
+                  <a:txBody>
+                    <a:bodyPr/>
+                    <a:lstStyle/>
+                    <a:p>
+                      <a:pPr algn="ctr" latinLnBrk="1"/>
+                      <a:endParaRPr lang="ko-KR" altLang="en-US" sz="1200" dirty="0"/>
+                    </a:p>
+                  </a:txBody>
+                  <a:tcPr/>
+                </a:tc>
+              </a:tr>
+              <a:tr h="245686">
+                <a:tc>
+                  <a:txBody>
+                    <a:bodyPr/>
+                    <a:lstStyle/>
+                    <a:p>
+                      <a:pPr marL="0" marR="0" lvl="0" indent="0" algn="ctr" defTabSz="914400" rtl="0" eaLnBrk="1" fontAlgn="auto" latinLnBrk="1" hangingPunct="1">
+                        <a:lnSpc>
+                          <a:spcPct val="100000"/>
+                        </a:lnSpc>
+                        <a:spcBef>
+                          <a:spcPts val="0"/>
+                        </a:spcBef>
+                        <a:spcAft>
+                          <a:spcPts val="0"/>
+                        </a:spcAft>
+                        <a:buClrTx/>
+                        <a:buSzTx/>
+                        <a:buFontTx/>
+                        <a:buNone/>
+                        <a:tabLst/>
+                        <a:defRPr/>
+                      </a:pPr>
+                      <a:r>
+                        <a:rPr lang="en-US" altLang="ko-KR" sz="1200" dirty="0" err="1" smtClean="0"/>
+                        <a:t>Board_writeday</a:t>
+                      </a:r>
+                      <a:endParaRPr lang="ko-KR" altLang="en-US" sz="1200" dirty="0" smtClean="0"/>
+                    </a:p>
+                  </a:txBody>
+                  <a:tcPr/>
+                </a:tc>
+                <a:tc>
+                  <a:txBody>
+                    <a:bodyPr/>
+                    <a:lstStyle/>
+                    <a:p>
+                      <a:pPr algn="ctr" latinLnBrk="1"/>
+                      <a:r>
+                        <a:rPr lang="en-US" altLang="ko-KR" sz="1200" dirty="0" smtClean="0"/>
+                        <a:t>Date</a:t>
+                      </a:r>
+                      <a:endParaRPr lang="ko-KR" altLang="en-US" sz="1200" dirty="0"/>
+                    </a:p>
+                  </a:txBody>
+                  <a:tcPr/>
+                </a:tc>
+                <a:tc>
+                  <a:txBody>
+                    <a:bodyPr/>
+                    <a:lstStyle/>
+                    <a:p>
+                      <a:pPr algn="ctr" latinLnBrk="1"/>
+                      <a:endParaRPr lang="ko-KR" altLang="en-US" sz="1200" dirty="0"/>
+                    </a:p>
+                  </a:txBody>
+                  <a:tcPr/>
+                </a:tc>
+              </a:tr>
+            </a:tbl>
+          </a:graphicData>
+        </a:graphic>
+      </p:graphicFrame>
+      <p:graphicFrame>
+        <p:nvGraphicFramePr>
+          <p:cNvPr id="8" name="표 7"/>
+          <p:cNvGraphicFramePr>
+            <a:graphicFrameLocks noGrp="1"/>
+          </p:cNvGraphicFramePr>
+          <p:nvPr>
+            <p:extLst>
+              <p:ext uri="{D42A27DB-BD31-4B8C-83A1-F6EECF244321}">
+                <p14:modId xmlns:p14="http://schemas.microsoft.com/office/powerpoint/2010/main" val="3286139488"/>
+              </p:ext>
+            </p:extLst>
+          </p:nvPr>
+        </p:nvGraphicFramePr>
+        <p:xfrm>
+          <a:off x="5203730" y="-1297347"/>
+          <a:ext cx="3447654" cy="1920240"/>
+        </p:xfrm>
+        <a:graphic>
+          <a:graphicData uri="http://schemas.openxmlformats.org/drawingml/2006/table">
+            <a:tbl>
+              <a:tblPr firstRow="1" bandRow="1">
+                <a:tableStyleId>{F2DE63D5-997A-4646-A377-4702673A728D}</a:tableStyleId>
+              </a:tblPr>
+              <a:tblGrid>
+                <a:gridCol w="1317117"/>
+                <a:gridCol w="998855"/>
+                <a:gridCol w="1131682"/>
+              </a:tblGrid>
+              <a:tr h="245686">
+                <a:tc gridSpan="3">
+                  <a:txBody>
+                    <a:bodyPr/>
+                    <a:lstStyle/>
+                    <a:p>
+                      <a:pPr algn="ctr" latinLnBrk="1"/>
+                      <a:r>
+                        <a:rPr lang="en-US" altLang="ko-KR" sz="1200" dirty="0" smtClean="0"/>
+                        <a:t>Reply</a:t>
+                      </a:r>
+                      <a:endParaRPr lang="ko-KR" altLang="en-US" sz="1200" dirty="0"/>
+                    </a:p>
+                  </a:txBody>
+                  <a:tcPr/>
+                </a:tc>
+                <a:tc hMerge="1">
+                  <a:txBody>
+                    <a:bodyPr/>
+                    <a:lstStyle/>
+                    <a:p>
+                      <a:pPr algn="ctr" latinLnBrk="1"/>
+                      <a:endParaRPr lang="ko-KR" altLang="en-US" dirty="0"/>
+                    </a:p>
+                  </a:txBody>
+                  <a:tcPr/>
+                </a:tc>
+                <a:tc hMerge="1">
+                  <a:txBody>
+                    <a:bodyPr/>
+                    <a:lstStyle/>
+                    <a:p>
+                      <a:pPr algn="ctr" latinLnBrk="1"/>
+                      <a:endParaRPr lang="ko-KR" altLang="en-US" dirty="0"/>
+                    </a:p>
+                  </a:txBody>
+                  <a:tcPr/>
+                </a:tc>
+              </a:tr>
+              <a:tr h="245686">
+                <a:tc>
+                  <a:txBody>
+                    <a:bodyPr/>
+                    <a:lstStyle/>
+                    <a:p>
+                      <a:pPr marL="0" marR="0" lvl="0" indent="0" algn="ctr" defTabSz="914400" rtl="0" eaLnBrk="1" fontAlgn="auto" latinLnBrk="1" hangingPunct="1">
+                        <a:lnSpc>
+                          <a:spcPct val="100000"/>
+                        </a:lnSpc>
+                        <a:spcBef>
+                          <a:spcPts val="0"/>
+                        </a:spcBef>
+                        <a:spcAft>
+                          <a:spcPts val="0"/>
+                        </a:spcAft>
+                        <a:buClrTx/>
+                        <a:buSzTx/>
+                        <a:buFontTx/>
+                        <a:buNone/>
+                        <a:tabLst/>
+                        <a:defRPr/>
+                      </a:pPr>
+                      <a:r>
+                        <a:rPr lang="ja-JP" altLang="en-US" sz="1200" dirty="0" smtClean="0"/>
+                        <a:t>促成名</a:t>
+                      </a:r>
+                      <a:endParaRPr lang="ko-KR" altLang="en-US" sz="1200" dirty="0" smtClean="0"/>
+                    </a:p>
+                  </a:txBody>
+                  <a:tcPr/>
+                </a:tc>
+                <a:tc>
+                  <a:txBody>
+                    <a:bodyPr/>
+                    <a:lstStyle/>
+                    <a:p>
+                      <a:pPr algn="ctr" latinLnBrk="1"/>
+                      <a:r>
+                        <a:rPr lang="ja-JP" altLang="en-US" sz="1200" dirty="0" smtClean="0"/>
+                        <a:t>データタイプ</a:t>
+                      </a:r>
+                      <a:endParaRPr lang="ko-KR" altLang="en-US" sz="1200" dirty="0"/>
+                    </a:p>
+                  </a:txBody>
+                  <a:tcPr/>
+                </a:tc>
+                <a:tc>
+                  <a:txBody>
+                    <a:bodyPr/>
+                    <a:lstStyle/>
+                    <a:p>
+                      <a:pPr algn="ctr" latinLnBrk="1"/>
+                      <a:r>
+                        <a:rPr lang="ja-JP" altLang="en-US" sz="1200" dirty="0" smtClean="0"/>
+                        <a:t>オプション</a:t>
+                      </a:r>
+                      <a:endParaRPr lang="ko-KR" altLang="en-US" sz="1200" dirty="0"/>
+                    </a:p>
+                  </a:txBody>
+                  <a:tcPr/>
+                </a:tc>
+              </a:tr>
+              <a:tr h="245686">
+                <a:tc>
+                  <a:txBody>
+                    <a:bodyPr/>
+                    <a:lstStyle/>
+                    <a:p>
+                      <a:pPr marL="0" marR="0" lvl="0" indent="0" algn="ctr" defTabSz="914400" rtl="0" eaLnBrk="1" fontAlgn="auto" latinLnBrk="1" hangingPunct="1">
+                        <a:lnSpc>
+                          <a:spcPct val="100000"/>
+                        </a:lnSpc>
+                        <a:spcBef>
+                          <a:spcPts val="0"/>
+                        </a:spcBef>
+                        <a:spcAft>
+                          <a:spcPts val="0"/>
+                        </a:spcAft>
+                        <a:buClrTx/>
+                        <a:buSzTx/>
+                        <a:buFontTx/>
+                        <a:buNone/>
+                        <a:tabLst/>
+                        <a:defRPr/>
+                      </a:pPr>
+                      <a:r>
+                        <a:rPr lang="en-US" altLang="ko-KR" sz="1200" dirty="0" err="1" smtClean="0"/>
+                        <a:t>Reply_num</a:t>
+                      </a:r>
+                      <a:endParaRPr lang="ko-KR" altLang="en-US" sz="1200" dirty="0" smtClean="0"/>
+                    </a:p>
+                  </a:txBody>
+                  <a:tcPr/>
+                </a:tc>
+                <a:tc>
+                  <a:txBody>
+                    <a:bodyPr/>
+                    <a:lstStyle/>
+                    <a:p>
+                      <a:pPr algn="ctr" latinLnBrk="1"/>
+                      <a:r>
+                        <a:rPr lang="en-US" altLang="ko-KR" sz="1200" dirty="0" smtClean="0"/>
+                        <a:t>Number</a:t>
+                      </a:r>
+                      <a:endParaRPr lang="ko-KR" altLang="en-US" sz="1200" dirty="0"/>
+                    </a:p>
+                  </a:txBody>
+                  <a:tcPr/>
+                </a:tc>
+                <a:tc>
+                  <a:txBody>
+                    <a:bodyPr/>
+                    <a:lstStyle/>
+                    <a:p>
+                      <a:pPr algn="ctr" latinLnBrk="1"/>
+                      <a:r>
+                        <a:rPr lang="en-US" altLang="ko-KR" sz="1200" dirty="0" smtClean="0"/>
+                        <a:t>Primary key</a:t>
+                      </a:r>
+                      <a:endParaRPr lang="ko-KR" altLang="en-US" sz="1200" dirty="0"/>
+                    </a:p>
+                  </a:txBody>
+                  <a:tcPr/>
+                </a:tc>
+              </a:tr>
+              <a:tr h="245686">
+                <a:tc>
+                  <a:txBody>
+                    <a:bodyPr/>
+                    <a:lstStyle/>
+                    <a:p>
+                      <a:pPr marL="0" marR="0" lvl="0" indent="0" algn="ctr" defTabSz="914400" rtl="0" eaLnBrk="1" fontAlgn="auto" latinLnBrk="1" hangingPunct="1">
+                        <a:lnSpc>
+                          <a:spcPct val="100000"/>
+                        </a:lnSpc>
+                        <a:spcBef>
+                          <a:spcPts val="0"/>
+                        </a:spcBef>
+                        <a:spcAft>
+                          <a:spcPts val="0"/>
+                        </a:spcAft>
+                        <a:buClrTx/>
+                        <a:buSzTx/>
+                        <a:buFontTx/>
+                        <a:buNone/>
+                        <a:tabLst/>
+                        <a:defRPr/>
+                      </a:pPr>
+                      <a:r>
+                        <a:rPr lang="en-US" altLang="ko-KR" sz="1200" dirty="0" err="1" smtClean="0"/>
+                        <a:t>Ref_board_num</a:t>
+                      </a:r>
+                      <a:endParaRPr lang="ko-KR" altLang="en-US" sz="1200" dirty="0" smtClean="0"/>
+                    </a:p>
+                  </a:txBody>
+                  <a:tcPr/>
+                </a:tc>
+                <a:tc>
+                  <a:txBody>
+                    <a:bodyPr/>
+                    <a:lstStyle/>
+                    <a:p>
+                      <a:pPr algn="ctr" latinLnBrk="1"/>
+                      <a:r>
+                        <a:rPr lang="en-US" altLang="ko-KR" sz="1200" dirty="0" smtClean="0"/>
+                        <a:t>Number</a:t>
+                      </a:r>
+                      <a:endParaRPr lang="ko-KR" altLang="en-US" sz="1200" dirty="0"/>
+                    </a:p>
+                  </a:txBody>
+                  <a:tcPr/>
+                </a:tc>
+                <a:tc>
+                  <a:txBody>
+                    <a:bodyPr/>
+                    <a:lstStyle/>
+                    <a:p>
+                      <a:pPr algn="ctr" latinLnBrk="1"/>
+                      <a:endParaRPr lang="ko-KR" altLang="en-US" sz="1200" dirty="0"/>
+                    </a:p>
+                  </a:txBody>
+                  <a:tcPr/>
+                </a:tc>
+              </a:tr>
+              <a:tr h="245686">
+                <a:tc>
+                  <a:txBody>
+                    <a:bodyPr/>
+                    <a:lstStyle/>
+                    <a:p>
+                      <a:pPr marL="0" marR="0" lvl="0" indent="0" algn="ctr" defTabSz="914400" rtl="0" eaLnBrk="1" fontAlgn="auto" latinLnBrk="1" hangingPunct="1">
+                        <a:lnSpc>
+                          <a:spcPct val="100000"/>
+                        </a:lnSpc>
+                        <a:spcBef>
+                          <a:spcPts val="0"/>
+                        </a:spcBef>
+                        <a:spcAft>
+                          <a:spcPts val="0"/>
+                        </a:spcAft>
+                        <a:buClrTx/>
+                        <a:buSzTx/>
+                        <a:buFontTx/>
+                        <a:buNone/>
+                        <a:tabLst/>
+                        <a:defRPr/>
+                      </a:pPr>
+                      <a:r>
+                        <a:rPr lang="en-US" altLang="ko-KR" sz="1200" dirty="0" err="1" smtClean="0"/>
+                        <a:t>Reply_userid</a:t>
+                      </a:r>
+                      <a:endParaRPr lang="ko-KR" altLang="en-US" sz="1200" dirty="0" smtClean="0"/>
+                    </a:p>
+                  </a:txBody>
+                  <a:tcPr/>
+                </a:tc>
+                <a:tc>
+                  <a:txBody>
+                    <a:bodyPr/>
+                    <a:lstStyle/>
+                    <a:p>
+                      <a:pPr algn="ctr" latinLnBrk="1"/>
+                      <a:r>
+                        <a:rPr lang="en-US" altLang="ko-KR" sz="1200" dirty="0" smtClean="0"/>
+                        <a:t>Varchar2</a:t>
+                      </a:r>
+                      <a:endParaRPr lang="ko-KR" altLang="en-US" sz="1200" dirty="0"/>
+                    </a:p>
+                  </a:txBody>
+                  <a:tcPr/>
+                </a:tc>
+                <a:tc>
+                  <a:txBody>
+                    <a:bodyPr/>
+                    <a:lstStyle/>
+                    <a:p>
+                      <a:pPr algn="ctr" latinLnBrk="1"/>
+                      <a:endParaRPr lang="ko-KR" altLang="en-US" sz="1200" dirty="0"/>
+                    </a:p>
+                  </a:txBody>
+                  <a:tcPr/>
+                </a:tc>
+              </a:tr>
+              <a:tr h="245686">
+                <a:tc>
+                  <a:txBody>
+                    <a:bodyPr/>
+                    <a:lstStyle/>
+                    <a:p>
+                      <a:pPr marL="0" marR="0" lvl="0" indent="0" algn="ctr" defTabSz="914400" rtl="0" eaLnBrk="1" fontAlgn="auto" latinLnBrk="1" hangingPunct="1">
+                        <a:lnSpc>
+                          <a:spcPct val="100000"/>
+                        </a:lnSpc>
+                        <a:spcBef>
+                          <a:spcPts val="0"/>
+                        </a:spcBef>
+                        <a:spcAft>
+                          <a:spcPts val="0"/>
+                        </a:spcAft>
+                        <a:buClrTx/>
+                        <a:buSzTx/>
+                        <a:buFontTx/>
+                        <a:buNone/>
+                        <a:tabLst/>
+                        <a:defRPr/>
+                      </a:pPr>
+                      <a:r>
+                        <a:rPr lang="en-US" altLang="ko-KR" sz="1200" dirty="0" err="1" smtClean="0"/>
+                        <a:t>Reply_content</a:t>
+                      </a:r>
+                      <a:endParaRPr lang="ko-KR" altLang="en-US" sz="1200" dirty="0" smtClean="0"/>
+                    </a:p>
+                  </a:txBody>
+                  <a:tcPr/>
+                </a:tc>
+                <a:tc>
+                  <a:txBody>
+                    <a:bodyPr/>
+                    <a:lstStyle/>
+                    <a:p>
+                      <a:pPr algn="ctr" latinLnBrk="1"/>
+                      <a:r>
+                        <a:rPr lang="en-US" altLang="ko-KR" sz="1200" dirty="0" smtClean="0"/>
+                        <a:t>Varchar2</a:t>
+                      </a:r>
+                      <a:endParaRPr lang="ko-KR" altLang="en-US" sz="1200" dirty="0"/>
+                    </a:p>
+                  </a:txBody>
+                  <a:tcPr/>
+                </a:tc>
+                <a:tc>
+                  <a:txBody>
+                    <a:bodyPr/>
+                    <a:lstStyle/>
+                    <a:p>
+                      <a:pPr algn="ctr" latinLnBrk="1"/>
+                      <a:endParaRPr lang="ko-KR" altLang="en-US" sz="1200" dirty="0"/>
+                    </a:p>
+                  </a:txBody>
+                  <a:tcPr/>
+                </a:tc>
+              </a:tr>
+              <a:tr h="245686">
+                <a:tc>
+                  <a:txBody>
+                    <a:bodyPr/>
+                    <a:lstStyle/>
+                    <a:p>
+                      <a:pPr marL="0" marR="0" lvl="0" indent="0" algn="ctr" defTabSz="914400" rtl="0" eaLnBrk="1" fontAlgn="auto" latinLnBrk="1" hangingPunct="1">
+                        <a:lnSpc>
+                          <a:spcPct val="100000"/>
+                        </a:lnSpc>
+                        <a:spcBef>
+                          <a:spcPts val="0"/>
+                        </a:spcBef>
+                        <a:spcAft>
+                          <a:spcPts val="0"/>
+                        </a:spcAft>
+                        <a:buClrTx/>
+                        <a:buSzTx/>
+                        <a:buFontTx/>
+                        <a:buNone/>
+                        <a:tabLst/>
+                        <a:defRPr/>
+                      </a:pPr>
+                      <a:r>
+                        <a:rPr lang="en-US" altLang="ko-KR" sz="1200" dirty="0" err="1" smtClean="0"/>
+                        <a:t>Reply_writedate</a:t>
+                      </a:r>
+                      <a:endParaRPr lang="ko-KR" altLang="en-US" sz="1200" dirty="0" smtClean="0"/>
+                    </a:p>
+                  </a:txBody>
+                  <a:tcPr/>
+                </a:tc>
+                <a:tc>
+                  <a:txBody>
+                    <a:bodyPr/>
+                    <a:lstStyle/>
+                    <a:p>
+                      <a:pPr algn="ctr" latinLnBrk="1"/>
+                      <a:r>
+                        <a:rPr lang="en-US" altLang="ko-KR" sz="1200" dirty="0" smtClean="0"/>
+                        <a:t>Date</a:t>
+                      </a:r>
+                      <a:endParaRPr lang="ko-KR" altLang="en-US" sz="1200" dirty="0"/>
+                    </a:p>
+                  </a:txBody>
+                  <a:tcPr/>
+                </a:tc>
+                <a:tc>
+                  <a:txBody>
+                    <a:bodyPr/>
+                    <a:lstStyle/>
+                    <a:p>
+                      <a:pPr algn="ctr" latinLnBrk="1"/>
+                      <a:endParaRPr lang="ko-KR" altLang="en-US" sz="1200" dirty="0"/>
+                    </a:p>
+                  </a:txBody>
+                  <a:tcPr/>
+                </a:tc>
+              </a:tr>
+            </a:tbl>
+          </a:graphicData>
+        </a:graphic>
+      </p:graphicFrame>
+      <p:graphicFrame>
+        <p:nvGraphicFramePr>
+          <p:cNvPr id="9" name="표 8"/>
+          <p:cNvGraphicFramePr>
+            <a:graphicFrameLocks noGrp="1"/>
+          </p:cNvGraphicFramePr>
+          <p:nvPr>
+            <p:extLst>
+              <p:ext uri="{D42A27DB-BD31-4B8C-83A1-F6EECF244321}">
+                <p14:modId xmlns:p14="http://schemas.microsoft.com/office/powerpoint/2010/main" val="2425476675"/>
+              </p:ext>
+            </p:extLst>
+          </p:nvPr>
+        </p:nvGraphicFramePr>
+        <p:xfrm>
+          <a:off x="1182659" y="-377548"/>
+          <a:ext cx="3318597" cy="2103120"/>
+        </p:xfrm>
+        <a:graphic>
+          <a:graphicData uri="http://schemas.openxmlformats.org/drawingml/2006/table">
+            <a:tbl>
+              <a:tblPr firstRow="1" bandRow="1">
+                <a:tableStyleId>{F2DE63D5-997A-4646-A377-4702673A728D}</a:tableStyleId>
+              </a:tblPr>
+              <a:tblGrid>
+                <a:gridCol w="1106199"/>
+                <a:gridCol w="1106199"/>
+                <a:gridCol w="1106199"/>
+              </a:tblGrid>
+              <a:tr h="245686">
+                <a:tc gridSpan="3">
+                  <a:txBody>
+                    <a:bodyPr/>
+                    <a:lstStyle/>
+                    <a:p>
+                      <a:pPr algn="ctr" latinLnBrk="1"/>
+                      <a:r>
+                        <a:rPr lang="en-US" altLang="ko-KR" sz="1200" dirty="0" smtClean="0"/>
+                        <a:t>Surgery</a:t>
+                      </a:r>
+                      <a:endParaRPr lang="ko-KR" altLang="en-US" sz="1200" dirty="0"/>
+                    </a:p>
+                  </a:txBody>
+                  <a:tcPr/>
+                </a:tc>
+                <a:tc hMerge="1">
+                  <a:txBody>
+                    <a:bodyPr/>
+                    <a:lstStyle/>
+                    <a:p>
+                      <a:pPr algn="ctr" latinLnBrk="1"/>
+                      <a:endParaRPr lang="ko-KR" altLang="en-US" dirty="0"/>
+                    </a:p>
+                  </a:txBody>
+                  <a:tcPr/>
+                </a:tc>
+                <a:tc hMerge="1">
+                  <a:txBody>
+                    <a:bodyPr/>
+                    <a:lstStyle/>
+                    <a:p>
+                      <a:pPr algn="ctr" latinLnBrk="1"/>
+                      <a:endParaRPr lang="ko-KR" altLang="en-US" dirty="0"/>
+                    </a:p>
+                  </a:txBody>
+                  <a:tcPr/>
+                </a:tc>
+              </a:tr>
+              <a:tr h="245686">
+                <a:tc>
+                  <a:txBody>
+                    <a:bodyPr/>
+                    <a:lstStyle/>
+                    <a:p>
+                      <a:pPr marL="0" marR="0" lvl="0" indent="0" algn="ctr" defTabSz="914400" rtl="0" eaLnBrk="1" fontAlgn="auto" latinLnBrk="1" hangingPunct="1">
+                        <a:lnSpc>
+                          <a:spcPct val="100000"/>
+                        </a:lnSpc>
+                        <a:spcBef>
+                          <a:spcPts val="0"/>
+                        </a:spcBef>
+                        <a:spcAft>
+                          <a:spcPts val="0"/>
+                        </a:spcAft>
+                        <a:buClrTx/>
+                        <a:buSzTx/>
+                        <a:buFontTx/>
+                        <a:buNone/>
+                        <a:tabLst/>
+                        <a:defRPr/>
+                      </a:pPr>
+                      <a:r>
+                        <a:rPr lang="ja-JP" altLang="en-US" sz="1200" dirty="0" smtClean="0"/>
+                        <a:t>促成名</a:t>
+                      </a:r>
+                      <a:endParaRPr lang="ko-KR" altLang="en-US" sz="1200" dirty="0" smtClean="0"/>
+                    </a:p>
+                  </a:txBody>
+                  <a:tcPr/>
+                </a:tc>
+                <a:tc>
+                  <a:txBody>
+                    <a:bodyPr/>
+                    <a:lstStyle/>
+                    <a:p>
+                      <a:pPr algn="ctr" latinLnBrk="1"/>
+                      <a:r>
+                        <a:rPr lang="ja-JP" altLang="en-US" sz="1200" dirty="0" smtClean="0"/>
+                        <a:t>データタイプ</a:t>
+                      </a:r>
+                      <a:endParaRPr lang="ko-KR" altLang="en-US" sz="1200" dirty="0"/>
+                    </a:p>
+                  </a:txBody>
+                  <a:tcPr/>
+                </a:tc>
+                <a:tc>
+                  <a:txBody>
+                    <a:bodyPr/>
+                    <a:lstStyle/>
+                    <a:p>
+                      <a:pPr algn="ctr" latinLnBrk="1"/>
+                      <a:r>
+                        <a:rPr lang="ja-JP" altLang="en-US" sz="1200" dirty="0" smtClean="0"/>
+                        <a:t>オプション</a:t>
+                      </a:r>
+                      <a:endParaRPr lang="ko-KR" altLang="en-US" sz="1200" dirty="0"/>
+                    </a:p>
+                  </a:txBody>
+                  <a:tcPr/>
+                </a:tc>
+              </a:tr>
+              <a:tr h="245686">
+                <a:tc>
+                  <a:txBody>
+                    <a:bodyPr/>
+                    <a:lstStyle/>
+                    <a:p>
+                      <a:pPr marL="0" marR="0" lvl="0" indent="0" algn="ctr" defTabSz="914400" rtl="0" eaLnBrk="1" fontAlgn="auto" latinLnBrk="1" hangingPunct="1">
+                        <a:lnSpc>
+                          <a:spcPct val="100000"/>
+                        </a:lnSpc>
+                        <a:spcBef>
+                          <a:spcPts val="0"/>
+                        </a:spcBef>
+                        <a:spcAft>
+                          <a:spcPts val="0"/>
+                        </a:spcAft>
+                        <a:buClrTx/>
+                        <a:buSzTx/>
+                        <a:buFontTx/>
+                        <a:buNone/>
+                        <a:tabLst/>
+                        <a:defRPr/>
+                      </a:pPr>
+                      <a:r>
+                        <a:rPr lang="en-US" altLang="ko-KR" sz="1200" dirty="0" err="1" smtClean="0"/>
+                        <a:t>Surgery_num</a:t>
+                      </a:r>
+                      <a:endParaRPr lang="ko-KR" altLang="en-US" sz="1200" dirty="0" smtClean="0"/>
+                    </a:p>
+                  </a:txBody>
+                  <a:tcPr/>
+                </a:tc>
+                <a:tc>
+                  <a:txBody>
+                    <a:bodyPr/>
+                    <a:lstStyle/>
+                    <a:p>
+                      <a:pPr algn="ctr" latinLnBrk="1"/>
+                      <a:r>
+                        <a:rPr lang="en-US" altLang="ko-KR" sz="1200" dirty="0" smtClean="0"/>
+                        <a:t>Number</a:t>
+                      </a:r>
+                      <a:endParaRPr lang="ko-KR" altLang="en-US" sz="1200" dirty="0"/>
+                    </a:p>
+                  </a:txBody>
+                  <a:tcPr/>
+                </a:tc>
+                <a:tc>
+                  <a:txBody>
+                    <a:bodyPr/>
+                    <a:lstStyle/>
+                    <a:p>
+                      <a:pPr algn="ctr" latinLnBrk="1"/>
+                      <a:r>
+                        <a:rPr lang="en-US" altLang="ko-KR" sz="1200" dirty="0" smtClean="0"/>
+                        <a:t>Primary key</a:t>
+                      </a:r>
+                      <a:endParaRPr lang="ko-KR" altLang="en-US" sz="1200" dirty="0"/>
+                    </a:p>
+                  </a:txBody>
+                  <a:tcPr/>
+                </a:tc>
+              </a:tr>
+              <a:tr h="245686">
+                <a:tc>
+                  <a:txBody>
+                    <a:bodyPr/>
+                    <a:lstStyle/>
+                    <a:p>
+                      <a:pPr marL="0" marR="0" lvl="0" indent="0" algn="ctr" defTabSz="914400" rtl="0" eaLnBrk="1" fontAlgn="auto" latinLnBrk="1" hangingPunct="1">
+                        <a:lnSpc>
+                          <a:spcPct val="100000"/>
+                        </a:lnSpc>
+                        <a:spcBef>
+                          <a:spcPts val="0"/>
+                        </a:spcBef>
+                        <a:spcAft>
+                          <a:spcPts val="0"/>
+                        </a:spcAft>
+                        <a:buClrTx/>
+                        <a:buSzTx/>
+                        <a:buFontTx/>
+                        <a:buNone/>
+                        <a:tabLst/>
+                        <a:defRPr/>
+                      </a:pPr>
+                      <a:r>
+                        <a:rPr lang="en-US" altLang="ko-KR" sz="1200" dirty="0" err="1" smtClean="0"/>
+                        <a:t>Surgery_name</a:t>
+                      </a:r>
+                      <a:endParaRPr lang="ko-KR" altLang="en-US" sz="1200" dirty="0" smtClean="0"/>
+                    </a:p>
+                  </a:txBody>
+                  <a:tcPr/>
+                </a:tc>
+                <a:tc>
+                  <a:txBody>
+                    <a:bodyPr/>
+                    <a:lstStyle/>
+                    <a:p>
+                      <a:pPr algn="ctr" latinLnBrk="1"/>
+                      <a:r>
+                        <a:rPr lang="en-US" altLang="ko-KR" sz="1200" dirty="0" smtClean="0"/>
+                        <a:t>Varchar2</a:t>
+                      </a:r>
+                      <a:endParaRPr lang="ko-KR" altLang="en-US" sz="1200" dirty="0"/>
+                    </a:p>
+                  </a:txBody>
+                  <a:tcPr/>
+                </a:tc>
+                <a:tc>
+                  <a:txBody>
+                    <a:bodyPr/>
+                    <a:lstStyle/>
+                    <a:p>
+                      <a:pPr algn="ctr" latinLnBrk="1"/>
+                      <a:endParaRPr lang="ko-KR" altLang="en-US" sz="1200" dirty="0"/>
+                    </a:p>
+                  </a:txBody>
+                  <a:tcPr/>
+                </a:tc>
+              </a:tr>
+              <a:tr h="245686">
+                <a:tc>
+                  <a:txBody>
+                    <a:bodyPr/>
+                    <a:lstStyle/>
+                    <a:p>
+                      <a:pPr marL="0" marR="0" lvl="0" indent="0" algn="ctr" defTabSz="914400" rtl="0" eaLnBrk="1" fontAlgn="auto" latinLnBrk="1" hangingPunct="1">
+                        <a:lnSpc>
+                          <a:spcPct val="100000"/>
+                        </a:lnSpc>
+                        <a:spcBef>
+                          <a:spcPts val="0"/>
+                        </a:spcBef>
+                        <a:spcAft>
+                          <a:spcPts val="0"/>
+                        </a:spcAft>
+                        <a:buClrTx/>
+                        <a:buSzTx/>
+                        <a:buFontTx/>
+                        <a:buNone/>
+                        <a:tabLst/>
+                        <a:defRPr/>
+                      </a:pPr>
+                      <a:r>
+                        <a:rPr lang="en-US" altLang="ko-KR" sz="1200" dirty="0" smtClean="0"/>
+                        <a:t>Content</a:t>
+                      </a:r>
+                      <a:endParaRPr lang="ko-KR" altLang="en-US" sz="1200" dirty="0" smtClean="0"/>
+                    </a:p>
+                  </a:txBody>
+                  <a:tcPr/>
+                </a:tc>
+                <a:tc>
+                  <a:txBody>
+                    <a:bodyPr/>
+                    <a:lstStyle/>
+                    <a:p>
+                      <a:pPr algn="ctr" latinLnBrk="1"/>
+                      <a:r>
+                        <a:rPr lang="en-US" altLang="ko-KR" sz="1200" dirty="0" smtClean="0"/>
+                        <a:t>Varchar2</a:t>
+                      </a:r>
+                      <a:endParaRPr lang="ko-KR" altLang="en-US" sz="1200" dirty="0"/>
+                    </a:p>
+                  </a:txBody>
+                  <a:tcPr/>
+                </a:tc>
+                <a:tc>
+                  <a:txBody>
+                    <a:bodyPr/>
+                    <a:lstStyle/>
+                    <a:p>
+                      <a:pPr algn="ctr" latinLnBrk="1"/>
+                      <a:endParaRPr lang="ko-KR" altLang="en-US" sz="1200" dirty="0"/>
+                    </a:p>
+                  </a:txBody>
+                  <a:tcPr/>
+                </a:tc>
+              </a:tr>
+              <a:tr h="245686">
+                <a:tc>
+                  <a:txBody>
+                    <a:bodyPr/>
+                    <a:lstStyle/>
+                    <a:p>
+                      <a:pPr marL="0" marR="0" lvl="0" indent="0" algn="ctr" defTabSz="914400" rtl="0" eaLnBrk="1" fontAlgn="auto" latinLnBrk="1" hangingPunct="1">
+                        <a:lnSpc>
+                          <a:spcPct val="100000"/>
+                        </a:lnSpc>
+                        <a:spcBef>
+                          <a:spcPts val="0"/>
+                        </a:spcBef>
+                        <a:spcAft>
+                          <a:spcPts val="0"/>
+                        </a:spcAft>
+                        <a:buClrTx/>
+                        <a:buSzTx/>
+                        <a:buFontTx/>
+                        <a:buNone/>
+                        <a:tabLst/>
+                        <a:defRPr/>
+                      </a:pPr>
+                      <a:r>
+                        <a:rPr lang="en-US" altLang="ko-KR" sz="1200" dirty="0" smtClean="0"/>
+                        <a:t>Price</a:t>
+                      </a:r>
+                      <a:endParaRPr lang="ko-KR" altLang="en-US" sz="1200" dirty="0" smtClean="0"/>
+                    </a:p>
+                  </a:txBody>
+                  <a:tcPr/>
+                </a:tc>
+                <a:tc>
+                  <a:txBody>
+                    <a:bodyPr/>
+                    <a:lstStyle/>
+                    <a:p>
+                      <a:pPr algn="ctr" latinLnBrk="1"/>
+                      <a:r>
+                        <a:rPr lang="en-US" altLang="ko-KR" sz="1200" dirty="0" smtClean="0"/>
+                        <a:t>Number</a:t>
+                      </a:r>
+                      <a:endParaRPr lang="ko-KR" altLang="en-US" sz="1200" dirty="0"/>
+                    </a:p>
+                  </a:txBody>
+                  <a:tcPr/>
+                </a:tc>
+                <a:tc>
+                  <a:txBody>
+                    <a:bodyPr/>
+                    <a:lstStyle/>
+                    <a:p>
+                      <a:pPr algn="ctr" latinLnBrk="1"/>
+                      <a:endParaRPr lang="ko-KR" altLang="en-US" sz="1200" dirty="0"/>
+                    </a:p>
+                  </a:txBody>
+                  <a:tcPr/>
+                </a:tc>
+              </a:tr>
+              <a:tr h="245686">
+                <a:tc>
+                  <a:txBody>
+                    <a:bodyPr/>
+                    <a:lstStyle/>
+                    <a:p>
+                      <a:pPr marL="0" marR="0" lvl="0" indent="0" algn="ctr" defTabSz="914400" rtl="0" eaLnBrk="1" fontAlgn="auto" latinLnBrk="1" hangingPunct="1">
+                        <a:lnSpc>
+                          <a:spcPct val="100000"/>
+                        </a:lnSpc>
+                        <a:spcBef>
+                          <a:spcPts val="0"/>
+                        </a:spcBef>
+                        <a:spcAft>
+                          <a:spcPts val="0"/>
+                        </a:spcAft>
+                        <a:buClrTx/>
+                        <a:buSzTx/>
+                        <a:buFontTx/>
+                        <a:buNone/>
+                        <a:tabLst/>
+                        <a:defRPr/>
+                      </a:pPr>
+                      <a:r>
+                        <a:rPr lang="en-US" altLang="ko-KR" sz="1200" dirty="0" smtClean="0"/>
+                        <a:t>Kinds</a:t>
+                      </a:r>
+                      <a:endParaRPr lang="ko-KR" altLang="en-US" sz="1200" dirty="0" smtClean="0"/>
+                    </a:p>
+                  </a:txBody>
+                  <a:tcPr/>
+                </a:tc>
+                <a:tc>
+                  <a:txBody>
+                    <a:bodyPr/>
+                    <a:lstStyle/>
+                    <a:p>
+                      <a:pPr algn="ctr" latinLnBrk="1"/>
+                      <a:r>
+                        <a:rPr lang="en-US" altLang="ko-KR" sz="1200" dirty="0" smtClean="0"/>
+                        <a:t>Varchar2</a:t>
+                      </a:r>
+                      <a:endParaRPr lang="ko-KR" altLang="en-US" sz="1200" dirty="0"/>
+                    </a:p>
+                  </a:txBody>
+                  <a:tcPr/>
+                </a:tc>
+                <a:tc>
+                  <a:txBody>
+                    <a:bodyPr/>
+                    <a:lstStyle/>
+                    <a:p>
+                      <a:pPr algn="ctr" latinLnBrk="1"/>
+                      <a:endParaRPr lang="ko-KR" altLang="en-US" sz="1200" dirty="0"/>
+                    </a:p>
+                  </a:txBody>
+                  <a:tcPr/>
+                </a:tc>
+              </a:tr>
+            </a:tbl>
+          </a:graphicData>
+        </a:graphic>
+      </p:graphicFrame>
+      <p:graphicFrame>
+        <p:nvGraphicFramePr>
+          <p:cNvPr id="10" name="표 9"/>
+          <p:cNvGraphicFramePr>
+            <a:graphicFrameLocks noGrp="1"/>
+          </p:cNvGraphicFramePr>
+          <p:nvPr>
+            <p:extLst>
+              <p:ext uri="{D42A27DB-BD31-4B8C-83A1-F6EECF244321}">
+                <p14:modId xmlns:p14="http://schemas.microsoft.com/office/powerpoint/2010/main" val="3161046376"/>
+              </p:ext>
+            </p:extLst>
+          </p:nvPr>
+        </p:nvGraphicFramePr>
+        <p:xfrm>
+          <a:off x="5203726" y="4339405"/>
+          <a:ext cx="3318597" cy="2468880"/>
+        </p:xfrm>
+        <a:graphic>
+          <a:graphicData uri="http://schemas.openxmlformats.org/drawingml/2006/table">
+            <a:tbl>
+              <a:tblPr firstRow="1" bandRow="1">
+                <a:tableStyleId>{F2DE63D5-997A-4646-A377-4702673A728D}</a:tableStyleId>
+              </a:tblPr>
+              <a:tblGrid>
+                <a:gridCol w="1208074"/>
+                <a:gridCol w="1004324"/>
+                <a:gridCol w="1106199"/>
+              </a:tblGrid>
+              <a:tr h="245686">
+                <a:tc gridSpan="3">
+                  <a:txBody>
+                    <a:bodyPr/>
+                    <a:lstStyle/>
+                    <a:p>
+                      <a:pPr algn="ctr" latinLnBrk="1"/>
+                      <a:r>
+                        <a:rPr lang="en-US" altLang="ko-KR" sz="1200" dirty="0" err="1" smtClean="0"/>
+                        <a:t>Msg_admin</a:t>
+                      </a:r>
+                      <a:endParaRPr lang="ko-KR" altLang="en-US" sz="1200" dirty="0"/>
+                    </a:p>
+                  </a:txBody>
+                  <a:tcPr/>
+                </a:tc>
+                <a:tc hMerge="1">
+                  <a:txBody>
+                    <a:bodyPr/>
+                    <a:lstStyle/>
+                    <a:p>
+                      <a:pPr algn="ctr" latinLnBrk="1"/>
+                      <a:endParaRPr lang="ko-KR" altLang="en-US" dirty="0"/>
+                    </a:p>
+                  </a:txBody>
+                  <a:tcPr/>
+                </a:tc>
+                <a:tc hMerge="1">
+                  <a:txBody>
+                    <a:bodyPr/>
+                    <a:lstStyle/>
+                    <a:p>
+                      <a:pPr algn="ctr" latinLnBrk="1"/>
+                      <a:endParaRPr lang="ko-KR" altLang="en-US" dirty="0"/>
+                    </a:p>
+                  </a:txBody>
+                  <a:tcPr/>
+                </a:tc>
+              </a:tr>
+              <a:tr h="245686">
+                <a:tc>
+                  <a:txBody>
+                    <a:bodyPr/>
+                    <a:lstStyle/>
+                    <a:p>
+                      <a:pPr marL="0" marR="0" lvl="0" indent="0" algn="ctr" defTabSz="914400" rtl="0" eaLnBrk="1" fontAlgn="auto" latinLnBrk="1" hangingPunct="1">
+                        <a:lnSpc>
+                          <a:spcPct val="100000"/>
+                        </a:lnSpc>
+                        <a:spcBef>
+                          <a:spcPts val="0"/>
+                        </a:spcBef>
+                        <a:spcAft>
+                          <a:spcPts val="0"/>
+                        </a:spcAft>
+                        <a:buClrTx/>
+                        <a:buSzTx/>
+                        <a:buFontTx/>
+                        <a:buNone/>
+                        <a:tabLst/>
+                        <a:defRPr/>
+                      </a:pPr>
+                      <a:r>
+                        <a:rPr lang="ja-JP" altLang="en-US" sz="1200" dirty="0" smtClean="0"/>
+                        <a:t>促成名</a:t>
+                      </a:r>
+                      <a:endParaRPr lang="ko-KR" altLang="en-US" sz="1200" dirty="0" smtClean="0"/>
+                    </a:p>
+                  </a:txBody>
+                  <a:tcPr/>
+                </a:tc>
+                <a:tc>
+                  <a:txBody>
+                    <a:bodyPr/>
+                    <a:lstStyle/>
+                    <a:p>
+                      <a:pPr algn="ctr" latinLnBrk="1"/>
+                      <a:r>
+                        <a:rPr lang="ja-JP" altLang="en-US" sz="1200" dirty="0" smtClean="0"/>
+                        <a:t>データタイプ</a:t>
+                      </a:r>
+                      <a:endParaRPr lang="ko-KR" altLang="en-US" sz="1200" dirty="0"/>
+                    </a:p>
+                  </a:txBody>
+                  <a:tcPr/>
+                </a:tc>
+                <a:tc>
+                  <a:txBody>
+                    <a:bodyPr/>
+                    <a:lstStyle/>
+                    <a:p>
+                      <a:pPr algn="ctr" latinLnBrk="1"/>
+                      <a:r>
+                        <a:rPr lang="ja-JP" altLang="en-US" sz="1200" dirty="0" smtClean="0"/>
+                        <a:t>オプション</a:t>
+                      </a:r>
+                      <a:endParaRPr lang="ko-KR" altLang="en-US" sz="1200" dirty="0"/>
+                    </a:p>
+                  </a:txBody>
+                  <a:tcPr/>
+                </a:tc>
+              </a:tr>
+              <a:tr h="245686">
+                <a:tc>
+                  <a:txBody>
+                    <a:bodyPr/>
+                    <a:lstStyle/>
+                    <a:p>
+                      <a:pPr marL="0" marR="0" lvl="0" indent="0" algn="ctr" defTabSz="914400" rtl="0" eaLnBrk="1" fontAlgn="auto" latinLnBrk="1" hangingPunct="1">
+                        <a:lnSpc>
+                          <a:spcPct val="100000"/>
+                        </a:lnSpc>
+                        <a:spcBef>
+                          <a:spcPts val="0"/>
+                        </a:spcBef>
+                        <a:spcAft>
+                          <a:spcPts val="0"/>
+                        </a:spcAft>
+                        <a:buClrTx/>
+                        <a:buSzTx/>
+                        <a:buFontTx/>
+                        <a:buNone/>
+                        <a:tabLst/>
+                        <a:defRPr/>
+                      </a:pPr>
+                      <a:r>
+                        <a:rPr lang="en-US" altLang="ko-KR" sz="1200" dirty="0" err="1" smtClean="0"/>
+                        <a:t>Msg_a_num</a:t>
+                      </a:r>
+                      <a:endParaRPr lang="ko-KR" altLang="en-US" sz="1200" dirty="0" smtClean="0"/>
+                    </a:p>
+                  </a:txBody>
+                  <a:tcPr/>
+                </a:tc>
+                <a:tc>
+                  <a:txBody>
+                    <a:bodyPr/>
+                    <a:lstStyle/>
+                    <a:p>
+                      <a:pPr algn="ctr" latinLnBrk="1"/>
+                      <a:r>
+                        <a:rPr lang="en-US" altLang="ko-KR" sz="1200" dirty="0" smtClean="0"/>
+                        <a:t>Number</a:t>
+                      </a:r>
+                      <a:endParaRPr lang="ko-KR" altLang="en-US" sz="1200" dirty="0"/>
+                    </a:p>
+                  </a:txBody>
+                  <a:tcPr/>
+                </a:tc>
+                <a:tc>
+                  <a:txBody>
+                    <a:bodyPr/>
+                    <a:lstStyle/>
+                    <a:p>
+                      <a:pPr algn="ctr" latinLnBrk="1"/>
+                      <a:r>
+                        <a:rPr lang="en-US" altLang="ko-KR" sz="1200" dirty="0" smtClean="0"/>
+                        <a:t>Primary key</a:t>
+                      </a:r>
+                      <a:endParaRPr lang="ko-KR" altLang="en-US" sz="1200" dirty="0"/>
+                    </a:p>
+                  </a:txBody>
+                  <a:tcPr/>
+                </a:tc>
+              </a:tr>
+              <a:tr h="245686">
+                <a:tc>
+                  <a:txBody>
+                    <a:bodyPr/>
+                    <a:lstStyle/>
+                    <a:p>
+                      <a:pPr marL="0" marR="0" lvl="0" indent="0" algn="ctr" defTabSz="914400" rtl="0" eaLnBrk="1" fontAlgn="auto" latinLnBrk="1" hangingPunct="1">
+                        <a:lnSpc>
+                          <a:spcPct val="100000"/>
+                        </a:lnSpc>
+                        <a:spcBef>
+                          <a:spcPts val="0"/>
+                        </a:spcBef>
+                        <a:spcAft>
+                          <a:spcPts val="0"/>
+                        </a:spcAft>
+                        <a:buClrTx/>
+                        <a:buSzTx/>
+                        <a:buFontTx/>
+                        <a:buNone/>
+                        <a:tabLst/>
+                        <a:defRPr/>
+                      </a:pPr>
+                      <a:r>
+                        <a:rPr lang="en-US" altLang="ko-KR" sz="1200" dirty="0" err="1" smtClean="0"/>
+                        <a:t>ad_writer</a:t>
+                      </a:r>
+                      <a:endParaRPr lang="ko-KR" altLang="en-US" sz="1200" dirty="0" smtClean="0"/>
+                    </a:p>
+                  </a:txBody>
+                  <a:tcPr/>
+                </a:tc>
+                <a:tc>
+                  <a:txBody>
+                    <a:bodyPr/>
+                    <a:lstStyle/>
+                    <a:p>
+                      <a:pPr algn="ctr" latinLnBrk="1"/>
+                      <a:r>
+                        <a:rPr lang="en-US" altLang="ko-KR" sz="1200" dirty="0" smtClean="0"/>
+                        <a:t>Varchar2</a:t>
+                      </a:r>
+                      <a:endParaRPr lang="ko-KR" altLang="en-US" sz="1200" dirty="0"/>
+                    </a:p>
+                  </a:txBody>
+                  <a:tcPr/>
+                </a:tc>
+                <a:tc>
+                  <a:txBody>
+                    <a:bodyPr/>
+                    <a:lstStyle/>
+                    <a:p>
+                      <a:pPr algn="ctr" latinLnBrk="1"/>
+                      <a:endParaRPr lang="ko-KR" altLang="en-US" sz="1200" dirty="0"/>
+                    </a:p>
+                  </a:txBody>
+                  <a:tcPr/>
+                </a:tc>
+              </a:tr>
+              <a:tr h="245686">
+                <a:tc>
+                  <a:txBody>
+                    <a:bodyPr/>
+                    <a:lstStyle/>
+                    <a:p>
+                      <a:pPr marL="0" marR="0" lvl="0" indent="0" algn="ctr" defTabSz="914400" rtl="0" eaLnBrk="1" fontAlgn="auto" latinLnBrk="1" hangingPunct="1">
+                        <a:lnSpc>
+                          <a:spcPct val="100000"/>
+                        </a:lnSpc>
+                        <a:spcBef>
+                          <a:spcPts val="0"/>
+                        </a:spcBef>
+                        <a:spcAft>
+                          <a:spcPts val="0"/>
+                        </a:spcAft>
+                        <a:buClrTx/>
+                        <a:buSzTx/>
+                        <a:buFontTx/>
+                        <a:buNone/>
+                        <a:tabLst/>
+                        <a:defRPr/>
+                      </a:pPr>
+                      <a:r>
+                        <a:rPr lang="en-US" altLang="ko-KR" sz="1200" dirty="0" err="1" smtClean="0"/>
+                        <a:t>ad_receiver</a:t>
+                      </a:r>
+                      <a:endParaRPr lang="ko-KR" altLang="en-US" sz="1200" dirty="0" smtClean="0"/>
+                    </a:p>
+                  </a:txBody>
+                  <a:tcPr/>
+                </a:tc>
+                <a:tc>
+                  <a:txBody>
+                    <a:bodyPr/>
+                    <a:lstStyle/>
+                    <a:p>
+                      <a:pPr algn="ctr" latinLnBrk="1"/>
+                      <a:r>
+                        <a:rPr lang="en-US" altLang="ko-KR" sz="1200" dirty="0" smtClean="0"/>
+                        <a:t>Varchar2</a:t>
+                      </a:r>
+                      <a:endParaRPr lang="ko-KR" altLang="en-US" sz="1200" dirty="0"/>
+                    </a:p>
+                  </a:txBody>
+                  <a:tcPr/>
+                </a:tc>
+                <a:tc>
+                  <a:txBody>
+                    <a:bodyPr/>
+                    <a:lstStyle/>
+                    <a:p>
+                      <a:pPr algn="ctr" latinLnBrk="1"/>
+                      <a:endParaRPr lang="ko-KR" altLang="en-US" sz="1200" dirty="0"/>
+                    </a:p>
+                  </a:txBody>
+                  <a:tcPr/>
+                </a:tc>
+              </a:tr>
+              <a:tr h="245686">
+                <a:tc>
+                  <a:txBody>
+                    <a:bodyPr/>
+                    <a:lstStyle/>
+                    <a:p>
+                      <a:pPr marL="0" marR="0" lvl="0" indent="0" algn="ctr" defTabSz="914400" rtl="0" eaLnBrk="1" fontAlgn="auto" latinLnBrk="1" hangingPunct="1">
+                        <a:lnSpc>
+                          <a:spcPct val="100000"/>
+                        </a:lnSpc>
+                        <a:spcBef>
+                          <a:spcPts val="0"/>
+                        </a:spcBef>
+                        <a:spcAft>
+                          <a:spcPts val="0"/>
+                        </a:spcAft>
+                        <a:buClrTx/>
+                        <a:buSzTx/>
+                        <a:buFontTx/>
+                        <a:buNone/>
+                        <a:tabLst/>
+                        <a:defRPr/>
+                      </a:pPr>
+                      <a:r>
+                        <a:rPr lang="en-US" altLang="ko-KR" sz="1200" dirty="0" err="1" smtClean="0"/>
+                        <a:t>ad_title</a:t>
+                      </a:r>
+                      <a:endParaRPr lang="ko-KR" altLang="en-US" sz="1200" dirty="0" smtClean="0"/>
+                    </a:p>
+                  </a:txBody>
+                  <a:tcPr/>
+                </a:tc>
+                <a:tc>
+                  <a:txBody>
+                    <a:bodyPr/>
+                    <a:lstStyle/>
+                    <a:p>
+                      <a:pPr algn="ctr" latinLnBrk="1"/>
+                      <a:r>
+                        <a:rPr lang="en-US" altLang="ko-KR" sz="1200" dirty="0" smtClean="0"/>
+                        <a:t>Varchar2</a:t>
+                      </a:r>
+                      <a:endParaRPr lang="ko-KR" altLang="en-US" sz="1200" dirty="0"/>
+                    </a:p>
+                  </a:txBody>
+                  <a:tcPr/>
+                </a:tc>
+                <a:tc>
+                  <a:txBody>
+                    <a:bodyPr/>
+                    <a:lstStyle/>
+                    <a:p>
+                      <a:pPr algn="ctr" latinLnBrk="1"/>
+                      <a:endParaRPr lang="ko-KR" altLang="en-US" sz="1200" dirty="0"/>
+                    </a:p>
+                  </a:txBody>
+                  <a:tcPr/>
+                </a:tc>
+              </a:tr>
+              <a:tr h="245686">
+                <a:tc>
+                  <a:txBody>
+                    <a:bodyPr/>
+                    <a:lstStyle/>
+                    <a:p>
+                      <a:pPr marL="0" marR="0" lvl="0" indent="0" algn="ctr" defTabSz="914400" rtl="0" eaLnBrk="1" fontAlgn="auto" latinLnBrk="1" hangingPunct="1">
+                        <a:lnSpc>
+                          <a:spcPct val="100000"/>
+                        </a:lnSpc>
+                        <a:spcBef>
+                          <a:spcPts val="0"/>
+                        </a:spcBef>
+                        <a:spcAft>
+                          <a:spcPts val="0"/>
+                        </a:spcAft>
+                        <a:buClrTx/>
+                        <a:buSzTx/>
+                        <a:buFontTx/>
+                        <a:buNone/>
+                        <a:tabLst/>
+                        <a:defRPr/>
+                      </a:pPr>
+                      <a:r>
+                        <a:rPr lang="en-US" altLang="ko-KR" sz="1200" dirty="0" err="1" smtClean="0"/>
+                        <a:t>ad_comment</a:t>
+                      </a:r>
+                      <a:endParaRPr lang="ko-KR" altLang="en-US" sz="1200" dirty="0" smtClean="0"/>
+                    </a:p>
+                  </a:txBody>
+                  <a:tcPr/>
+                </a:tc>
+                <a:tc>
+                  <a:txBody>
+                    <a:bodyPr/>
+                    <a:lstStyle/>
+                    <a:p>
+                      <a:pPr algn="ctr" latinLnBrk="1"/>
+                      <a:r>
+                        <a:rPr lang="en-US" altLang="ko-KR" sz="1200" dirty="0" smtClean="0"/>
+                        <a:t>Varchar2</a:t>
+                      </a:r>
+                      <a:endParaRPr lang="ko-KR" altLang="en-US" sz="1200" dirty="0"/>
+                    </a:p>
+                  </a:txBody>
+                  <a:tcPr/>
+                </a:tc>
+                <a:tc>
+                  <a:txBody>
+                    <a:bodyPr/>
+                    <a:lstStyle/>
+                    <a:p>
+                      <a:pPr algn="ctr" latinLnBrk="1"/>
+                      <a:endParaRPr lang="ko-KR" altLang="en-US" sz="1200" dirty="0"/>
+                    </a:p>
+                  </a:txBody>
+                  <a:tcPr/>
+                </a:tc>
+              </a:tr>
+              <a:tr h="245686">
+                <a:tc>
+                  <a:txBody>
+                    <a:bodyPr/>
+                    <a:lstStyle/>
+                    <a:p>
+                      <a:pPr marL="0" marR="0" lvl="0" indent="0" algn="ctr" defTabSz="914400" rtl="0" eaLnBrk="1" fontAlgn="auto" latinLnBrk="1" hangingPunct="1">
+                        <a:lnSpc>
+                          <a:spcPct val="100000"/>
+                        </a:lnSpc>
+                        <a:spcBef>
+                          <a:spcPts val="0"/>
+                        </a:spcBef>
+                        <a:spcAft>
+                          <a:spcPts val="0"/>
+                        </a:spcAft>
+                        <a:buClrTx/>
+                        <a:buSzTx/>
+                        <a:buFontTx/>
+                        <a:buNone/>
+                        <a:tabLst/>
+                        <a:defRPr/>
+                      </a:pPr>
+                      <a:r>
+                        <a:rPr lang="en-US" altLang="ko-KR" sz="1200" dirty="0" err="1" smtClean="0"/>
+                        <a:t>Ref_msg</a:t>
+                      </a:r>
+                      <a:endParaRPr lang="ko-KR" altLang="en-US" sz="1200" dirty="0" smtClean="0"/>
+                    </a:p>
+                  </a:txBody>
+                  <a:tcPr/>
+                </a:tc>
+                <a:tc>
+                  <a:txBody>
+                    <a:bodyPr/>
+                    <a:lstStyle/>
+                    <a:p>
+                      <a:pPr algn="ctr" latinLnBrk="1"/>
+                      <a:r>
+                        <a:rPr lang="en-US" altLang="ko-KR" sz="1200" dirty="0" smtClean="0"/>
+                        <a:t>number</a:t>
+                      </a:r>
+                      <a:endParaRPr lang="ko-KR" altLang="en-US" sz="1200" dirty="0"/>
+                    </a:p>
+                  </a:txBody>
+                  <a:tcPr/>
+                </a:tc>
+                <a:tc>
+                  <a:txBody>
+                    <a:bodyPr/>
+                    <a:lstStyle/>
+                    <a:p>
+                      <a:pPr algn="ctr" latinLnBrk="1"/>
+                      <a:endParaRPr lang="ko-KR" altLang="en-US" sz="1200" dirty="0"/>
+                    </a:p>
+                  </a:txBody>
+                  <a:tcPr/>
+                </a:tc>
+              </a:tr>
+              <a:tr h="245686">
+                <a:tc>
+                  <a:txBody>
+                    <a:bodyPr/>
+                    <a:lstStyle/>
+                    <a:p>
+                      <a:pPr marL="0" marR="0" lvl="0" indent="0" algn="ctr" defTabSz="914400" rtl="0" eaLnBrk="1" fontAlgn="auto" latinLnBrk="1" hangingPunct="1">
+                        <a:lnSpc>
+                          <a:spcPct val="100000"/>
+                        </a:lnSpc>
+                        <a:spcBef>
+                          <a:spcPts val="0"/>
+                        </a:spcBef>
+                        <a:spcAft>
+                          <a:spcPts val="0"/>
+                        </a:spcAft>
+                        <a:buClrTx/>
+                        <a:buSzTx/>
+                        <a:buFontTx/>
+                        <a:buNone/>
+                        <a:tabLst/>
+                        <a:defRPr/>
+                      </a:pPr>
+                      <a:r>
+                        <a:rPr lang="en-US" altLang="ko-KR" sz="1200" dirty="0" err="1" smtClean="0"/>
+                        <a:t>ad_send_day</a:t>
+                      </a:r>
+                      <a:endParaRPr lang="ko-KR" altLang="en-US" sz="1200" dirty="0" smtClean="0"/>
+                    </a:p>
+                  </a:txBody>
+                  <a:tcPr/>
+                </a:tc>
+                <a:tc>
+                  <a:txBody>
+                    <a:bodyPr/>
+                    <a:lstStyle/>
+                    <a:p>
+                      <a:pPr marL="0" marR="0" lvl="0" indent="0" algn="ctr" defTabSz="914400" rtl="0" eaLnBrk="1" fontAlgn="auto" latinLnBrk="1" hangingPunct="1">
+                        <a:lnSpc>
+                          <a:spcPct val="100000"/>
+                        </a:lnSpc>
+                        <a:spcBef>
+                          <a:spcPts val="0"/>
+                        </a:spcBef>
+                        <a:spcAft>
+                          <a:spcPts val="0"/>
+                        </a:spcAft>
+                        <a:buClrTx/>
+                        <a:buSzTx/>
+                        <a:buFontTx/>
+                        <a:buNone/>
+                        <a:tabLst/>
+                        <a:defRPr/>
+                      </a:pPr>
+                      <a:r>
+                        <a:rPr lang="en-US" altLang="ko-KR" sz="1200" dirty="0" smtClean="0"/>
+                        <a:t>Date</a:t>
+                      </a:r>
+                      <a:endParaRPr lang="ko-KR" altLang="en-US" sz="1200" dirty="0" smtClean="0"/>
+                    </a:p>
+                  </a:txBody>
+                  <a:tcPr/>
+                </a:tc>
+                <a:tc>
+                  <a:txBody>
+                    <a:bodyPr/>
+                    <a:lstStyle/>
+                    <a:p>
+                      <a:pPr algn="ctr" latinLnBrk="1"/>
+                      <a:endParaRPr lang="ko-KR" altLang="en-US" sz="1200" dirty="0"/>
+                    </a:p>
+                  </a:txBody>
+                  <a:tcPr/>
+                </a:tc>
+              </a:tr>
+            </a:tbl>
+          </a:graphicData>
+        </a:graphic>
+      </p:graphicFrame>
+      <p:graphicFrame>
+        <p:nvGraphicFramePr>
+          <p:cNvPr id="11" name="표 10"/>
+          <p:cNvGraphicFramePr>
+            <a:graphicFrameLocks noGrp="1"/>
+          </p:cNvGraphicFramePr>
+          <p:nvPr>
+            <p:extLst>
+              <p:ext uri="{D42A27DB-BD31-4B8C-83A1-F6EECF244321}">
+                <p14:modId xmlns:p14="http://schemas.microsoft.com/office/powerpoint/2010/main" val="4258757545"/>
+              </p:ext>
+            </p:extLst>
+          </p:nvPr>
+        </p:nvGraphicFramePr>
+        <p:xfrm>
+          <a:off x="5203727" y="1359812"/>
+          <a:ext cx="3318597" cy="2377440"/>
+        </p:xfrm>
+        <a:graphic>
+          <a:graphicData uri="http://schemas.openxmlformats.org/drawingml/2006/table">
+            <a:tbl>
+              <a:tblPr firstRow="1" bandRow="1">
+                <a:tableStyleId>{F2DE63D5-997A-4646-A377-4702673A728D}</a:tableStyleId>
+              </a:tblPr>
+              <a:tblGrid>
+                <a:gridCol w="1106199"/>
+                <a:gridCol w="1106199"/>
+                <a:gridCol w="1106199"/>
+              </a:tblGrid>
+              <a:tr h="245686">
+                <a:tc gridSpan="3">
+                  <a:txBody>
+                    <a:bodyPr/>
+                    <a:lstStyle/>
+                    <a:p>
+                      <a:pPr algn="ctr" latinLnBrk="1"/>
+                      <a:r>
+                        <a:rPr lang="en-US" altLang="ko-KR" sz="1200" dirty="0" err="1" smtClean="0"/>
+                        <a:t>Msg_client</a:t>
+                      </a:r>
+                      <a:endParaRPr lang="ko-KR" altLang="en-US" sz="1200" dirty="0"/>
+                    </a:p>
+                  </a:txBody>
+                  <a:tcPr/>
+                </a:tc>
+                <a:tc hMerge="1">
+                  <a:txBody>
+                    <a:bodyPr/>
+                    <a:lstStyle/>
+                    <a:p>
+                      <a:pPr algn="ctr" latinLnBrk="1"/>
+                      <a:endParaRPr lang="ko-KR" altLang="en-US" dirty="0"/>
+                    </a:p>
+                  </a:txBody>
+                  <a:tcPr/>
+                </a:tc>
+                <a:tc hMerge="1">
+                  <a:txBody>
+                    <a:bodyPr/>
+                    <a:lstStyle/>
+                    <a:p>
+                      <a:pPr algn="ctr" latinLnBrk="1"/>
+                      <a:endParaRPr lang="ko-KR" altLang="en-US" dirty="0"/>
+                    </a:p>
+                  </a:txBody>
+                  <a:tcPr/>
+                </a:tc>
+              </a:tr>
+              <a:tr h="245686">
+                <a:tc>
+                  <a:txBody>
+                    <a:bodyPr/>
+                    <a:lstStyle/>
+                    <a:p>
+                      <a:pPr marL="0" marR="0" lvl="0" indent="0" algn="ctr" defTabSz="914400" rtl="0" eaLnBrk="1" fontAlgn="auto" latinLnBrk="1" hangingPunct="1">
+                        <a:lnSpc>
+                          <a:spcPct val="100000"/>
+                        </a:lnSpc>
+                        <a:spcBef>
+                          <a:spcPts val="0"/>
+                        </a:spcBef>
+                        <a:spcAft>
+                          <a:spcPts val="0"/>
+                        </a:spcAft>
+                        <a:buClrTx/>
+                        <a:buSzTx/>
+                        <a:buFontTx/>
+                        <a:buNone/>
+                        <a:tabLst/>
+                        <a:defRPr/>
+                      </a:pPr>
+                      <a:r>
+                        <a:rPr lang="ja-JP" altLang="en-US" sz="1200" dirty="0" smtClean="0"/>
+                        <a:t>促成名</a:t>
+                      </a:r>
+                      <a:endParaRPr lang="ko-KR" altLang="en-US" sz="1200" dirty="0" smtClean="0"/>
+                    </a:p>
+                  </a:txBody>
+                  <a:tcPr/>
+                </a:tc>
+                <a:tc>
+                  <a:txBody>
+                    <a:bodyPr/>
+                    <a:lstStyle/>
+                    <a:p>
+                      <a:pPr algn="ctr" latinLnBrk="1"/>
+                      <a:r>
+                        <a:rPr lang="ja-JP" altLang="en-US" sz="1200" dirty="0" smtClean="0"/>
+                        <a:t>データタイプ</a:t>
+                      </a:r>
+                      <a:endParaRPr lang="ko-KR" altLang="en-US" sz="1200" dirty="0"/>
+                    </a:p>
+                  </a:txBody>
+                  <a:tcPr/>
+                </a:tc>
+                <a:tc>
+                  <a:txBody>
+                    <a:bodyPr/>
+                    <a:lstStyle/>
+                    <a:p>
+                      <a:pPr algn="ctr" latinLnBrk="1"/>
+                      <a:r>
+                        <a:rPr lang="ja-JP" altLang="en-US" sz="1200" dirty="0" smtClean="0"/>
+                        <a:t>オプション</a:t>
+                      </a:r>
+                      <a:endParaRPr lang="ko-KR" altLang="en-US" sz="1200" dirty="0"/>
+                    </a:p>
+                  </a:txBody>
+                  <a:tcPr/>
+                </a:tc>
+              </a:tr>
+              <a:tr h="245686">
+                <a:tc>
+                  <a:txBody>
+                    <a:bodyPr/>
+                    <a:lstStyle/>
+                    <a:p>
+                      <a:pPr marL="0" marR="0" lvl="0" indent="0" algn="ctr" defTabSz="914400" rtl="0" eaLnBrk="1" fontAlgn="auto" latinLnBrk="1" hangingPunct="1">
+                        <a:lnSpc>
+                          <a:spcPct val="100000"/>
+                        </a:lnSpc>
+                        <a:spcBef>
+                          <a:spcPts val="0"/>
+                        </a:spcBef>
+                        <a:spcAft>
+                          <a:spcPts val="0"/>
+                        </a:spcAft>
+                        <a:buClrTx/>
+                        <a:buSzTx/>
+                        <a:buFontTx/>
+                        <a:buNone/>
+                        <a:tabLst/>
+                        <a:defRPr/>
+                      </a:pPr>
+                      <a:r>
+                        <a:rPr lang="en-US" altLang="ko-KR" sz="1200" dirty="0" err="1" smtClean="0"/>
+                        <a:t>Msg_c_num</a:t>
+                      </a:r>
+                      <a:endParaRPr lang="ko-KR" altLang="en-US" sz="1200" dirty="0" smtClean="0"/>
+                    </a:p>
+                  </a:txBody>
+                  <a:tcPr/>
+                </a:tc>
+                <a:tc>
+                  <a:txBody>
+                    <a:bodyPr/>
+                    <a:lstStyle/>
+                    <a:p>
+                      <a:pPr algn="ctr" latinLnBrk="1"/>
+                      <a:r>
+                        <a:rPr lang="en-US" altLang="ko-KR" sz="1200" dirty="0" smtClean="0"/>
+                        <a:t>Number</a:t>
+                      </a:r>
+                      <a:endParaRPr lang="ko-KR" altLang="en-US" sz="1200" dirty="0"/>
+                    </a:p>
+                  </a:txBody>
+                  <a:tcPr/>
+                </a:tc>
+                <a:tc>
+                  <a:txBody>
+                    <a:bodyPr/>
+                    <a:lstStyle/>
+                    <a:p>
+                      <a:pPr algn="ctr" latinLnBrk="1"/>
+                      <a:r>
+                        <a:rPr lang="en-US" altLang="ko-KR" sz="1200" dirty="0" smtClean="0"/>
+                        <a:t>Primary key</a:t>
+                      </a:r>
+                      <a:endParaRPr lang="ko-KR" altLang="en-US" sz="1200" dirty="0"/>
+                    </a:p>
+                  </a:txBody>
+                  <a:tcPr/>
+                </a:tc>
+              </a:tr>
+              <a:tr h="245686">
+                <a:tc>
+                  <a:txBody>
+                    <a:bodyPr/>
+                    <a:lstStyle/>
+                    <a:p>
+                      <a:pPr marL="0" marR="0" lvl="0" indent="0" algn="ctr" defTabSz="914400" rtl="0" eaLnBrk="1" fontAlgn="auto" latinLnBrk="1" hangingPunct="1">
+                        <a:lnSpc>
+                          <a:spcPct val="100000"/>
+                        </a:lnSpc>
+                        <a:spcBef>
+                          <a:spcPts val="0"/>
+                        </a:spcBef>
+                        <a:spcAft>
+                          <a:spcPts val="0"/>
+                        </a:spcAft>
+                        <a:buClrTx/>
+                        <a:buSzTx/>
+                        <a:buFontTx/>
+                        <a:buNone/>
+                        <a:tabLst/>
+                        <a:defRPr/>
+                      </a:pPr>
+                      <a:r>
+                        <a:rPr lang="en-US" altLang="ko-KR" sz="1200" dirty="0" err="1" smtClean="0"/>
+                        <a:t>Mc_writer</a:t>
+                      </a:r>
+                      <a:endParaRPr lang="ko-KR" altLang="en-US" sz="1200" dirty="0" smtClean="0"/>
+                    </a:p>
+                  </a:txBody>
+                  <a:tcPr/>
+                </a:tc>
+                <a:tc>
+                  <a:txBody>
+                    <a:bodyPr/>
+                    <a:lstStyle/>
+                    <a:p>
+                      <a:pPr algn="ctr" latinLnBrk="1"/>
+                      <a:r>
+                        <a:rPr lang="en-US" altLang="ko-KR" sz="1200" dirty="0" smtClean="0"/>
+                        <a:t>Varchar2</a:t>
+                      </a:r>
+                      <a:endParaRPr lang="ko-KR" altLang="en-US" sz="1200" dirty="0"/>
+                    </a:p>
+                  </a:txBody>
+                  <a:tcPr/>
+                </a:tc>
+                <a:tc>
+                  <a:txBody>
+                    <a:bodyPr/>
+                    <a:lstStyle/>
+                    <a:p>
+                      <a:pPr algn="ctr" latinLnBrk="1"/>
+                      <a:endParaRPr lang="ko-KR" altLang="en-US" sz="1200" dirty="0"/>
+                    </a:p>
+                  </a:txBody>
+                  <a:tcPr/>
+                </a:tc>
+              </a:tr>
+              <a:tr h="245686">
+                <a:tc>
+                  <a:txBody>
+                    <a:bodyPr/>
+                    <a:lstStyle/>
+                    <a:p>
+                      <a:pPr marL="0" marR="0" lvl="0" indent="0" algn="ctr" defTabSz="914400" rtl="0" eaLnBrk="1" fontAlgn="auto" latinLnBrk="1" hangingPunct="1">
+                        <a:lnSpc>
+                          <a:spcPct val="100000"/>
+                        </a:lnSpc>
+                        <a:spcBef>
+                          <a:spcPts val="0"/>
+                        </a:spcBef>
+                        <a:spcAft>
+                          <a:spcPts val="0"/>
+                        </a:spcAft>
+                        <a:buClrTx/>
+                        <a:buSzTx/>
+                        <a:buFontTx/>
+                        <a:buNone/>
+                        <a:tabLst/>
+                        <a:defRPr/>
+                      </a:pPr>
+                      <a:r>
+                        <a:rPr lang="en-US" altLang="ko-KR" sz="1200" dirty="0" err="1" smtClean="0"/>
+                        <a:t>Mc_receiver</a:t>
+                      </a:r>
+                      <a:endParaRPr lang="ko-KR" altLang="en-US" sz="1200" dirty="0" smtClean="0"/>
+                    </a:p>
+                  </a:txBody>
+                  <a:tcPr/>
+                </a:tc>
+                <a:tc>
+                  <a:txBody>
+                    <a:bodyPr/>
+                    <a:lstStyle/>
+                    <a:p>
+                      <a:pPr algn="ctr" latinLnBrk="1"/>
+                      <a:r>
+                        <a:rPr lang="en-US" altLang="ko-KR" sz="1200" dirty="0" smtClean="0"/>
+                        <a:t>Varchar2</a:t>
+                      </a:r>
+                      <a:endParaRPr lang="ko-KR" altLang="en-US" sz="1200" dirty="0"/>
+                    </a:p>
+                  </a:txBody>
+                  <a:tcPr/>
+                </a:tc>
+                <a:tc>
+                  <a:txBody>
+                    <a:bodyPr/>
+                    <a:lstStyle/>
+                    <a:p>
+                      <a:pPr algn="ctr" latinLnBrk="1"/>
+                      <a:endParaRPr lang="ko-KR" altLang="en-US" sz="1200" dirty="0"/>
+                    </a:p>
+                  </a:txBody>
+                  <a:tcPr/>
+                </a:tc>
+              </a:tr>
+              <a:tr h="245686">
+                <a:tc>
+                  <a:txBody>
+                    <a:bodyPr/>
+                    <a:lstStyle/>
+                    <a:p>
+                      <a:pPr marL="0" marR="0" lvl="0" indent="0" algn="ctr" defTabSz="914400" rtl="0" eaLnBrk="1" fontAlgn="auto" latinLnBrk="1" hangingPunct="1">
+                        <a:lnSpc>
+                          <a:spcPct val="100000"/>
+                        </a:lnSpc>
+                        <a:spcBef>
+                          <a:spcPts val="0"/>
+                        </a:spcBef>
+                        <a:spcAft>
+                          <a:spcPts val="0"/>
+                        </a:spcAft>
+                        <a:buClrTx/>
+                        <a:buSzTx/>
+                        <a:buFontTx/>
+                        <a:buNone/>
+                        <a:tabLst/>
+                        <a:defRPr/>
+                      </a:pPr>
+                      <a:r>
+                        <a:rPr lang="en-US" altLang="ko-KR" sz="1200" dirty="0" err="1" smtClean="0"/>
+                        <a:t>Mc_title</a:t>
+                      </a:r>
+                      <a:endParaRPr lang="ko-KR" altLang="en-US" sz="1200" dirty="0" smtClean="0"/>
+                    </a:p>
+                  </a:txBody>
+                  <a:tcPr/>
+                </a:tc>
+                <a:tc>
+                  <a:txBody>
+                    <a:bodyPr/>
+                    <a:lstStyle/>
+                    <a:p>
+                      <a:pPr algn="ctr" latinLnBrk="1"/>
+                      <a:r>
+                        <a:rPr lang="en-US" altLang="ko-KR" sz="1200" dirty="0" smtClean="0"/>
+                        <a:t>Varchar2</a:t>
+                      </a:r>
+                      <a:endParaRPr lang="ko-KR" altLang="en-US" sz="1200" dirty="0"/>
+                    </a:p>
+                  </a:txBody>
+                  <a:tcPr/>
+                </a:tc>
+                <a:tc>
+                  <a:txBody>
+                    <a:bodyPr/>
+                    <a:lstStyle/>
+                    <a:p>
+                      <a:pPr algn="ctr" latinLnBrk="1"/>
+                      <a:endParaRPr lang="ko-KR" altLang="en-US" sz="1200" dirty="0"/>
+                    </a:p>
+                  </a:txBody>
+                  <a:tcPr/>
+                </a:tc>
+              </a:tr>
+              <a:tr h="245686">
+                <a:tc>
+                  <a:txBody>
+                    <a:bodyPr/>
+                    <a:lstStyle/>
+                    <a:p>
+                      <a:pPr marL="0" marR="0" lvl="0" indent="0" algn="ctr" defTabSz="914400" rtl="0" eaLnBrk="1" fontAlgn="auto" latinLnBrk="1" hangingPunct="1">
+                        <a:lnSpc>
+                          <a:spcPct val="100000"/>
+                        </a:lnSpc>
+                        <a:spcBef>
+                          <a:spcPts val="0"/>
+                        </a:spcBef>
+                        <a:spcAft>
+                          <a:spcPts val="0"/>
+                        </a:spcAft>
+                        <a:buClrTx/>
+                        <a:buSzTx/>
+                        <a:buFontTx/>
+                        <a:buNone/>
+                        <a:tabLst/>
+                        <a:defRPr/>
+                      </a:pPr>
+                      <a:r>
+                        <a:rPr lang="en-US" altLang="ko-KR" sz="1200" dirty="0" err="1" smtClean="0"/>
+                        <a:t>Mc_comment</a:t>
+                      </a:r>
+                      <a:endParaRPr lang="ko-KR" altLang="en-US" sz="1200" dirty="0" smtClean="0"/>
+                    </a:p>
+                  </a:txBody>
+                  <a:tcPr/>
+                </a:tc>
+                <a:tc>
+                  <a:txBody>
+                    <a:bodyPr/>
+                    <a:lstStyle/>
+                    <a:p>
+                      <a:pPr algn="ctr" latinLnBrk="1"/>
+                      <a:r>
+                        <a:rPr lang="en-US" altLang="ko-KR" sz="1200" dirty="0" smtClean="0"/>
+                        <a:t>Varchar2</a:t>
+                      </a:r>
+                      <a:endParaRPr lang="ko-KR" altLang="en-US" sz="1200" dirty="0"/>
+                    </a:p>
+                  </a:txBody>
+                  <a:tcPr/>
+                </a:tc>
+                <a:tc>
+                  <a:txBody>
+                    <a:bodyPr/>
+                    <a:lstStyle/>
+                    <a:p>
+                      <a:pPr algn="ctr" latinLnBrk="1"/>
+                      <a:endParaRPr lang="ko-KR" altLang="en-US" sz="1200" dirty="0"/>
+                    </a:p>
+                  </a:txBody>
+                  <a:tcPr/>
+                </a:tc>
+              </a:tr>
+              <a:tr h="245686">
+                <a:tc>
+                  <a:txBody>
+                    <a:bodyPr/>
+                    <a:lstStyle/>
+                    <a:p>
+                      <a:pPr marL="0" marR="0" lvl="0" indent="0" algn="ctr" defTabSz="914400" rtl="0" eaLnBrk="1" fontAlgn="auto" latinLnBrk="1" hangingPunct="1">
+                        <a:lnSpc>
+                          <a:spcPct val="100000"/>
+                        </a:lnSpc>
+                        <a:spcBef>
+                          <a:spcPts val="0"/>
+                        </a:spcBef>
+                        <a:spcAft>
+                          <a:spcPts val="0"/>
+                        </a:spcAft>
+                        <a:buClrTx/>
+                        <a:buSzTx/>
+                        <a:buFontTx/>
+                        <a:buNone/>
+                        <a:tabLst/>
+                        <a:defRPr/>
+                      </a:pPr>
+                      <a:r>
+                        <a:rPr lang="en-US" altLang="ko-KR" sz="1200" dirty="0" err="1" smtClean="0"/>
+                        <a:t>Mc_send_day</a:t>
+                      </a:r>
+                      <a:endParaRPr lang="ko-KR" altLang="en-US" sz="1200" dirty="0" smtClean="0"/>
+                    </a:p>
+                  </a:txBody>
+                  <a:tcPr/>
+                </a:tc>
+                <a:tc>
+                  <a:txBody>
+                    <a:bodyPr/>
+                    <a:lstStyle/>
+                    <a:p>
+                      <a:pPr algn="ctr" latinLnBrk="1"/>
+                      <a:r>
+                        <a:rPr lang="en-US" altLang="ko-KR" sz="1200" dirty="0" smtClean="0"/>
+                        <a:t>Date</a:t>
+                      </a:r>
+                      <a:endParaRPr lang="ko-KR" altLang="en-US" sz="1200" dirty="0"/>
+                    </a:p>
+                  </a:txBody>
+                  <a:tcPr/>
+                </a:tc>
+                <a:tc>
+                  <a:txBody>
+                    <a:bodyPr/>
+                    <a:lstStyle/>
+                    <a:p>
+                      <a:pPr algn="ctr" latinLnBrk="1"/>
+                      <a:endParaRPr lang="ko-KR" altLang="en-US" sz="1200" dirty="0"/>
+                    </a:p>
+                  </a:txBody>
+                  <a:tcPr/>
+                </a:tc>
+              </a:tr>
+            </a:tbl>
+          </a:graphicData>
+        </a:graphic>
+      </p:graphicFrame>
+      <p:graphicFrame>
+        <p:nvGraphicFramePr>
+          <p:cNvPr id="12" name="표 11"/>
+          <p:cNvGraphicFramePr>
+            <a:graphicFrameLocks noGrp="1"/>
+          </p:cNvGraphicFramePr>
+          <p:nvPr>
+            <p:extLst>
+              <p:ext uri="{D42A27DB-BD31-4B8C-83A1-F6EECF244321}">
+                <p14:modId xmlns:p14="http://schemas.microsoft.com/office/powerpoint/2010/main" val="3670057086"/>
+              </p:ext>
+            </p:extLst>
+          </p:nvPr>
+        </p:nvGraphicFramePr>
+        <p:xfrm>
+          <a:off x="-2838410" y="3318084"/>
+          <a:ext cx="3318597" cy="1280160"/>
+        </p:xfrm>
+        <a:graphic>
+          <a:graphicData uri="http://schemas.openxmlformats.org/drawingml/2006/table">
+            <a:tbl>
+              <a:tblPr firstRow="1" bandRow="1">
+                <a:tableStyleId>{F2DE63D5-997A-4646-A377-4702673A728D}</a:tableStyleId>
+              </a:tblPr>
+              <a:tblGrid>
+                <a:gridCol w="1106199"/>
+                <a:gridCol w="1106199"/>
+                <a:gridCol w="1106199"/>
+              </a:tblGrid>
+              <a:tr h="245686">
+                <a:tc gridSpan="3">
+                  <a:txBody>
+                    <a:bodyPr/>
+                    <a:lstStyle/>
+                    <a:p>
+                      <a:pPr algn="ctr" latinLnBrk="1"/>
+                      <a:r>
+                        <a:rPr lang="en-US" altLang="ko-KR" sz="1200" dirty="0" err="1" smtClean="0"/>
+                        <a:t>Reserve_time</a:t>
+                      </a:r>
+                      <a:endParaRPr lang="ko-KR" altLang="en-US" sz="1200" dirty="0"/>
+                    </a:p>
+                  </a:txBody>
+                  <a:tcPr/>
+                </a:tc>
+                <a:tc hMerge="1">
+                  <a:txBody>
+                    <a:bodyPr/>
+                    <a:lstStyle/>
+                    <a:p>
+                      <a:pPr algn="ctr" latinLnBrk="1"/>
+                      <a:endParaRPr lang="ko-KR" altLang="en-US" dirty="0"/>
+                    </a:p>
+                  </a:txBody>
+                  <a:tcPr/>
+                </a:tc>
+                <a:tc hMerge="1">
+                  <a:txBody>
+                    <a:bodyPr/>
+                    <a:lstStyle/>
+                    <a:p>
+                      <a:pPr algn="ctr" latinLnBrk="1"/>
+                      <a:endParaRPr lang="ko-KR" altLang="en-US" dirty="0"/>
+                    </a:p>
+                  </a:txBody>
+                  <a:tcPr/>
+                </a:tc>
+              </a:tr>
+              <a:tr h="245686">
+                <a:tc>
+                  <a:txBody>
+                    <a:bodyPr/>
+                    <a:lstStyle/>
+                    <a:p>
+                      <a:pPr marL="0" marR="0" lvl="0" indent="0" algn="ctr" defTabSz="914400" rtl="0" eaLnBrk="1" fontAlgn="auto" latinLnBrk="1" hangingPunct="1">
+                        <a:lnSpc>
+                          <a:spcPct val="100000"/>
+                        </a:lnSpc>
+                        <a:spcBef>
+                          <a:spcPts val="0"/>
+                        </a:spcBef>
+                        <a:spcAft>
+                          <a:spcPts val="0"/>
+                        </a:spcAft>
+                        <a:buClrTx/>
+                        <a:buSzTx/>
+                        <a:buFontTx/>
+                        <a:buNone/>
+                        <a:tabLst/>
+                        <a:defRPr/>
+                      </a:pPr>
+                      <a:r>
+                        <a:rPr lang="ja-JP" altLang="en-US" sz="1200" dirty="0" smtClean="0"/>
+                        <a:t>促成名</a:t>
+                      </a:r>
+                      <a:endParaRPr lang="ko-KR" altLang="en-US" sz="1200" dirty="0" smtClean="0"/>
+                    </a:p>
+                  </a:txBody>
+                  <a:tcPr/>
+                </a:tc>
+                <a:tc>
+                  <a:txBody>
+                    <a:bodyPr/>
+                    <a:lstStyle/>
+                    <a:p>
+                      <a:pPr algn="ctr" latinLnBrk="1"/>
+                      <a:r>
+                        <a:rPr lang="ja-JP" altLang="en-US" sz="1200" dirty="0" smtClean="0"/>
+                        <a:t>データタイプ</a:t>
+                      </a:r>
+                      <a:endParaRPr lang="ko-KR" altLang="en-US" sz="1200" dirty="0"/>
+                    </a:p>
+                  </a:txBody>
+                  <a:tcPr/>
+                </a:tc>
+                <a:tc>
+                  <a:txBody>
+                    <a:bodyPr/>
+                    <a:lstStyle/>
+                    <a:p>
+                      <a:pPr algn="ctr" latinLnBrk="1"/>
+                      <a:r>
+                        <a:rPr lang="ja-JP" altLang="en-US" sz="1200" dirty="0" smtClean="0"/>
+                        <a:t>オプション</a:t>
+                      </a:r>
+                      <a:endParaRPr lang="ko-KR" altLang="en-US" sz="1200" dirty="0"/>
+                    </a:p>
+                  </a:txBody>
+                  <a:tcPr/>
+                </a:tc>
+              </a:tr>
+              <a:tr h="245686">
+                <a:tc>
+                  <a:txBody>
+                    <a:bodyPr/>
+                    <a:lstStyle/>
+                    <a:p>
+                      <a:pPr marL="0" marR="0" lvl="0" indent="0" algn="ctr" defTabSz="914400" rtl="0" eaLnBrk="1" fontAlgn="auto" latinLnBrk="1" hangingPunct="1">
+                        <a:lnSpc>
+                          <a:spcPct val="100000"/>
+                        </a:lnSpc>
+                        <a:spcBef>
+                          <a:spcPts val="0"/>
+                        </a:spcBef>
+                        <a:spcAft>
+                          <a:spcPts val="0"/>
+                        </a:spcAft>
+                        <a:buClrTx/>
+                        <a:buSzTx/>
+                        <a:buFontTx/>
+                        <a:buNone/>
+                        <a:tabLst/>
+                        <a:defRPr/>
+                      </a:pPr>
+                      <a:r>
+                        <a:rPr lang="en-US" altLang="ko-KR" sz="1200" dirty="0" err="1" smtClean="0"/>
+                        <a:t>Reserve_time_num</a:t>
+                      </a:r>
+                      <a:endParaRPr lang="ko-KR" altLang="en-US" sz="1200" dirty="0" smtClean="0"/>
+                    </a:p>
+                  </a:txBody>
+                  <a:tcPr/>
+                </a:tc>
+                <a:tc>
+                  <a:txBody>
+                    <a:bodyPr/>
+                    <a:lstStyle/>
+                    <a:p>
+                      <a:pPr algn="ctr" latinLnBrk="1"/>
+                      <a:r>
+                        <a:rPr lang="en-US" altLang="ko-KR" sz="1200" dirty="0" smtClean="0"/>
+                        <a:t>Number</a:t>
+                      </a:r>
+                      <a:endParaRPr lang="ko-KR" altLang="en-US" sz="1200" dirty="0"/>
+                    </a:p>
+                  </a:txBody>
+                  <a:tcPr/>
+                </a:tc>
+                <a:tc>
+                  <a:txBody>
+                    <a:bodyPr/>
+                    <a:lstStyle/>
+                    <a:p>
+                      <a:pPr algn="ctr" latinLnBrk="1"/>
+                      <a:r>
+                        <a:rPr lang="en-US" altLang="ko-KR" sz="1200" dirty="0" smtClean="0"/>
+                        <a:t>Primary</a:t>
+                      </a:r>
+                      <a:r>
+                        <a:rPr lang="en-US" altLang="ko-KR" sz="1200" baseline="0" dirty="0" smtClean="0"/>
+                        <a:t> key</a:t>
+                      </a:r>
+                      <a:endParaRPr lang="ko-KR" altLang="en-US" sz="1200" dirty="0"/>
+                    </a:p>
+                  </a:txBody>
+                  <a:tcPr/>
+                </a:tc>
+              </a:tr>
+              <a:tr h="245686">
+                <a:tc>
+                  <a:txBody>
+                    <a:bodyPr/>
+                    <a:lstStyle/>
+                    <a:p>
+                      <a:pPr marL="0" marR="0" lvl="0" indent="0" algn="ctr" defTabSz="914400" rtl="0" eaLnBrk="1" fontAlgn="auto" latinLnBrk="1" hangingPunct="1">
+                        <a:lnSpc>
+                          <a:spcPct val="100000"/>
+                        </a:lnSpc>
+                        <a:spcBef>
+                          <a:spcPts val="0"/>
+                        </a:spcBef>
+                        <a:spcAft>
+                          <a:spcPts val="0"/>
+                        </a:spcAft>
+                        <a:buClrTx/>
+                        <a:buSzTx/>
+                        <a:buFontTx/>
+                        <a:buNone/>
+                        <a:tabLst/>
+                        <a:defRPr/>
+                      </a:pPr>
+                      <a:r>
+                        <a:rPr lang="en-US" altLang="ko-KR" sz="1200" dirty="0" smtClean="0"/>
+                        <a:t>Time</a:t>
+                      </a:r>
+                      <a:endParaRPr lang="ko-KR" altLang="en-US" sz="1200" dirty="0" smtClean="0"/>
+                    </a:p>
+                  </a:txBody>
+                  <a:tcPr/>
+                </a:tc>
+                <a:tc>
+                  <a:txBody>
+                    <a:bodyPr/>
+                    <a:lstStyle/>
+                    <a:p>
+                      <a:pPr algn="ctr" latinLnBrk="1"/>
+                      <a:r>
+                        <a:rPr lang="en-US" altLang="ko-KR" sz="1200" dirty="0" smtClean="0"/>
+                        <a:t>varchar2</a:t>
+                      </a:r>
+                      <a:endParaRPr lang="ko-KR" altLang="en-US" sz="1200" dirty="0"/>
+                    </a:p>
+                  </a:txBody>
+                  <a:tcPr/>
+                </a:tc>
+                <a:tc>
+                  <a:txBody>
+                    <a:bodyPr/>
+                    <a:lstStyle/>
+                    <a:p>
+                      <a:pPr algn="ctr" latinLnBrk="1"/>
+                      <a:endParaRPr lang="ko-KR" altLang="en-US" sz="1200" dirty="0"/>
+                    </a:p>
+                  </a:txBody>
+                  <a:tcPr/>
+                </a:tc>
+              </a:tr>
+            </a:tbl>
+          </a:graphicData>
+        </a:graphic>
+      </p:graphicFrame>
+      <p:graphicFrame>
+        <p:nvGraphicFramePr>
+          <p:cNvPr id="13" name="표 12"/>
+          <p:cNvGraphicFramePr>
+            <a:graphicFrameLocks noGrp="1"/>
+          </p:cNvGraphicFramePr>
+          <p:nvPr>
+            <p:extLst>
+              <p:ext uri="{D42A27DB-BD31-4B8C-83A1-F6EECF244321}">
+                <p14:modId xmlns:p14="http://schemas.microsoft.com/office/powerpoint/2010/main" val="24132802"/>
+              </p:ext>
+            </p:extLst>
+          </p:nvPr>
+        </p:nvGraphicFramePr>
+        <p:xfrm>
+          <a:off x="-2971800" y="236204"/>
+          <a:ext cx="3451987" cy="2743200"/>
+        </p:xfrm>
+        <a:graphic>
+          <a:graphicData uri="http://schemas.openxmlformats.org/drawingml/2006/table">
+            <a:tbl>
+              <a:tblPr firstRow="1" bandRow="1">
+                <a:tableStyleId>{F2DE63D5-997A-4646-A377-4702673A728D}</a:tableStyleId>
+              </a:tblPr>
+              <a:tblGrid>
+                <a:gridCol w="1356179"/>
+                <a:gridCol w="1023950"/>
+                <a:gridCol w="1071858"/>
+              </a:tblGrid>
+              <a:tr h="245686">
+                <a:tc gridSpan="3">
+                  <a:txBody>
+                    <a:bodyPr/>
+                    <a:lstStyle/>
+                    <a:p>
+                      <a:pPr algn="ctr" latinLnBrk="1"/>
+                      <a:r>
+                        <a:rPr lang="en-US" altLang="ko-KR" sz="1200" dirty="0" smtClean="0"/>
+                        <a:t>Reserve</a:t>
+                      </a:r>
+                      <a:endParaRPr lang="ko-KR" altLang="en-US" sz="1200" dirty="0"/>
+                    </a:p>
+                  </a:txBody>
+                  <a:tcPr/>
+                </a:tc>
+                <a:tc hMerge="1">
+                  <a:txBody>
+                    <a:bodyPr/>
+                    <a:lstStyle/>
+                    <a:p>
+                      <a:pPr algn="ctr" latinLnBrk="1"/>
+                      <a:endParaRPr lang="ko-KR" altLang="en-US" dirty="0"/>
+                    </a:p>
+                  </a:txBody>
+                  <a:tcPr/>
+                </a:tc>
+                <a:tc hMerge="1">
+                  <a:txBody>
+                    <a:bodyPr/>
+                    <a:lstStyle/>
+                    <a:p>
+                      <a:pPr algn="ctr" latinLnBrk="1"/>
+                      <a:endParaRPr lang="ko-KR" altLang="en-US" dirty="0"/>
+                    </a:p>
+                  </a:txBody>
+                  <a:tcPr/>
+                </a:tc>
+              </a:tr>
+              <a:tr h="245686">
+                <a:tc>
+                  <a:txBody>
+                    <a:bodyPr/>
+                    <a:lstStyle/>
+                    <a:p>
+                      <a:pPr marL="0" marR="0" lvl="0" indent="0" algn="ctr" defTabSz="914400" rtl="0" eaLnBrk="1" fontAlgn="auto" latinLnBrk="1" hangingPunct="1">
+                        <a:lnSpc>
+                          <a:spcPct val="100000"/>
+                        </a:lnSpc>
+                        <a:spcBef>
+                          <a:spcPts val="0"/>
+                        </a:spcBef>
+                        <a:spcAft>
+                          <a:spcPts val="0"/>
+                        </a:spcAft>
+                        <a:buClrTx/>
+                        <a:buSzTx/>
+                        <a:buFontTx/>
+                        <a:buNone/>
+                        <a:tabLst/>
+                        <a:defRPr/>
+                      </a:pPr>
+                      <a:r>
+                        <a:rPr lang="ja-JP" altLang="en-US" sz="1200" dirty="0" smtClean="0"/>
+                        <a:t>促成名</a:t>
+                      </a:r>
+                      <a:endParaRPr lang="ko-KR" altLang="en-US" sz="1200" dirty="0" smtClean="0"/>
+                    </a:p>
+                  </a:txBody>
+                  <a:tcPr/>
+                </a:tc>
+                <a:tc>
+                  <a:txBody>
+                    <a:bodyPr/>
+                    <a:lstStyle/>
+                    <a:p>
+                      <a:pPr algn="ctr" latinLnBrk="1"/>
+                      <a:r>
+                        <a:rPr lang="ja-JP" altLang="en-US" sz="1200" dirty="0" smtClean="0"/>
+                        <a:t>データタイプ</a:t>
+                      </a:r>
+                      <a:endParaRPr lang="ko-KR" altLang="en-US" sz="1200" dirty="0"/>
+                    </a:p>
+                  </a:txBody>
+                  <a:tcPr/>
+                </a:tc>
+                <a:tc>
+                  <a:txBody>
+                    <a:bodyPr/>
+                    <a:lstStyle/>
+                    <a:p>
+                      <a:pPr algn="ctr" latinLnBrk="1"/>
+                      <a:r>
+                        <a:rPr lang="ja-JP" altLang="en-US" sz="1200" dirty="0" smtClean="0"/>
+                        <a:t>オプション</a:t>
+                      </a:r>
+                      <a:endParaRPr lang="ko-KR" altLang="en-US" sz="1200" dirty="0"/>
+                    </a:p>
+                  </a:txBody>
+                  <a:tcPr/>
+                </a:tc>
+              </a:tr>
+              <a:tr h="245686">
+                <a:tc>
+                  <a:txBody>
+                    <a:bodyPr/>
+                    <a:lstStyle/>
+                    <a:p>
+                      <a:pPr marL="0" marR="0" lvl="0" indent="0" algn="ctr" defTabSz="914400" rtl="0" eaLnBrk="1" fontAlgn="auto" latinLnBrk="1" hangingPunct="1">
+                        <a:lnSpc>
+                          <a:spcPct val="100000"/>
+                        </a:lnSpc>
+                        <a:spcBef>
+                          <a:spcPts val="0"/>
+                        </a:spcBef>
+                        <a:spcAft>
+                          <a:spcPts val="0"/>
+                        </a:spcAft>
+                        <a:buClrTx/>
+                        <a:buSzTx/>
+                        <a:buFontTx/>
+                        <a:buNone/>
+                        <a:tabLst/>
+                        <a:defRPr/>
+                      </a:pPr>
+                      <a:r>
+                        <a:rPr lang="en-US" altLang="ko-KR" sz="1200" dirty="0" err="1" smtClean="0"/>
+                        <a:t>Reserve_num</a:t>
+                      </a:r>
+                      <a:endParaRPr lang="ko-KR" altLang="en-US" sz="1200" dirty="0" smtClean="0"/>
+                    </a:p>
+                  </a:txBody>
+                  <a:tcPr/>
+                </a:tc>
+                <a:tc>
+                  <a:txBody>
+                    <a:bodyPr/>
+                    <a:lstStyle/>
+                    <a:p>
+                      <a:pPr algn="ctr" latinLnBrk="1"/>
+                      <a:r>
+                        <a:rPr lang="en-US" altLang="ko-KR" sz="1200" dirty="0" smtClean="0"/>
+                        <a:t>Number</a:t>
+                      </a:r>
+                      <a:endParaRPr lang="ko-KR" altLang="en-US" sz="1200" dirty="0"/>
+                    </a:p>
+                  </a:txBody>
+                  <a:tcPr/>
+                </a:tc>
+                <a:tc>
+                  <a:txBody>
+                    <a:bodyPr/>
+                    <a:lstStyle/>
+                    <a:p>
+                      <a:pPr algn="ctr" latinLnBrk="1"/>
+                      <a:r>
+                        <a:rPr lang="en-US" altLang="ko-KR" sz="1200" dirty="0" smtClean="0"/>
+                        <a:t>Primary</a:t>
+                      </a:r>
+                      <a:r>
+                        <a:rPr lang="en-US" altLang="ko-KR" sz="1200" baseline="0" dirty="0" smtClean="0"/>
+                        <a:t> key</a:t>
+                      </a:r>
+                      <a:endParaRPr lang="ko-KR" altLang="en-US" sz="1200" dirty="0"/>
+                    </a:p>
+                  </a:txBody>
+                  <a:tcPr/>
+                </a:tc>
+              </a:tr>
+              <a:tr h="245686">
+                <a:tc>
+                  <a:txBody>
+                    <a:bodyPr/>
+                    <a:lstStyle/>
+                    <a:p>
+                      <a:pPr marL="0" marR="0" lvl="0" indent="0" algn="ctr" defTabSz="914400" rtl="0" eaLnBrk="1" fontAlgn="auto" latinLnBrk="1" hangingPunct="1">
+                        <a:lnSpc>
+                          <a:spcPct val="100000"/>
+                        </a:lnSpc>
+                        <a:spcBef>
+                          <a:spcPts val="0"/>
+                        </a:spcBef>
+                        <a:spcAft>
+                          <a:spcPts val="0"/>
+                        </a:spcAft>
+                        <a:buClrTx/>
+                        <a:buSzTx/>
+                        <a:buFontTx/>
+                        <a:buNone/>
+                        <a:tabLst/>
+                        <a:defRPr/>
+                      </a:pPr>
+                      <a:r>
+                        <a:rPr lang="en-US" altLang="ko-KR" sz="1200" dirty="0" err="1" smtClean="0"/>
+                        <a:t>Client_name</a:t>
+                      </a:r>
+                      <a:endParaRPr lang="ko-KR" altLang="en-US" sz="1200" dirty="0" smtClean="0"/>
+                    </a:p>
+                  </a:txBody>
+                  <a:tcPr/>
+                </a:tc>
+                <a:tc>
+                  <a:txBody>
+                    <a:bodyPr/>
+                    <a:lstStyle/>
+                    <a:p>
+                      <a:pPr algn="ctr" latinLnBrk="1"/>
+                      <a:r>
+                        <a:rPr lang="en-US" altLang="ko-KR" sz="1200" dirty="0" smtClean="0"/>
+                        <a:t>Varchar2</a:t>
+                      </a:r>
+                      <a:endParaRPr lang="ko-KR" altLang="en-US" sz="1200" dirty="0"/>
+                    </a:p>
+                  </a:txBody>
+                  <a:tcPr/>
+                </a:tc>
+                <a:tc>
+                  <a:txBody>
+                    <a:bodyPr/>
+                    <a:lstStyle/>
+                    <a:p>
+                      <a:pPr algn="ctr" latinLnBrk="1"/>
+                      <a:endParaRPr lang="ko-KR" altLang="en-US" sz="1200" dirty="0"/>
+                    </a:p>
+                  </a:txBody>
+                  <a:tcPr/>
+                </a:tc>
+              </a:tr>
+              <a:tr h="245686">
+                <a:tc>
+                  <a:txBody>
+                    <a:bodyPr/>
+                    <a:lstStyle/>
+                    <a:p>
+                      <a:pPr marL="0" marR="0" lvl="0" indent="0" algn="ctr" defTabSz="914400" rtl="0" eaLnBrk="1" fontAlgn="auto" latinLnBrk="1" hangingPunct="1">
+                        <a:lnSpc>
+                          <a:spcPct val="100000"/>
+                        </a:lnSpc>
+                        <a:spcBef>
+                          <a:spcPts val="0"/>
+                        </a:spcBef>
+                        <a:spcAft>
+                          <a:spcPts val="0"/>
+                        </a:spcAft>
+                        <a:buClrTx/>
+                        <a:buSzTx/>
+                        <a:buFontTx/>
+                        <a:buNone/>
+                        <a:tabLst/>
+                        <a:defRPr/>
+                      </a:pPr>
+                      <a:r>
+                        <a:rPr lang="en-US" altLang="ko-KR" sz="1200" dirty="0" smtClean="0"/>
+                        <a:t>Participant</a:t>
+                      </a:r>
+                      <a:endParaRPr lang="ko-KR" altLang="en-US" sz="1200" dirty="0" smtClean="0"/>
+                    </a:p>
+                  </a:txBody>
+                  <a:tcPr/>
+                </a:tc>
+                <a:tc>
+                  <a:txBody>
+                    <a:bodyPr/>
+                    <a:lstStyle/>
+                    <a:p>
+                      <a:pPr algn="ctr" latinLnBrk="1"/>
+                      <a:r>
+                        <a:rPr lang="en-US" altLang="ko-KR" sz="1200" dirty="0" smtClean="0"/>
+                        <a:t>Varchar2</a:t>
+                      </a:r>
+                      <a:endParaRPr lang="ko-KR" altLang="en-US" sz="1200" dirty="0"/>
+                    </a:p>
+                  </a:txBody>
+                  <a:tcPr/>
+                </a:tc>
+                <a:tc>
+                  <a:txBody>
+                    <a:bodyPr/>
+                    <a:lstStyle/>
+                    <a:p>
+                      <a:pPr algn="ctr" latinLnBrk="1"/>
+                      <a:endParaRPr lang="ko-KR" altLang="en-US" sz="1200" dirty="0"/>
+                    </a:p>
+                  </a:txBody>
+                  <a:tcPr/>
+                </a:tc>
+              </a:tr>
+              <a:tr h="245686">
+                <a:tc>
+                  <a:txBody>
+                    <a:bodyPr/>
+                    <a:lstStyle/>
+                    <a:p>
+                      <a:pPr marL="0" marR="0" lvl="0" indent="0" algn="ctr" defTabSz="914400" rtl="0" eaLnBrk="1" fontAlgn="auto" latinLnBrk="1" hangingPunct="1">
+                        <a:lnSpc>
+                          <a:spcPct val="100000"/>
+                        </a:lnSpc>
+                        <a:spcBef>
+                          <a:spcPts val="0"/>
+                        </a:spcBef>
+                        <a:spcAft>
+                          <a:spcPts val="0"/>
+                        </a:spcAft>
+                        <a:buClrTx/>
+                        <a:buSzTx/>
+                        <a:buFontTx/>
+                        <a:buNone/>
+                        <a:tabLst/>
+                        <a:defRPr/>
+                      </a:pPr>
+                      <a:r>
+                        <a:rPr lang="en-US" altLang="ko-KR" sz="1200" dirty="0" err="1" smtClean="0"/>
+                        <a:t>Reserve_content</a:t>
+                      </a:r>
+                      <a:endParaRPr lang="ko-KR" altLang="en-US" sz="1200" dirty="0" smtClean="0"/>
+                    </a:p>
+                  </a:txBody>
+                  <a:tcPr/>
+                </a:tc>
+                <a:tc>
+                  <a:txBody>
+                    <a:bodyPr/>
+                    <a:lstStyle/>
+                    <a:p>
+                      <a:pPr algn="ctr" latinLnBrk="1"/>
+                      <a:r>
+                        <a:rPr lang="en-US" altLang="ko-KR" sz="1200" dirty="0" smtClean="0"/>
+                        <a:t>Number</a:t>
+                      </a:r>
+                      <a:endParaRPr lang="ko-KR" altLang="en-US" sz="1200" dirty="0"/>
+                    </a:p>
+                  </a:txBody>
+                  <a:tcPr/>
+                </a:tc>
+                <a:tc>
+                  <a:txBody>
+                    <a:bodyPr/>
+                    <a:lstStyle/>
+                    <a:p>
+                      <a:pPr algn="ctr" latinLnBrk="1"/>
+                      <a:endParaRPr lang="ko-KR" altLang="en-US" sz="1200" dirty="0"/>
+                    </a:p>
+                  </a:txBody>
+                  <a:tcPr/>
+                </a:tc>
+              </a:tr>
+              <a:tr h="245686">
+                <a:tc>
+                  <a:txBody>
+                    <a:bodyPr/>
+                    <a:lstStyle/>
+                    <a:p>
+                      <a:pPr marL="0" marR="0" lvl="0" indent="0" algn="ctr" defTabSz="914400" rtl="0" eaLnBrk="1" fontAlgn="auto" latinLnBrk="1" hangingPunct="1">
+                        <a:lnSpc>
+                          <a:spcPct val="100000"/>
+                        </a:lnSpc>
+                        <a:spcBef>
+                          <a:spcPts val="0"/>
+                        </a:spcBef>
+                        <a:spcAft>
+                          <a:spcPts val="0"/>
+                        </a:spcAft>
+                        <a:buClrTx/>
+                        <a:buSzTx/>
+                        <a:buFontTx/>
+                        <a:buNone/>
+                        <a:tabLst/>
+                        <a:defRPr/>
+                      </a:pPr>
+                      <a:r>
+                        <a:rPr lang="en-US" altLang="ko-KR" sz="1200" dirty="0" err="1" smtClean="0"/>
+                        <a:t>Reserve_price</a:t>
+                      </a:r>
+                      <a:endParaRPr lang="ko-KR" altLang="en-US" sz="1200" dirty="0" smtClean="0"/>
+                    </a:p>
+                  </a:txBody>
+                  <a:tcPr/>
+                </a:tc>
+                <a:tc>
+                  <a:txBody>
+                    <a:bodyPr/>
+                    <a:lstStyle/>
+                    <a:p>
+                      <a:pPr algn="ctr" latinLnBrk="1"/>
+                      <a:r>
+                        <a:rPr lang="en-US" altLang="ko-KR" sz="1200" dirty="0" smtClean="0"/>
+                        <a:t>Number</a:t>
+                      </a:r>
+                      <a:endParaRPr lang="ko-KR" altLang="en-US" sz="1200" dirty="0"/>
+                    </a:p>
+                  </a:txBody>
+                  <a:tcPr/>
+                </a:tc>
+                <a:tc>
+                  <a:txBody>
+                    <a:bodyPr/>
+                    <a:lstStyle/>
+                    <a:p>
+                      <a:pPr algn="ctr" latinLnBrk="1"/>
+                      <a:endParaRPr lang="ko-KR" altLang="en-US" sz="1200" dirty="0"/>
+                    </a:p>
+                  </a:txBody>
+                  <a:tcPr/>
+                </a:tc>
+              </a:tr>
+              <a:tr h="245686">
+                <a:tc>
+                  <a:txBody>
+                    <a:bodyPr/>
+                    <a:lstStyle/>
+                    <a:p>
+                      <a:pPr marL="0" marR="0" lvl="0" indent="0" algn="ctr" defTabSz="914400" rtl="0" eaLnBrk="1" fontAlgn="auto" latinLnBrk="1" hangingPunct="1">
+                        <a:lnSpc>
+                          <a:spcPct val="100000"/>
+                        </a:lnSpc>
+                        <a:spcBef>
+                          <a:spcPts val="0"/>
+                        </a:spcBef>
+                        <a:spcAft>
+                          <a:spcPts val="0"/>
+                        </a:spcAft>
+                        <a:buClrTx/>
+                        <a:buSzTx/>
+                        <a:buFontTx/>
+                        <a:buNone/>
+                        <a:tabLst/>
+                        <a:defRPr/>
+                      </a:pPr>
+                      <a:r>
+                        <a:rPr lang="en-US" altLang="ko-KR" sz="1200" dirty="0" err="1" smtClean="0"/>
+                        <a:t>Rserve_time</a:t>
+                      </a:r>
+                      <a:endParaRPr lang="ko-KR" altLang="en-US" sz="1200" dirty="0" smtClean="0"/>
+                    </a:p>
+                  </a:txBody>
+                  <a:tcPr/>
+                </a:tc>
+                <a:tc>
+                  <a:txBody>
+                    <a:bodyPr/>
+                    <a:lstStyle/>
+                    <a:p>
+                      <a:pPr algn="ctr" latinLnBrk="1"/>
+                      <a:r>
+                        <a:rPr lang="en-US" altLang="ko-KR" sz="1200" dirty="0" smtClean="0"/>
+                        <a:t>Number</a:t>
+                      </a:r>
+                      <a:endParaRPr lang="ko-KR" altLang="en-US" sz="1200" dirty="0"/>
+                    </a:p>
+                  </a:txBody>
+                  <a:tcPr/>
+                </a:tc>
+                <a:tc>
+                  <a:txBody>
+                    <a:bodyPr/>
+                    <a:lstStyle/>
+                    <a:p>
+                      <a:pPr algn="ctr" latinLnBrk="1"/>
+                      <a:endParaRPr lang="ko-KR" altLang="en-US" sz="1200" dirty="0"/>
+                    </a:p>
+                  </a:txBody>
+                  <a:tcPr/>
+                </a:tc>
+              </a:tr>
+              <a:tr h="245686">
+                <a:tc>
+                  <a:txBody>
+                    <a:bodyPr/>
+                    <a:lstStyle/>
+                    <a:p>
+                      <a:pPr marL="0" marR="0" lvl="0" indent="0" algn="ctr" defTabSz="914400" rtl="0" eaLnBrk="1" fontAlgn="auto" latinLnBrk="1" hangingPunct="1">
+                        <a:lnSpc>
+                          <a:spcPct val="100000"/>
+                        </a:lnSpc>
+                        <a:spcBef>
+                          <a:spcPts val="0"/>
+                        </a:spcBef>
+                        <a:spcAft>
+                          <a:spcPts val="0"/>
+                        </a:spcAft>
+                        <a:buClrTx/>
+                        <a:buSzTx/>
+                        <a:buFontTx/>
+                        <a:buNone/>
+                        <a:tabLst/>
+                        <a:defRPr/>
+                      </a:pPr>
+                      <a:r>
+                        <a:rPr lang="en-US" altLang="ko-KR" sz="1200" dirty="0" err="1" smtClean="0"/>
+                        <a:t>Reserve_date</a:t>
+                      </a:r>
+                      <a:endParaRPr lang="ko-KR" altLang="en-US" sz="1200" dirty="0" smtClean="0"/>
+                    </a:p>
+                  </a:txBody>
+                  <a:tcPr/>
+                </a:tc>
+                <a:tc>
+                  <a:txBody>
+                    <a:bodyPr/>
+                    <a:lstStyle/>
+                    <a:p>
+                      <a:pPr algn="ctr" latinLnBrk="1"/>
+                      <a:r>
+                        <a:rPr lang="en-US" altLang="ko-KR" sz="1200" dirty="0" smtClean="0"/>
+                        <a:t>Date</a:t>
+                      </a:r>
+                      <a:endParaRPr lang="ko-KR" altLang="en-US" sz="1200" dirty="0"/>
+                    </a:p>
+                  </a:txBody>
+                  <a:tcPr/>
+                </a:tc>
+                <a:tc>
+                  <a:txBody>
+                    <a:bodyPr/>
+                    <a:lstStyle/>
+                    <a:p>
+                      <a:pPr algn="ctr" latinLnBrk="1"/>
+                      <a:endParaRPr lang="ko-KR" altLang="en-US" sz="1200" dirty="0"/>
+                    </a:p>
+                  </a:txBody>
+                  <a:tcPr/>
+                </a:tc>
+              </a:tr>
+              <a:tr h="245686">
+                <a:tc>
+                  <a:txBody>
+                    <a:bodyPr/>
+                    <a:lstStyle/>
+                    <a:p>
+                      <a:pPr marL="0" marR="0" lvl="0" indent="0" algn="ctr" defTabSz="914400" rtl="0" eaLnBrk="1" fontAlgn="auto" latinLnBrk="1" hangingPunct="1">
+                        <a:lnSpc>
+                          <a:spcPct val="100000"/>
+                        </a:lnSpc>
+                        <a:spcBef>
+                          <a:spcPts val="0"/>
+                        </a:spcBef>
+                        <a:spcAft>
+                          <a:spcPts val="0"/>
+                        </a:spcAft>
+                        <a:buClrTx/>
+                        <a:buSzTx/>
+                        <a:buFontTx/>
+                        <a:buNone/>
+                        <a:tabLst/>
+                        <a:defRPr/>
+                      </a:pPr>
+                      <a:r>
+                        <a:rPr lang="en-US" altLang="ko-KR" sz="1200" dirty="0" err="1" smtClean="0"/>
+                        <a:t>Reserve_check</a:t>
+                      </a:r>
+                      <a:endParaRPr lang="ko-KR" altLang="en-US" sz="1200" dirty="0" smtClean="0"/>
+                    </a:p>
+                  </a:txBody>
+                  <a:tcPr/>
+                </a:tc>
+                <a:tc>
+                  <a:txBody>
+                    <a:bodyPr/>
+                    <a:lstStyle/>
+                    <a:p>
+                      <a:pPr algn="ctr" latinLnBrk="1"/>
+                      <a:r>
+                        <a:rPr lang="en-US" altLang="ko-KR" sz="1200" dirty="0" smtClean="0"/>
+                        <a:t>Char(3)</a:t>
+                      </a:r>
+                      <a:endParaRPr lang="ko-KR" altLang="en-US" sz="1200" dirty="0"/>
+                    </a:p>
+                  </a:txBody>
+                  <a:tcPr/>
+                </a:tc>
+                <a:tc>
+                  <a:txBody>
+                    <a:bodyPr/>
+                    <a:lstStyle/>
+                    <a:p>
+                      <a:pPr algn="ctr" latinLnBrk="1"/>
+                      <a:endParaRPr lang="ko-KR" altLang="en-US" sz="1200" dirty="0"/>
+                    </a:p>
+                  </a:txBody>
+                  <a:tcPr/>
+                </a:tc>
+              </a:tr>
+            </a:tbl>
+          </a:graphicData>
+        </a:graphic>
+      </p:graphicFrame>
+      <p:graphicFrame>
+        <p:nvGraphicFramePr>
+          <p:cNvPr id="14" name="표 13"/>
+          <p:cNvGraphicFramePr>
+            <a:graphicFrameLocks noGrp="1"/>
+          </p:cNvGraphicFramePr>
+          <p:nvPr>
+            <p:extLst>
+              <p:ext uri="{D42A27DB-BD31-4B8C-83A1-F6EECF244321}">
+                <p14:modId xmlns:p14="http://schemas.microsoft.com/office/powerpoint/2010/main" val="2086581724"/>
+              </p:ext>
+            </p:extLst>
+          </p:nvPr>
+        </p:nvGraphicFramePr>
+        <p:xfrm>
+          <a:off x="1182658" y="2272675"/>
+          <a:ext cx="3318597" cy="1645920"/>
+        </p:xfrm>
+        <a:graphic>
+          <a:graphicData uri="http://schemas.openxmlformats.org/drawingml/2006/table">
+            <a:tbl>
+              <a:tblPr firstRow="1" bandRow="1">
+                <a:tableStyleId>{F2DE63D5-997A-4646-A377-4702673A728D}</a:tableStyleId>
+              </a:tblPr>
+              <a:tblGrid>
+                <a:gridCol w="1208074"/>
+                <a:gridCol w="1004324"/>
+                <a:gridCol w="1106199"/>
+              </a:tblGrid>
+              <a:tr h="245686">
+                <a:tc gridSpan="3">
+                  <a:txBody>
+                    <a:bodyPr/>
+                    <a:lstStyle/>
+                    <a:p>
+                      <a:pPr algn="ctr" latinLnBrk="1"/>
+                      <a:r>
+                        <a:rPr lang="en-US" altLang="ko-KR" sz="1200" dirty="0" err="1" smtClean="0"/>
+                        <a:t>Member_stastic</a:t>
+                      </a:r>
+                      <a:endParaRPr lang="ko-KR" altLang="en-US" sz="1200" dirty="0"/>
+                    </a:p>
+                  </a:txBody>
+                  <a:tcPr/>
+                </a:tc>
+                <a:tc hMerge="1">
+                  <a:txBody>
+                    <a:bodyPr/>
+                    <a:lstStyle/>
+                    <a:p>
+                      <a:pPr algn="ctr" latinLnBrk="1"/>
+                      <a:endParaRPr lang="ko-KR" altLang="en-US" dirty="0"/>
+                    </a:p>
+                  </a:txBody>
+                  <a:tcPr/>
+                </a:tc>
+                <a:tc hMerge="1">
+                  <a:txBody>
+                    <a:bodyPr/>
+                    <a:lstStyle/>
+                    <a:p>
+                      <a:pPr algn="ctr" latinLnBrk="1"/>
+                      <a:endParaRPr lang="ko-KR" altLang="en-US" dirty="0"/>
+                    </a:p>
+                  </a:txBody>
+                  <a:tcPr/>
+                </a:tc>
+              </a:tr>
+              <a:tr h="245686">
+                <a:tc>
+                  <a:txBody>
+                    <a:bodyPr/>
+                    <a:lstStyle/>
+                    <a:p>
+                      <a:pPr marL="0" marR="0" lvl="0" indent="0" algn="ctr" defTabSz="914400" rtl="0" eaLnBrk="1" fontAlgn="auto" latinLnBrk="1" hangingPunct="1">
+                        <a:lnSpc>
+                          <a:spcPct val="100000"/>
+                        </a:lnSpc>
+                        <a:spcBef>
+                          <a:spcPts val="0"/>
+                        </a:spcBef>
+                        <a:spcAft>
+                          <a:spcPts val="0"/>
+                        </a:spcAft>
+                        <a:buClrTx/>
+                        <a:buSzTx/>
+                        <a:buFontTx/>
+                        <a:buNone/>
+                        <a:tabLst/>
+                        <a:defRPr/>
+                      </a:pPr>
+                      <a:r>
+                        <a:rPr lang="ja-JP" altLang="en-US" sz="1200" dirty="0" smtClean="0"/>
+                        <a:t>促成名</a:t>
+                      </a:r>
+                      <a:endParaRPr lang="ko-KR" altLang="en-US" sz="1200" dirty="0" smtClean="0"/>
+                    </a:p>
+                  </a:txBody>
+                  <a:tcPr/>
+                </a:tc>
+                <a:tc>
+                  <a:txBody>
+                    <a:bodyPr/>
+                    <a:lstStyle/>
+                    <a:p>
+                      <a:pPr algn="ctr" latinLnBrk="1"/>
+                      <a:r>
+                        <a:rPr lang="ja-JP" altLang="en-US" sz="1200" dirty="0" smtClean="0"/>
+                        <a:t>データタイプ</a:t>
+                      </a:r>
+                      <a:endParaRPr lang="ko-KR" altLang="en-US" sz="1200" dirty="0"/>
+                    </a:p>
+                  </a:txBody>
+                  <a:tcPr/>
+                </a:tc>
+                <a:tc>
+                  <a:txBody>
+                    <a:bodyPr/>
+                    <a:lstStyle/>
+                    <a:p>
+                      <a:pPr algn="ctr" latinLnBrk="1"/>
+                      <a:r>
+                        <a:rPr lang="ja-JP" altLang="en-US" sz="1200" dirty="0" smtClean="0"/>
+                        <a:t>オプション</a:t>
+                      </a:r>
+                      <a:endParaRPr lang="ko-KR" altLang="en-US" sz="1200" dirty="0"/>
+                    </a:p>
+                  </a:txBody>
+                  <a:tcPr/>
+                </a:tc>
+              </a:tr>
+              <a:tr h="245686">
+                <a:tc>
+                  <a:txBody>
+                    <a:bodyPr/>
+                    <a:lstStyle/>
+                    <a:p>
+                      <a:pPr marL="0" marR="0" lvl="0" indent="0" algn="ctr" defTabSz="914400" rtl="0" eaLnBrk="1" fontAlgn="auto" latinLnBrk="1" hangingPunct="1">
+                        <a:lnSpc>
+                          <a:spcPct val="100000"/>
+                        </a:lnSpc>
+                        <a:spcBef>
+                          <a:spcPts val="0"/>
+                        </a:spcBef>
+                        <a:spcAft>
+                          <a:spcPts val="0"/>
+                        </a:spcAft>
+                        <a:buClrTx/>
+                        <a:buSzTx/>
+                        <a:buFontTx/>
+                        <a:buNone/>
+                        <a:tabLst/>
+                        <a:defRPr/>
+                      </a:pPr>
+                      <a:r>
+                        <a:rPr lang="en-US" altLang="ko-KR" sz="1200" dirty="0" err="1" smtClean="0"/>
+                        <a:t>Userid</a:t>
+                      </a:r>
+                      <a:endParaRPr lang="ko-KR" altLang="en-US" sz="1200" dirty="0" smtClean="0"/>
+                    </a:p>
+                  </a:txBody>
+                  <a:tcPr/>
+                </a:tc>
+                <a:tc>
+                  <a:txBody>
+                    <a:bodyPr/>
+                    <a:lstStyle/>
+                    <a:p>
+                      <a:pPr algn="ctr" latinLnBrk="1"/>
+                      <a:r>
+                        <a:rPr lang="en-US" altLang="ko-KR" sz="1200" dirty="0" smtClean="0"/>
+                        <a:t>Varchar2</a:t>
+                      </a:r>
+                      <a:endParaRPr lang="ko-KR" altLang="en-US" sz="1200" dirty="0"/>
+                    </a:p>
+                  </a:txBody>
+                  <a:tcPr/>
+                </a:tc>
+                <a:tc>
+                  <a:txBody>
+                    <a:bodyPr/>
+                    <a:lstStyle/>
+                    <a:p>
+                      <a:pPr algn="ctr" latinLnBrk="1"/>
+                      <a:endParaRPr lang="ko-KR" altLang="en-US" sz="1200" dirty="0"/>
+                    </a:p>
+                  </a:txBody>
+                  <a:tcPr/>
+                </a:tc>
+              </a:tr>
+              <a:tr h="245686">
+                <a:tc>
+                  <a:txBody>
+                    <a:bodyPr/>
+                    <a:lstStyle/>
+                    <a:p>
+                      <a:pPr marL="0" marR="0" lvl="0" indent="0" algn="ctr" defTabSz="914400" rtl="0" eaLnBrk="1" fontAlgn="auto" latinLnBrk="1" hangingPunct="1">
+                        <a:lnSpc>
+                          <a:spcPct val="100000"/>
+                        </a:lnSpc>
+                        <a:spcBef>
+                          <a:spcPts val="0"/>
+                        </a:spcBef>
+                        <a:spcAft>
+                          <a:spcPts val="0"/>
+                        </a:spcAft>
+                        <a:buClrTx/>
+                        <a:buSzTx/>
+                        <a:buFontTx/>
+                        <a:buNone/>
+                        <a:tabLst/>
+                        <a:defRPr/>
+                      </a:pPr>
+                      <a:r>
+                        <a:rPr lang="en-US" altLang="ko-KR" sz="1200" dirty="0" err="1" smtClean="0"/>
+                        <a:t>Total_pay</a:t>
+                      </a:r>
+                      <a:endParaRPr lang="ko-KR" altLang="en-US" sz="1200" dirty="0" smtClean="0"/>
+                    </a:p>
+                  </a:txBody>
+                  <a:tcPr/>
+                </a:tc>
+                <a:tc>
+                  <a:txBody>
+                    <a:bodyPr/>
+                    <a:lstStyle/>
+                    <a:p>
+                      <a:pPr algn="ctr" latinLnBrk="1"/>
+                      <a:r>
+                        <a:rPr lang="en-US" altLang="ko-KR" sz="1200" dirty="0" smtClean="0"/>
+                        <a:t>Number</a:t>
+                      </a:r>
+                      <a:endParaRPr lang="ko-KR" altLang="en-US" sz="1200" dirty="0"/>
+                    </a:p>
+                  </a:txBody>
+                  <a:tcPr/>
+                </a:tc>
+                <a:tc>
+                  <a:txBody>
+                    <a:bodyPr/>
+                    <a:lstStyle/>
+                    <a:p>
+                      <a:pPr algn="ctr" latinLnBrk="1"/>
+                      <a:endParaRPr lang="ko-KR" altLang="en-US" sz="1200" dirty="0"/>
+                    </a:p>
+                  </a:txBody>
+                  <a:tcPr/>
+                </a:tc>
+              </a:tr>
+              <a:tr h="245686">
+                <a:tc>
+                  <a:txBody>
+                    <a:bodyPr/>
+                    <a:lstStyle/>
+                    <a:p>
+                      <a:pPr marL="0" marR="0" lvl="0" indent="0" algn="ctr" defTabSz="914400" rtl="0" eaLnBrk="1" fontAlgn="auto" latinLnBrk="1" hangingPunct="1">
+                        <a:lnSpc>
+                          <a:spcPct val="100000"/>
+                        </a:lnSpc>
+                        <a:spcBef>
+                          <a:spcPts val="0"/>
+                        </a:spcBef>
+                        <a:spcAft>
+                          <a:spcPts val="0"/>
+                        </a:spcAft>
+                        <a:buClrTx/>
+                        <a:buSzTx/>
+                        <a:buFontTx/>
+                        <a:buNone/>
+                        <a:tabLst/>
+                        <a:defRPr/>
+                      </a:pPr>
+                      <a:r>
+                        <a:rPr lang="en-US" altLang="ko-KR" sz="1200" dirty="0" err="1" smtClean="0"/>
+                        <a:t>Total_point</a:t>
+                      </a:r>
+                      <a:endParaRPr lang="ko-KR" altLang="en-US" sz="1200" dirty="0" smtClean="0"/>
+                    </a:p>
+                  </a:txBody>
+                  <a:tcPr/>
+                </a:tc>
+                <a:tc>
+                  <a:txBody>
+                    <a:bodyPr/>
+                    <a:lstStyle/>
+                    <a:p>
+                      <a:pPr algn="ctr" latinLnBrk="1"/>
+                      <a:r>
+                        <a:rPr lang="en-US" altLang="ko-KR" sz="1200" dirty="0" smtClean="0"/>
+                        <a:t>Number</a:t>
+                      </a:r>
+                      <a:endParaRPr lang="ko-KR" altLang="en-US" sz="1200" dirty="0"/>
+                    </a:p>
+                  </a:txBody>
+                  <a:tcPr/>
+                </a:tc>
+                <a:tc>
+                  <a:txBody>
+                    <a:bodyPr/>
+                    <a:lstStyle/>
+                    <a:p>
+                      <a:pPr algn="ctr" latinLnBrk="1"/>
+                      <a:endParaRPr lang="ko-KR" altLang="en-US" sz="1200" dirty="0"/>
+                    </a:p>
+                  </a:txBody>
+                  <a:tcPr/>
+                </a:tc>
+              </a:tr>
+              <a:tr h="245686">
+                <a:tc>
+                  <a:txBody>
+                    <a:bodyPr/>
+                    <a:lstStyle/>
+                    <a:p>
+                      <a:pPr marL="0" marR="0" lvl="0" indent="0" algn="ctr" defTabSz="914400" rtl="0" eaLnBrk="1" fontAlgn="auto" latinLnBrk="1" hangingPunct="1">
+                        <a:lnSpc>
+                          <a:spcPct val="100000"/>
+                        </a:lnSpc>
+                        <a:spcBef>
+                          <a:spcPts val="0"/>
+                        </a:spcBef>
+                        <a:spcAft>
+                          <a:spcPts val="0"/>
+                        </a:spcAft>
+                        <a:buClrTx/>
+                        <a:buSzTx/>
+                        <a:buFontTx/>
+                        <a:buNone/>
+                        <a:tabLst/>
+                        <a:defRPr/>
+                      </a:pPr>
+                      <a:r>
+                        <a:rPr lang="en-US" altLang="ko-KR" sz="1200" dirty="0" err="1" smtClean="0"/>
+                        <a:t>Visit_count</a:t>
+                      </a:r>
+                      <a:endParaRPr lang="ko-KR" altLang="en-US" sz="1200" dirty="0" smtClean="0"/>
+                    </a:p>
+                  </a:txBody>
+                  <a:tcPr/>
+                </a:tc>
+                <a:tc>
+                  <a:txBody>
+                    <a:bodyPr/>
+                    <a:lstStyle/>
+                    <a:p>
+                      <a:pPr algn="ctr" latinLnBrk="1"/>
+                      <a:r>
+                        <a:rPr lang="en-US" altLang="ko-KR" sz="1200" dirty="0" smtClean="0"/>
+                        <a:t>Number</a:t>
+                      </a:r>
+                      <a:endParaRPr lang="ko-KR" altLang="en-US" sz="1200" dirty="0"/>
+                    </a:p>
+                  </a:txBody>
+                  <a:tcPr/>
+                </a:tc>
+                <a:tc>
+                  <a:txBody>
+                    <a:bodyPr/>
+                    <a:lstStyle/>
+                    <a:p>
+                      <a:pPr algn="ctr" latinLnBrk="1"/>
+                      <a:endParaRPr lang="ko-KR" altLang="en-US" sz="1200" dirty="0"/>
+                    </a:p>
+                  </a:txBody>
+                  <a:tcPr/>
+                </a:tc>
+              </a:tr>
+            </a:tbl>
+          </a:graphicData>
+        </a:graphic>
+      </p:graphicFrame>
+      <p:graphicFrame>
+        <p:nvGraphicFramePr>
+          <p:cNvPr id="15" name="표 14"/>
+          <p:cNvGraphicFramePr>
+            <a:graphicFrameLocks noGrp="1"/>
+          </p:cNvGraphicFramePr>
+          <p:nvPr>
+            <p:extLst>
+              <p:ext uri="{D42A27DB-BD31-4B8C-83A1-F6EECF244321}">
+                <p14:modId xmlns:p14="http://schemas.microsoft.com/office/powerpoint/2010/main" val="2962466100"/>
+              </p:ext>
+            </p:extLst>
+          </p:nvPr>
+        </p:nvGraphicFramePr>
+        <p:xfrm>
+          <a:off x="1182657" y="4330075"/>
+          <a:ext cx="3318597" cy="1645920"/>
+        </p:xfrm>
+        <a:graphic>
+          <a:graphicData uri="http://schemas.openxmlformats.org/drawingml/2006/table">
+            <a:tbl>
+              <a:tblPr firstRow="1" bandRow="1">
+                <a:tableStyleId>{F2DE63D5-997A-4646-A377-4702673A728D}</a:tableStyleId>
+              </a:tblPr>
+              <a:tblGrid>
+                <a:gridCol w="1208074"/>
+                <a:gridCol w="1004324"/>
+                <a:gridCol w="1106199"/>
+              </a:tblGrid>
+              <a:tr h="245686">
+                <a:tc gridSpan="3">
+                  <a:txBody>
+                    <a:bodyPr/>
+                    <a:lstStyle/>
+                    <a:p>
+                      <a:pPr algn="ctr" latinLnBrk="1"/>
+                      <a:r>
+                        <a:rPr lang="en-US" altLang="ko-KR" sz="1200" dirty="0" err="1" smtClean="0"/>
+                        <a:t>company_stastic</a:t>
+                      </a:r>
+                      <a:endParaRPr lang="ko-KR" altLang="en-US" sz="1200" dirty="0"/>
+                    </a:p>
+                  </a:txBody>
+                  <a:tcPr/>
+                </a:tc>
+                <a:tc hMerge="1">
+                  <a:txBody>
+                    <a:bodyPr/>
+                    <a:lstStyle/>
+                    <a:p>
+                      <a:pPr algn="ctr" latinLnBrk="1"/>
+                      <a:endParaRPr lang="ko-KR" altLang="en-US" dirty="0"/>
+                    </a:p>
+                  </a:txBody>
+                  <a:tcPr/>
+                </a:tc>
+                <a:tc hMerge="1">
+                  <a:txBody>
+                    <a:bodyPr/>
+                    <a:lstStyle/>
+                    <a:p>
+                      <a:pPr algn="ctr" latinLnBrk="1"/>
+                      <a:endParaRPr lang="ko-KR" altLang="en-US" dirty="0"/>
+                    </a:p>
+                  </a:txBody>
+                  <a:tcPr/>
+                </a:tc>
+              </a:tr>
+              <a:tr h="245686">
+                <a:tc>
+                  <a:txBody>
+                    <a:bodyPr/>
+                    <a:lstStyle/>
+                    <a:p>
+                      <a:pPr marL="0" marR="0" lvl="0" indent="0" algn="ctr" defTabSz="914400" rtl="0" eaLnBrk="1" fontAlgn="auto" latinLnBrk="1" hangingPunct="1">
+                        <a:lnSpc>
+                          <a:spcPct val="100000"/>
+                        </a:lnSpc>
+                        <a:spcBef>
+                          <a:spcPts val="0"/>
+                        </a:spcBef>
+                        <a:spcAft>
+                          <a:spcPts val="0"/>
+                        </a:spcAft>
+                        <a:buClrTx/>
+                        <a:buSzTx/>
+                        <a:buFontTx/>
+                        <a:buNone/>
+                        <a:tabLst/>
+                        <a:defRPr/>
+                      </a:pPr>
+                      <a:r>
+                        <a:rPr lang="ja-JP" altLang="en-US" sz="1200" dirty="0" smtClean="0"/>
+                        <a:t>促成名</a:t>
+                      </a:r>
+                      <a:endParaRPr lang="ko-KR" altLang="en-US" sz="1200" dirty="0" smtClean="0"/>
+                    </a:p>
+                  </a:txBody>
+                  <a:tcPr/>
+                </a:tc>
+                <a:tc>
+                  <a:txBody>
+                    <a:bodyPr/>
+                    <a:lstStyle/>
+                    <a:p>
+                      <a:pPr algn="ctr" latinLnBrk="1"/>
+                      <a:r>
+                        <a:rPr lang="ja-JP" altLang="en-US" sz="1200" dirty="0" smtClean="0"/>
+                        <a:t>データタイプ</a:t>
+                      </a:r>
+                      <a:endParaRPr lang="ko-KR" altLang="en-US" sz="1200" dirty="0"/>
+                    </a:p>
+                  </a:txBody>
+                  <a:tcPr/>
+                </a:tc>
+                <a:tc>
+                  <a:txBody>
+                    <a:bodyPr/>
+                    <a:lstStyle/>
+                    <a:p>
+                      <a:pPr algn="ctr" latinLnBrk="1"/>
+                      <a:r>
+                        <a:rPr lang="ja-JP" altLang="en-US" sz="1200" dirty="0" smtClean="0"/>
+                        <a:t>オプション</a:t>
+                      </a:r>
+                      <a:endParaRPr lang="ko-KR" altLang="en-US" sz="1200" dirty="0"/>
+                    </a:p>
+                  </a:txBody>
+                  <a:tcPr/>
+                </a:tc>
+              </a:tr>
+              <a:tr h="245686">
+                <a:tc>
+                  <a:txBody>
+                    <a:bodyPr/>
+                    <a:lstStyle/>
+                    <a:p>
+                      <a:pPr marL="0" marR="0" lvl="0" indent="0" algn="ctr" defTabSz="914400" rtl="0" eaLnBrk="1" fontAlgn="auto" latinLnBrk="1" hangingPunct="1">
+                        <a:lnSpc>
+                          <a:spcPct val="100000"/>
+                        </a:lnSpc>
+                        <a:spcBef>
+                          <a:spcPts val="0"/>
+                        </a:spcBef>
+                        <a:spcAft>
+                          <a:spcPts val="0"/>
+                        </a:spcAft>
+                        <a:buClrTx/>
+                        <a:buSzTx/>
+                        <a:buFontTx/>
+                        <a:buNone/>
+                        <a:tabLst/>
+                        <a:defRPr/>
+                      </a:pPr>
+                      <a:r>
+                        <a:rPr lang="en-US" altLang="ko-KR" sz="1200" dirty="0" err="1" smtClean="0"/>
+                        <a:t>Total_profit</a:t>
+                      </a:r>
+                      <a:endParaRPr lang="ko-KR" altLang="en-US" sz="1200" dirty="0" smtClean="0"/>
+                    </a:p>
+                  </a:txBody>
+                  <a:tcPr/>
+                </a:tc>
+                <a:tc>
+                  <a:txBody>
+                    <a:bodyPr/>
+                    <a:lstStyle/>
+                    <a:p>
+                      <a:pPr algn="ctr" latinLnBrk="1"/>
+                      <a:r>
+                        <a:rPr lang="en-US" altLang="ko-KR" sz="1200" dirty="0" smtClean="0"/>
+                        <a:t>Number</a:t>
+                      </a:r>
+                      <a:endParaRPr lang="ko-KR" altLang="en-US" sz="1200" dirty="0"/>
+                    </a:p>
+                  </a:txBody>
+                  <a:tcPr/>
+                </a:tc>
+                <a:tc>
+                  <a:txBody>
+                    <a:bodyPr/>
+                    <a:lstStyle/>
+                    <a:p>
+                      <a:pPr algn="ctr" latinLnBrk="1"/>
+                      <a:endParaRPr lang="ko-KR" altLang="en-US" sz="1200" dirty="0"/>
+                    </a:p>
+                  </a:txBody>
+                  <a:tcPr/>
+                </a:tc>
+              </a:tr>
+              <a:tr h="245686">
+                <a:tc>
+                  <a:txBody>
+                    <a:bodyPr/>
+                    <a:lstStyle/>
+                    <a:p>
+                      <a:pPr marL="0" marR="0" lvl="0" indent="0" algn="ctr" defTabSz="914400" rtl="0" eaLnBrk="1" fontAlgn="auto" latinLnBrk="1" hangingPunct="1">
+                        <a:lnSpc>
+                          <a:spcPct val="100000"/>
+                        </a:lnSpc>
+                        <a:spcBef>
+                          <a:spcPts val="0"/>
+                        </a:spcBef>
+                        <a:spcAft>
+                          <a:spcPts val="0"/>
+                        </a:spcAft>
+                        <a:buClrTx/>
+                        <a:buSzTx/>
+                        <a:buFontTx/>
+                        <a:buNone/>
+                        <a:tabLst/>
+                        <a:defRPr/>
+                      </a:pPr>
+                      <a:r>
+                        <a:rPr lang="en-US" altLang="ko-KR" sz="1200" dirty="0" err="1" smtClean="0"/>
+                        <a:t>Total_income</a:t>
+                      </a:r>
+                      <a:endParaRPr lang="ko-KR" altLang="en-US" sz="1200" dirty="0" smtClean="0"/>
+                    </a:p>
+                  </a:txBody>
+                  <a:tcPr/>
+                </a:tc>
+                <a:tc>
+                  <a:txBody>
+                    <a:bodyPr/>
+                    <a:lstStyle/>
+                    <a:p>
+                      <a:pPr algn="ctr" latinLnBrk="1"/>
+                      <a:r>
+                        <a:rPr lang="en-US" altLang="ko-KR" sz="1200" dirty="0" smtClean="0"/>
+                        <a:t>Number</a:t>
+                      </a:r>
+                      <a:endParaRPr lang="ko-KR" altLang="en-US" sz="1200" dirty="0"/>
+                    </a:p>
+                  </a:txBody>
+                  <a:tcPr/>
+                </a:tc>
+                <a:tc>
+                  <a:txBody>
+                    <a:bodyPr/>
+                    <a:lstStyle/>
+                    <a:p>
+                      <a:pPr algn="ctr" latinLnBrk="1"/>
+                      <a:endParaRPr lang="ko-KR" altLang="en-US" sz="1200" dirty="0"/>
+                    </a:p>
+                  </a:txBody>
+                  <a:tcPr/>
+                </a:tc>
+              </a:tr>
+              <a:tr h="245686">
+                <a:tc>
+                  <a:txBody>
+                    <a:bodyPr/>
+                    <a:lstStyle/>
+                    <a:p>
+                      <a:pPr marL="0" marR="0" lvl="0" indent="0" algn="ctr" defTabSz="914400" rtl="0" eaLnBrk="1" fontAlgn="auto" latinLnBrk="1" hangingPunct="1">
+                        <a:lnSpc>
+                          <a:spcPct val="100000"/>
+                        </a:lnSpc>
+                        <a:spcBef>
+                          <a:spcPts val="0"/>
+                        </a:spcBef>
+                        <a:spcAft>
+                          <a:spcPts val="0"/>
+                        </a:spcAft>
+                        <a:buClrTx/>
+                        <a:buSzTx/>
+                        <a:buFontTx/>
+                        <a:buNone/>
+                        <a:tabLst/>
+                        <a:defRPr/>
+                      </a:pPr>
+                      <a:r>
+                        <a:rPr lang="en-US" altLang="ko-KR" sz="1200" dirty="0" err="1" smtClean="0"/>
+                        <a:t>Total_expense</a:t>
+                      </a:r>
+                      <a:endParaRPr lang="ko-KR" altLang="en-US" sz="1200" dirty="0" smtClean="0"/>
+                    </a:p>
+                  </a:txBody>
+                  <a:tcPr/>
+                </a:tc>
+                <a:tc>
+                  <a:txBody>
+                    <a:bodyPr/>
+                    <a:lstStyle/>
+                    <a:p>
+                      <a:pPr algn="ctr" latinLnBrk="1"/>
+                      <a:r>
+                        <a:rPr lang="en-US" altLang="ko-KR" sz="1200" dirty="0" smtClean="0"/>
+                        <a:t>Number</a:t>
+                      </a:r>
+                      <a:endParaRPr lang="ko-KR" altLang="en-US" sz="1200" dirty="0"/>
+                    </a:p>
+                  </a:txBody>
+                  <a:tcPr/>
+                </a:tc>
+                <a:tc>
+                  <a:txBody>
+                    <a:bodyPr/>
+                    <a:lstStyle/>
+                    <a:p>
+                      <a:pPr algn="ctr" latinLnBrk="1"/>
+                      <a:endParaRPr lang="ko-KR" altLang="en-US" sz="1200" dirty="0"/>
+                    </a:p>
+                  </a:txBody>
+                  <a:tcPr/>
+                </a:tc>
+              </a:tr>
+              <a:tr h="245686">
+                <a:tc>
+                  <a:txBody>
+                    <a:bodyPr/>
+                    <a:lstStyle/>
+                    <a:p>
+                      <a:pPr marL="0" marR="0" lvl="0" indent="0" algn="ctr" defTabSz="914400" rtl="0" eaLnBrk="1" fontAlgn="auto" latinLnBrk="1" hangingPunct="1">
+                        <a:lnSpc>
+                          <a:spcPct val="100000"/>
+                        </a:lnSpc>
+                        <a:spcBef>
+                          <a:spcPts val="0"/>
+                        </a:spcBef>
+                        <a:spcAft>
+                          <a:spcPts val="0"/>
+                        </a:spcAft>
+                        <a:buClrTx/>
+                        <a:buSzTx/>
+                        <a:buFontTx/>
+                        <a:buNone/>
+                        <a:tabLst/>
+                        <a:defRPr/>
+                      </a:pPr>
+                      <a:r>
+                        <a:rPr lang="en-US" altLang="ko-KR" sz="1200" dirty="0" err="1" smtClean="0"/>
+                        <a:t>Total_date</a:t>
+                      </a:r>
+                      <a:endParaRPr lang="ko-KR" altLang="en-US" sz="1200" dirty="0" smtClean="0"/>
+                    </a:p>
+                  </a:txBody>
+                  <a:tcPr/>
+                </a:tc>
+                <a:tc>
+                  <a:txBody>
+                    <a:bodyPr/>
+                    <a:lstStyle/>
+                    <a:p>
+                      <a:pPr algn="ctr" latinLnBrk="1"/>
+                      <a:r>
+                        <a:rPr lang="en-US" altLang="ko-KR" sz="1200" dirty="0" smtClean="0"/>
+                        <a:t>varchar2</a:t>
+                      </a:r>
+                      <a:endParaRPr lang="ko-KR" altLang="en-US" sz="1200" dirty="0"/>
+                    </a:p>
+                  </a:txBody>
+                  <a:tcPr/>
+                </a:tc>
+                <a:tc>
+                  <a:txBody>
+                    <a:bodyPr/>
+                    <a:lstStyle/>
+                    <a:p>
+                      <a:pPr algn="ctr" latinLnBrk="1"/>
+                      <a:endParaRPr lang="ko-KR" altLang="en-US" sz="1200" dirty="0"/>
+                    </a:p>
+                  </a:txBody>
+                  <a:tcPr/>
+                </a:tc>
+              </a:tr>
+            </a:tbl>
+          </a:graphicData>
+        </a:graphic>
+      </p:graphicFrame>
+      <p:cxnSp>
+        <p:nvCxnSpPr>
+          <p:cNvPr id="16" name="직선 연결선 15"/>
+          <p:cNvCxnSpPr/>
+          <p:nvPr/>
+        </p:nvCxnSpPr>
+        <p:spPr>
+          <a:xfrm>
+            <a:off x="-3135086" y="-3471336"/>
+            <a:ext cx="0" cy="2985561"/>
+          </a:xfrm>
+          <a:prstGeom prst="line">
+            <a:avLst/>
+          </a:prstGeom>
+          <a:ln w="28575">
+            <a:solidFill>
+              <a:schemeClr val="tx1"/>
+            </a:solidFill>
+          </a:ln>
+        </p:spPr>
+        <p:style>
+          <a:lnRef idx="1">
+            <a:schemeClr val="accent1"/>
+          </a:lnRef>
+          <a:fillRef idx="0">
+            <a:schemeClr val="accent1"/>
+          </a:fillRef>
+          <a:effectRef idx="0">
+            <a:schemeClr val="accent1"/>
+          </a:effectRef>
+          <a:fontRef idx="minor">
+            <a:schemeClr val="tx1"/>
+          </a:fontRef>
+        </p:style>
+      </p:cxnSp>
+      <p:cxnSp>
+        <p:nvCxnSpPr>
+          <p:cNvPr id="17" name="직선 연결선 16"/>
+          <p:cNvCxnSpPr>
+            <a:endCxn id="6" idx="1"/>
+          </p:cNvCxnSpPr>
+          <p:nvPr/>
+        </p:nvCxnSpPr>
+        <p:spPr>
+          <a:xfrm>
+            <a:off x="-3135086" y="-3471336"/>
+            <a:ext cx="296677" cy="0"/>
+          </a:xfrm>
+          <a:prstGeom prst="line">
+            <a:avLst/>
+          </a:prstGeom>
+          <a:ln w="28575">
+            <a:solidFill>
+              <a:schemeClr val="tx1"/>
+            </a:solidFill>
+          </a:ln>
+        </p:spPr>
+        <p:style>
+          <a:lnRef idx="1">
+            <a:schemeClr val="accent1"/>
+          </a:lnRef>
+          <a:fillRef idx="0">
+            <a:schemeClr val="accent1"/>
+          </a:fillRef>
+          <a:effectRef idx="0">
+            <a:schemeClr val="accent1"/>
+          </a:effectRef>
+          <a:fontRef idx="minor">
+            <a:schemeClr val="tx1"/>
+          </a:fontRef>
+        </p:style>
+      </p:cxnSp>
+      <p:cxnSp>
+        <p:nvCxnSpPr>
+          <p:cNvPr id="18" name="직선 연결선 17"/>
+          <p:cNvCxnSpPr/>
+          <p:nvPr/>
+        </p:nvCxnSpPr>
+        <p:spPr>
+          <a:xfrm>
+            <a:off x="-3135086" y="-499536"/>
+            <a:ext cx="296677" cy="0"/>
+          </a:xfrm>
+          <a:prstGeom prst="line">
+            <a:avLst/>
+          </a:prstGeom>
+          <a:ln w="28575">
+            <a:solidFill>
+              <a:schemeClr val="tx1"/>
+            </a:solidFill>
+          </a:ln>
+        </p:spPr>
+        <p:style>
+          <a:lnRef idx="1">
+            <a:schemeClr val="accent1"/>
+          </a:lnRef>
+          <a:fillRef idx="0">
+            <a:schemeClr val="accent1"/>
+          </a:fillRef>
+          <a:effectRef idx="0">
+            <a:schemeClr val="accent1"/>
+          </a:effectRef>
+          <a:fontRef idx="minor">
+            <a:schemeClr val="tx1"/>
+          </a:fontRef>
+        </p:style>
+      </p:cxnSp>
+      <p:sp>
+        <p:nvSpPr>
+          <p:cNvPr id="19" name="TextBox 18"/>
+          <p:cNvSpPr txBox="1"/>
+          <p:nvPr/>
+        </p:nvSpPr>
+        <p:spPr>
+          <a:xfrm>
+            <a:off x="-3135086" y="-3459199"/>
+            <a:ext cx="296676" cy="369332"/>
+          </a:xfrm>
+          <a:prstGeom prst="rect">
+            <a:avLst/>
+          </a:prstGeom>
+          <a:noFill/>
+        </p:spPr>
+        <p:txBody>
+          <a:bodyPr wrap="square" rtlCol="0">
+            <a:spAutoFit/>
+          </a:bodyPr>
+          <a:lstStyle/>
+          <a:p>
+            <a:r>
+              <a:rPr lang="en-US" altLang="ko-KR" dirty="0" smtClean="0"/>
+              <a:t>1</a:t>
+            </a:r>
+            <a:endParaRPr lang="ko-KR" altLang="en-US" dirty="0"/>
+          </a:p>
+        </p:txBody>
+      </p:sp>
+      <p:sp>
+        <p:nvSpPr>
+          <p:cNvPr id="20" name="TextBox 19"/>
+          <p:cNvSpPr txBox="1"/>
+          <p:nvPr/>
+        </p:nvSpPr>
+        <p:spPr>
+          <a:xfrm>
+            <a:off x="-3135086" y="-892291"/>
+            <a:ext cx="296676" cy="369332"/>
+          </a:xfrm>
+          <a:prstGeom prst="rect">
+            <a:avLst/>
+          </a:prstGeom>
+          <a:noFill/>
+        </p:spPr>
+        <p:txBody>
+          <a:bodyPr wrap="square" rtlCol="0">
+            <a:spAutoFit/>
+          </a:bodyPr>
+          <a:lstStyle/>
+          <a:p>
+            <a:r>
+              <a:rPr lang="en-US" altLang="ko-KR" dirty="0" smtClean="0"/>
+              <a:t>N</a:t>
+            </a:r>
+            <a:endParaRPr lang="ko-KR" altLang="en-US" dirty="0"/>
+          </a:p>
+        </p:txBody>
+      </p:sp>
+      <p:cxnSp>
+        <p:nvCxnSpPr>
+          <p:cNvPr id="21" name="직선 연결선 20"/>
+          <p:cNvCxnSpPr/>
+          <p:nvPr/>
+        </p:nvCxnSpPr>
+        <p:spPr>
+          <a:xfrm>
+            <a:off x="753278" y="-1234069"/>
+            <a:ext cx="429379" cy="0"/>
+          </a:xfrm>
+          <a:prstGeom prst="line">
+            <a:avLst/>
+          </a:prstGeom>
+          <a:ln w="28575">
+            <a:solidFill>
+              <a:schemeClr val="tx1"/>
+            </a:solidFill>
+          </a:ln>
+        </p:spPr>
+        <p:style>
+          <a:lnRef idx="1">
+            <a:schemeClr val="accent1"/>
+          </a:lnRef>
+          <a:fillRef idx="0">
+            <a:schemeClr val="accent1"/>
+          </a:fillRef>
+          <a:effectRef idx="0">
+            <a:schemeClr val="accent1"/>
+          </a:effectRef>
+          <a:fontRef idx="minor">
+            <a:schemeClr val="tx1"/>
+          </a:fontRef>
+        </p:style>
+      </p:cxnSp>
+      <p:cxnSp>
+        <p:nvCxnSpPr>
+          <p:cNvPr id="22" name="직선 연결선 21"/>
+          <p:cNvCxnSpPr/>
+          <p:nvPr/>
+        </p:nvCxnSpPr>
+        <p:spPr>
+          <a:xfrm>
+            <a:off x="480187" y="-1566336"/>
+            <a:ext cx="273091" cy="0"/>
+          </a:xfrm>
+          <a:prstGeom prst="line">
+            <a:avLst/>
+          </a:prstGeom>
+          <a:ln w="28575">
+            <a:solidFill>
+              <a:schemeClr val="tx1"/>
+            </a:solidFill>
+          </a:ln>
+        </p:spPr>
+        <p:style>
+          <a:lnRef idx="1">
+            <a:schemeClr val="accent1"/>
+          </a:lnRef>
+          <a:fillRef idx="0">
+            <a:schemeClr val="accent1"/>
+          </a:fillRef>
+          <a:effectRef idx="0">
+            <a:schemeClr val="accent1"/>
+          </a:effectRef>
+          <a:fontRef idx="minor">
+            <a:schemeClr val="tx1"/>
+          </a:fontRef>
+        </p:style>
+      </p:cxnSp>
+      <p:cxnSp>
+        <p:nvCxnSpPr>
+          <p:cNvPr id="23" name="직선 연결선 22"/>
+          <p:cNvCxnSpPr/>
+          <p:nvPr/>
+        </p:nvCxnSpPr>
+        <p:spPr>
+          <a:xfrm>
+            <a:off x="753278" y="-1566336"/>
+            <a:ext cx="0" cy="332267"/>
+          </a:xfrm>
+          <a:prstGeom prst="line">
+            <a:avLst/>
+          </a:prstGeom>
+          <a:ln w="28575">
+            <a:solidFill>
+              <a:schemeClr val="tx1"/>
+            </a:solidFill>
+          </a:ln>
+        </p:spPr>
+        <p:style>
+          <a:lnRef idx="1">
+            <a:schemeClr val="accent1"/>
+          </a:lnRef>
+          <a:fillRef idx="0">
+            <a:schemeClr val="accent1"/>
+          </a:fillRef>
+          <a:effectRef idx="0">
+            <a:schemeClr val="accent1"/>
+          </a:effectRef>
+          <a:fontRef idx="minor">
+            <a:schemeClr val="tx1"/>
+          </a:fontRef>
+        </p:style>
+      </p:cxnSp>
+      <p:sp>
+        <p:nvSpPr>
+          <p:cNvPr id="24" name="TextBox 23"/>
+          <p:cNvSpPr txBox="1"/>
+          <p:nvPr/>
+        </p:nvSpPr>
+        <p:spPr>
+          <a:xfrm>
+            <a:off x="480186" y="-1924452"/>
+            <a:ext cx="296676" cy="369332"/>
+          </a:xfrm>
+          <a:prstGeom prst="rect">
+            <a:avLst/>
+          </a:prstGeom>
+          <a:noFill/>
+        </p:spPr>
+        <p:txBody>
+          <a:bodyPr wrap="square" rtlCol="0">
+            <a:spAutoFit/>
+          </a:bodyPr>
+          <a:lstStyle/>
+          <a:p>
+            <a:r>
+              <a:rPr lang="en-US" altLang="ko-KR" dirty="0" smtClean="0"/>
+              <a:t>1</a:t>
+            </a:r>
+            <a:endParaRPr lang="ko-KR" altLang="en-US" dirty="0"/>
+          </a:p>
+        </p:txBody>
+      </p:sp>
+      <p:sp>
+        <p:nvSpPr>
+          <p:cNvPr id="25" name="TextBox 24"/>
+          <p:cNvSpPr txBox="1"/>
+          <p:nvPr/>
+        </p:nvSpPr>
+        <p:spPr>
+          <a:xfrm>
+            <a:off x="885981" y="-1555120"/>
+            <a:ext cx="296676" cy="369332"/>
+          </a:xfrm>
+          <a:prstGeom prst="rect">
+            <a:avLst/>
+          </a:prstGeom>
+          <a:noFill/>
+        </p:spPr>
+        <p:txBody>
+          <a:bodyPr wrap="square" rtlCol="0">
+            <a:spAutoFit/>
+          </a:bodyPr>
+          <a:lstStyle/>
+          <a:p>
+            <a:r>
+              <a:rPr lang="en-US" altLang="ko-KR" dirty="0" smtClean="0"/>
+              <a:t>N</a:t>
+            </a:r>
+            <a:endParaRPr lang="ko-KR" altLang="en-US" dirty="0"/>
+          </a:p>
+        </p:txBody>
+      </p:sp>
+      <p:cxnSp>
+        <p:nvCxnSpPr>
+          <p:cNvPr id="26" name="직선 연결선 25"/>
+          <p:cNvCxnSpPr/>
+          <p:nvPr/>
+        </p:nvCxnSpPr>
+        <p:spPr>
+          <a:xfrm>
+            <a:off x="480187" y="1214964"/>
+            <a:ext cx="361991" cy="0"/>
+          </a:xfrm>
+          <a:prstGeom prst="line">
+            <a:avLst/>
+          </a:prstGeom>
+          <a:ln w="28575">
+            <a:solidFill>
+              <a:schemeClr val="accent5">
+                <a:lumMod val="60000"/>
+                <a:lumOff val="40000"/>
+              </a:schemeClr>
+            </a:solidFill>
+          </a:ln>
+        </p:spPr>
+        <p:style>
+          <a:lnRef idx="1">
+            <a:schemeClr val="accent1"/>
+          </a:lnRef>
+          <a:fillRef idx="0">
+            <a:schemeClr val="accent1"/>
+          </a:fillRef>
+          <a:effectRef idx="0">
+            <a:schemeClr val="accent1"/>
+          </a:effectRef>
+          <a:fontRef idx="minor">
+            <a:schemeClr val="tx1"/>
+          </a:fontRef>
+        </p:style>
+      </p:cxnSp>
+      <p:sp>
+        <p:nvSpPr>
+          <p:cNvPr id="27" name="직사각형 26"/>
+          <p:cNvSpPr/>
+          <p:nvPr/>
+        </p:nvSpPr>
+        <p:spPr>
+          <a:xfrm>
+            <a:off x="4902200" y="1214964"/>
+            <a:ext cx="3848100" cy="5731936"/>
+          </a:xfrm>
+          <a:prstGeom prst="rect">
+            <a:avLst/>
+          </a:prstGeom>
+          <a:noFill/>
+          <a:ln w="38100">
+            <a:solidFill>
+              <a:srgbClr val="FF0000"/>
+            </a:solidFill>
+            <a:prstDash val="dash"/>
+          </a:ln>
+        </p:spPr>
+        <p:style>
+          <a:lnRef idx="2">
+            <a:schemeClr val="accent1">
+              <a:shade val="50000"/>
+            </a:schemeClr>
+          </a:lnRef>
+          <a:fillRef idx="1">
+            <a:schemeClr val="accent1"/>
+          </a:fillRef>
+          <a:effectRef idx="0">
+            <a:schemeClr val="accent1"/>
+          </a:effectRef>
+          <a:fontRef idx="minor">
+            <a:schemeClr val="lt1"/>
+          </a:fontRef>
+        </p:style>
+        <p:txBody>
+          <a:bodyPr rtlCol="0" anchor="ctr"/>
+          <a:lstStyle/>
+          <a:p>
+            <a:pPr algn="ctr"/>
+            <a:endParaRPr lang="ko-KR" altLang="en-US"/>
+          </a:p>
+        </p:txBody>
+      </p:sp>
+      <p:cxnSp>
+        <p:nvCxnSpPr>
+          <p:cNvPr id="28" name="직선 연결선 27"/>
+          <p:cNvCxnSpPr/>
+          <p:nvPr/>
+        </p:nvCxnSpPr>
+        <p:spPr>
+          <a:xfrm>
+            <a:off x="842176" y="-3153367"/>
+            <a:ext cx="340481" cy="0"/>
+          </a:xfrm>
+          <a:prstGeom prst="line">
+            <a:avLst/>
+          </a:prstGeom>
+          <a:ln w="28575">
+            <a:solidFill>
+              <a:schemeClr val="accent5">
+                <a:lumMod val="60000"/>
+                <a:lumOff val="40000"/>
+              </a:schemeClr>
+            </a:solidFill>
+          </a:ln>
+        </p:spPr>
+        <p:style>
+          <a:lnRef idx="1">
+            <a:schemeClr val="accent1"/>
+          </a:lnRef>
+          <a:fillRef idx="0">
+            <a:schemeClr val="accent1"/>
+          </a:fillRef>
+          <a:effectRef idx="0">
+            <a:schemeClr val="accent1"/>
+          </a:effectRef>
+          <a:fontRef idx="minor">
+            <a:schemeClr val="tx1"/>
+          </a:fontRef>
+        </p:style>
+      </p:cxnSp>
+      <p:cxnSp>
+        <p:nvCxnSpPr>
+          <p:cNvPr id="29" name="직선 연결선 28"/>
+          <p:cNvCxnSpPr/>
+          <p:nvPr/>
+        </p:nvCxnSpPr>
+        <p:spPr>
+          <a:xfrm>
+            <a:off x="4841735" y="-105367"/>
+            <a:ext cx="361991" cy="0"/>
+          </a:xfrm>
+          <a:prstGeom prst="line">
+            <a:avLst/>
+          </a:prstGeom>
+          <a:ln w="28575">
+            <a:solidFill>
+              <a:schemeClr val="tx1"/>
+            </a:solidFill>
+          </a:ln>
+        </p:spPr>
+        <p:style>
+          <a:lnRef idx="1">
+            <a:schemeClr val="accent1"/>
+          </a:lnRef>
+          <a:fillRef idx="0">
+            <a:schemeClr val="accent1"/>
+          </a:fillRef>
+          <a:effectRef idx="0">
+            <a:schemeClr val="accent1"/>
+          </a:effectRef>
+          <a:fontRef idx="minor">
+            <a:schemeClr val="tx1"/>
+          </a:fontRef>
+        </p:style>
+      </p:cxnSp>
+      <p:cxnSp>
+        <p:nvCxnSpPr>
+          <p:cNvPr id="30" name="직선 연결선 29"/>
+          <p:cNvCxnSpPr/>
+          <p:nvPr/>
+        </p:nvCxnSpPr>
+        <p:spPr>
+          <a:xfrm>
+            <a:off x="4841735" y="-3153367"/>
+            <a:ext cx="0" cy="3048000"/>
+          </a:xfrm>
+          <a:prstGeom prst="line">
+            <a:avLst/>
+          </a:prstGeom>
+          <a:ln w="28575">
+            <a:solidFill>
+              <a:schemeClr val="tx1"/>
+            </a:solidFill>
+          </a:ln>
+        </p:spPr>
+        <p:style>
+          <a:lnRef idx="1">
+            <a:schemeClr val="accent1"/>
+          </a:lnRef>
+          <a:fillRef idx="0">
+            <a:schemeClr val="accent1"/>
+          </a:fillRef>
+          <a:effectRef idx="0">
+            <a:schemeClr val="accent1"/>
+          </a:effectRef>
+          <a:fontRef idx="minor">
+            <a:schemeClr val="tx1"/>
+          </a:fontRef>
+        </p:style>
+      </p:cxnSp>
+      <p:sp>
+        <p:nvSpPr>
+          <p:cNvPr id="31" name="TextBox 30"/>
+          <p:cNvSpPr txBox="1"/>
+          <p:nvPr/>
+        </p:nvSpPr>
+        <p:spPr>
+          <a:xfrm>
+            <a:off x="4863245" y="-2970202"/>
+            <a:ext cx="296676" cy="369332"/>
+          </a:xfrm>
+          <a:prstGeom prst="rect">
+            <a:avLst/>
+          </a:prstGeom>
+          <a:noFill/>
+        </p:spPr>
+        <p:txBody>
+          <a:bodyPr wrap="square" rtlCol="0">
+            <a:spAutoFit/>
+          </a:bodyPr>
+          <a:lstStyle/>
+          <a:p>
+            <a:r>
+              <a:rPr lang="en-US" altLang="ko-KR" dirty="0" smtClean="0"/>
+              <a:t>N</a:t>
+            </a:r>
+            <a:endParaRPr lang="ko-KR" altLang="en-US" dirty="0"/>
+          </a:p>
+        </p:txBody>
+      </p:sp>
+      <p:cxnSp>
+        <p:nvCxnSpPr>
+          <p:cNvPr id="32" name="직선 연결선 31"/>
+          <p:cNvCxnSpPr/>
+          <p:nvPr/>
+        </p:nvCxnSpPr>
+        <p:spPr>
+          <a:xfrm>
+            <a:off x="4841735" y="-2950437"/>
+            <a:ext cx="361991" cy="0"/>
+          </a:xfrm>
+          <a:prstGeom prst="line">
+            <a:avLst/>
+          </a:prstGeom>
+          <a:ln w="28575">
+            <a:solidFill>
+              <a:schemeClr val="tx1"/>
+            </a:solidFill>
+          </a:ln>
+        </p:spPr>
+        <p:style>
+          <a:lnRef idx="1">
+            <a:schemeClr val="accent1"/>
+          </a:lnRef>
+          <a:fillRef idx="0">
+            <a:schemeClr val="accent1"/>
+          </a:fillRef>
+          <a:effectRef idx="0">
+            <a:schemeClr val="accent1"/>
+          </a:effectRef>
+          <a:fontRef idx="minor">
+            <a:schemeClr val="tx1"/>
+          </a:fontRef>
+        </p:style>
+      </p:cxnSp>
+      <p:sp>
+        <p:nvSpPr>
+          <p:cNvPr id="33" name="TextBox 32"/>
+          <p:cNvSpPr txBox="1"/>
+          <p:nvPr/>
+        </p:nvSpPr>
+        <p:spPr>
+          <a:xfrm>
+            <a:off x="4863245" y="-466104"/>
+            <a:ext cx="296676" cy="369332"/>
+          </a:xfrm>
+          <a:prstGeom prst="rect">
+            <a:avLst/>
+          </a:prstGeom>
+          <a:noFill/>
+        </p:spPr>
+        <p:txBody>
+          <a:bodyPr wrap="square" rtlCol="0">
+            <a:spAutoFit/>
+          </a:bodyPr>
+          <a:lstStyle/>
+          <a:p>
+            <a:r>
+              <a:rPr lang="en-US" altLang="ko-KR" dirty="0" smtClean="0"/>
+              <a:t>N</a:t>
+            </a:r>
+            <a:endParaRPr lang="ko-KR" altLang="en-US" dirty="0"/>
+          </a:p>
+        </p:txBody>
+      </p:sp>
+      <p:cxnSp>
+        <p:nvCxnSpPr>
+          <p:cNvPr id="34" name="직선 연결선 33"/>
+          <p:cNvCxnSpPr/>
+          <p:nvPr/>
+        </p:nvCxnSpPr>
+        <p:spPr>
+          <a:xfrm>
+            <a:off x="4501254" y="-3153367"/>
+            <a:ext cx="340481" cy="0"/>
+          </a:xfrm>
+          <a:prstGeom prst="line">
+            <a:avLst/>
+          </a:prstGeom>
+          <a:ln w="28575">
+            <a:solidFill>
+              <a:schemeClr val="tx1"/>
+            </a:solidFill>
+          </a:ln>
+        </p:spPr>
+        <p:style>
+          <a:lnRef idx="1">
+            <a:schemeClr val="accent1"/>
+          </a:lnRef>
+          <a:fillRef idx="0">
+            <a:schemeClr val="accent1"/>
+          </a:fillRef>
+          <a:effectRef idx="0">
+            <a:schemeClr val="accent1"/>
+          </a:effectRef>
+          <a:fontRef idx="minor">
+            <a:schemeClr val="tx1"/>
+          </a:fontRef>
+        </p:style>
+      </p:cxnSp>
+      <p:cxnSp>
+        <p:nvCxnSpPr>
+          <p:cNvPr id="35" name="직선 연결선 34"/>
+          <p:cNvCxnSpPr/>
+          <p:nvPr/>
+        </p:nvCxnSpPr>
+        <p:spPr>
+          <a:xfrm>
+            <a:off x="854415" y="-3153367"/>
+            <a:ext cx="0" cy="4368331"/>
+          </a:xfrm>
+          <a:prstGeom prst="line">
+            <a:avLst/>
+          </a:prstGeom>
+          <a:ln w="28575">
+            <a:solidFill>
+              <a:schemeClr val="accent5">
+                <a:lumMod val="60000"/>
+                <a:lumOff val="40000"/>
+              </a:schemeClr>
+            </a:solidFill>
+          </a:ln>
+        </p:spPr>
+        <p:style>
+          <a:lnRef idx="1">
+            <a:schemeClr val="accent1"/>
+          </a:lnRef>
+          <a:fillRef idx="0">
+            <a:schemeClr val="accent1"/>
+          </a:fillRef>
+          <a:effectRef idx="0">
+            <a:schemeClr val="accent1"/>
+          </a:effectRef>
+          <a:fontRef idx="minor">
+            <a:schemeClr val="tx1"/>
+          </a:fontRef>
+        </p:style>
+      </p:cxnSp>
+      <p:sp>
+        <p:nvSpPr>
+          <p:cNvPr id="36" name="TextBox 35"/>
+          <p:cNvSpPr txBox="1"/>
+          <p:nvPr/>
+        </p:nvSpPr>
+        <p:spPr>
+          <a:xfrm>
+            <a:off x="864080" y="-3522699"/>
+            <a:ext cx="296676" cy="369332"/>
+          </a:xfrm>
+          <a:prstGeom prst="rect">
+            <a:avLst/>
+          </a:prstGeom>
+          <a:noFill/>
+        </p:spPr>
+        <p:txBody>
+          <a:bodyPr wrap="square" rtlCol="0">
+            <a:spAutoFit/>
+          </a:bodyPr>
+          <a:lstStyle/>
+          <a:p>
+            <a:r>
+              <a:rPr lang="en-US" altLang="ko-KR" dirty="0" smtClean="0"/>
+              <a:t>1</a:t>
+            </a:r>
+            <a:endParaRPr lang="ko-KR" altLang="en-US" dirty="0"/>
+          </a:p>
+        </p:txBody>
+      </p:sp>
+      <p:sp>
+        <p:nvSpPr>
+          <p:cNvPr id="37" name="TextBox 36"/>
+          <p:cNvSpPr txBox="1"/>
+          <p:nvPr/>
+        </p:nvSpPr>
+        <p:spPr>
+          <a:xfrm>
+            <a:off x="496758" y="863149"/>
+            <a:ext cx="296676" cy="369332"/>
+          </a:xfrm>
+          <a:prstGeom prst="rect">
+            <a:avLst/>
+          </a:prstGeom>
+          <a:noFill/>
+        </p:spPr>
+        <p:txBody>
+          <a:bodyPr wrap="square" rtlCol="0">
+            <a:spAutoFit/>
+          </a:bodyPr>
+          <a:lstStyle/>
+          <a:p>
+            <a:r>
+              <a:rPr lang="en-US" altLang="ko-KR" dirty="0"/>
+              <a:t>N</a:t>
+            </a:r>
+            <a:endParaRPr lang="ko-KR" altLang="en-US" dirty="0"/>
+          </a:p>
+        </p:txBody>
+      </p:sp>
+      <p:cxnSp>
+        <p:nvCxnSpPr>
+          <p:cNvPr id="38" name="직선 연결선 37"/>
+          <p:cNvCxnSpPr/>
+          <p:nvPr/>
+        </p:nvCxnSpPr>
+        <p:spPr>
+          <a:xfrm>
+            <a:off x="914416" y="236204"/>
+            <a:ext cx="0" cy="1545633"/>
+          </a:xfrm>
+          <a:prstGeom prst="line">
+            <a:avLst/>
+          </a:prstGeom>
+          <a:ln w="28575">
+            <a:solidFill>
+              <a:schemeClr val="tx1"/>
+            </a:solidFill>
+          </a:ln>
+        </p:spPr>
+        <p:style>
+          <a:lnRef idx="1">
+            <a:schemeClr val="accent1"/>
+          </a:lnRef>
+          <a:fillRef idx="0">
+            <a:schemeClr val="accent1"/>
+          </a:fillRef>
+          <a:effectRef idx="0">
+            <a:schemeClr val="accent1"/>
+          </a:effectRef>
+          <a:fontRef idx="minor">
+            <a:schemeClr val="tx1"/>
+          </a:fontRef>
+        </p:style>
+      </p:cxnSp>
+      <p:cxnSp>
+        <p:nvCxnSpPr>
+          <p:cNvPr id="39" name="직선 연결선 38"/>
+          <p:cNvCxnSpPr/>
+          <p:nvPr/>
+        </p:nvCxnSpPr>
+        <p:spPr>
+          <a:xfrm>
+            <a:off x="914416" y="257567"/>
+            <a:ext cx="268241" cy="0"/>
+          </a:xfrm>
+          <a:prstGeom prst="line">
+            <a:avLst/>
+          </a:prstGeom>
+          <a:ln w="28575">
+            <a:solidFill>
+              <a:schemeClr val="tx1"/>
+            </a:solidFill>
+          </a:ln>
+        </p:spPr>
+        <p:style>
+          <a:lnRef idx="1">
+            <a:schemeClr val="accent1"/>
+          </a:lnRef>
+          <a:fillRef idx="0">
+            <a:schemeClr val="accent1"/>
+          </a:fillRef>
+          <a:effectRef idx="0">
+            <a:schemeClr val="accent1"/>
+          </a:effectRef>
+          <a:fontRef idx="minor">
+            <a:schemeClr val="tx1"/>
+          </a:fontRef>
+        </p:style>
+      </p:cxnSp>
+      <p:cxnSp>
+        <p:nvCxnSpPr>
+          <p:cNvPr id="40" name="직선 연결선 39"/>
+          <p:cNvCxnSpPr/>
+          <p:nvPr/>
+        </p:nvCxnSpPr>
+        <p:spPr>
+          <a:xfrm>
+            <a:off x="485450" y="1781837"/>
+            <a:ext cx="428966" cy="0"/>
+          </a:xfrm>
+          <a:prstGeom prst="line">
+            <a:avLst/>
+          </a:prstGeom>
+          <a:ln w="28575">
+            <a:solidFill>
+              <a:schemeClr val="tx1"/>
+            </a:solidFill>
+          </a:ln>
+        </p:spPr>
+        <p:style>
+          <a:lnRef idx="1">
+            <a:schemeClr val="accent1"/>
+          </a:lnRef>
+          <a:fillRef idx="0">
+            <a:schemeClr val="accent1"/>
+          </a:fillRef>
+          <a:effectRef idx="0">
+            <a:schemeClr val="accent1"/>
+          </a:effectRef>
+          <a:fontRef idx="minor">
+            <a:schemeClr val="tx1"/>
+          </a:fontRef>
+        </p:style>
+      </p:cxnSp>
+      <p:sp>
+        <p:nvSpPr>
+          <p:cNvPr id="41" name="TextBox 40"/>
+          <p:cNvSpPr txBox="1"/>
+          <p:nvPr/>
+        </p:nvSpPr>
+        <p:spPr>
+          <a:xfrm>
+            <a:off x="885981" y="-79131"/>
+            <a:ext cx="296676" cy="369332"/>
+          </a:xfrm>
+          <a:prstGeom prst="rect">
+            <a:avLst/>
+          </a:prstGeom>
+          <a:noFill/>
+        </p:spPr>
+        <p:txBody>
+          <a:bodyPr wrap="square" rtlCol="0">
+            <a:spAutoFit/>
+          </a:bodyPr>
+          <a:lstStyle/>
+          <a:p>
+            <a:r>
+              <a:rPr lang="en-US" altLang="ko-KR" dirty="0" smtClean="0"/>
+              <a:t>1</a:t>
+            </a:r>
+            <a:endParaRPr lang="ko-KR" altLang="en-US" dirty="0"/>
+          </a:p>
+        </p:txBody>
+      </p:sp>
+      <p:sp>
+        <p:nvSpPr>
+          <p:cNvPr id="42" name="TextBox 41"/>
+          <p:cNvSpPr txBox="1"/>
+          <p:nvPr/>
+        </p:nvSpPr>
+        <p:spPr>
+          <a:xfrm>
+            <a:off x="489677" y="1423138"/>
+            <a:ext cx="296676" cy="369332"/>
+          </a:xfrm>
+          <a:prstGeom prst="rect">
+            <a:avLst/>
+          </a:prstGeom>
+          <a:noFill/>
+        </p:spPr>
+        <p:txBody>
+          <a:bodyPr wrap="square" rtlCol="0">
+            <a:spAutoFit/>
+          </a:bodyPr>
+          <a:lstStyle/>
+          <a:p>
+            <a:r>
+              <a:rPr lang="en-US" altLang="ko-KR" dirty="0"/>
+              <a:t>N</a:t>
+            </a:r>
+            <a:endParaRPr lang="ko-KR" altLang="en-US" dirty="0"/>
+          </a:p>
+        </p:txBody>
+      </p:sp>
+      <p:cxnSp>
+        <p:nvCxnSpPr>
+          <p:cNvPr id="43" name="직선 연결선 42"/>
+          <p:cNvCxnSpPr/>
+          <p:nvPr/>
+        </p:nvCxnSpPr>
+        <p:spPr>
+          <a:xfrm>
+            <a:off x="-3225784" y="2272675"/>
+            <a:ext cx="0" cy="1791165"/>
+          </a:xfrm>
+          <a:prstGeom prst="line">
+            <a:avLst/>
+          </a:prstGeom>
+          <a:ln w="28575">
+            <a:solidFill>
+              <a:schemeClr val="tx1"/>
+            </a:solidFill>
+          </a:ln>
+        </p:spPr>
+        <p:style>
+          <a:lnRef idx="1">
+            <a:schemeClr val="accent1"/>
+          </a:lnRef>
+          <a:fillRef idx="0">
+            <a:schemeClr val="accent1"/>
+          </a:fillRef>
+          <a:effectRef idx="0">
+            <a:schemeClr val="accent1"/>
+          </a:effectRef>
+          <a:fontRef idx="minor">
+            <a:schemeClr val="tx1"/>
+          </a:fontRef>
+        </p:style>
+      </p:cxnSp>
+      <p:cxnSp>
+        <p:nvCxnSpPr>
+          <p:cNvPr id="44" name="직선 연결선 43"/>
+          <p:cNvCxnSpPr/>
+          <p:nvPr/>
+        </p:nvCxnSpPr>
+        <p:spPr>
+          <a:xfrm>
+            <a:off x="-3225784" y="2272675"/>
+            <a:ext cx="239036" cy="0"/>
+          </a:xfrm>
+          <a:prstGeom prst="line">
+            <a:avLst/>
+          </a:prstGeom>
+          <a:ln w="28575">
+            <a:solidFill>
+              <a:schemeClr val="tx1"/>
+            </a:solidFill>
+          </a:ln>
+        </p:spPr>
+        <p:style>
+          <a:lnRef idx="1">
+            <a:schemeClr val="accent1"/>
+          </a:lnRef>
+          <a:fillRef idx="0">
+            <a:schemeClr val="accent1"/>
+          </a:fillRef>
+          <a:effectRef idx="0">
+            <a:schemeClr val="accent1"/>
+          </a:effectRef>
+          <a:fontRef idx="minor">
+            <a:schemeClr val="tx1"/>
+          </a:fontRef>
+        </p:style>
+      </p:cxnSp>
+      <p:cxnSp>
+        <p:nvCxnSpPr>
+          <p:cNvPr id="45" name="직선 연결선 44"/>
+          <p:cNvCxnSpPr/>
+          <p:nvPr/>
+        </p:nvCxnSpPr>
+        <p:spPr>
+          <a:xfrm>
+            <a:off x="-3225784" y="4063840"/>
+            <a:ext cx="387374" cy="0"/>
+          </a:xfrm>
+          <a:prstGeom prst="line">
+            <a:avLst/>
+          </a:prstGeom>
+          <a:ln w="28575">
+            <a:solidFill>
+              <a:schemeClr val="tx1"/>
+            </a:solidFill>
+          </a:ln>
+        </p:spPr>
+        <p:style>
+          <a:lnRef idx="1">
+            <a:schemeClr val="accent1"/>
+          </a:lnRef>
+          <a:fillRef idx="0">
+            <a:schemeClr val="accent1"/>
+          </a:fillRef>
+          <a:effectRef idx="0">
+            <a:schemeClr val="accent1"/>
+          </a:effectRef>
+          <a:fontRef idx="minor">
+            <a:schemeClr val="tx1"/>
+          </a:fontRef>
+        </p:style>
+      </p:cxnSp>
+      <p:sp>
+        <p:nvSpPr>
+          <p:cNvPr id="46" name="TextBox 45"/>
+          <p:cNvSpPr txBox="1"/>
+          <p:nvPr/>
+        </p:nvSpPr>
+        <p:spPr>
+          <a:xfrm>
+            <a:off x="-3187221" y="3744648"/>
+            <a:ext cx="296676" cy="369332"/>
+          </a:xfrm>
+          <a:prstGeom prst="rect">
+            <a:avLst/>
+          </a:prstGeom>
+          <a:noFill/>
+        </p:spPr>
+        <p:txBody>
+          <a:bodyPr wrap="square" rtlCol="0">
+            <a:spAutoFit/>
+          </a:bodyPr>
+          <a:lstStyle/>
+          <a:p>
+            <a:r>
+              <a:rPr lang="en-US" altLang="ko-KR" dirty="0" smtClean="0"/>
+              <a:t>1</a:t>
+            </a:r>
+            <a:endParaRPr lang="ko-KR" altLang="en-US" dirty="0"/>
+          </a:p>
+        </p:txBody>
+      </p:sp>
+      <p:sp>
+        <p:nvSpPr>
+          <p:cNvPr id="47" name="TextBox 46"/>
+          <p:cNvSpPr txBox="1"/>
+          <p:nvPr/>
+        </p:nvSpPr>
+        <p:spPr>
+          <a:xfrm>
+            <a:off x="-3283424" y="1919890"/>
+            <a:ext cx="296676" cy="369332"/>
+          </a:xfrm>
+          <a:prstGeom prst="rect">
+            <a:avLst/>
+          </a:prstGeom>
+          <a:noFill/>
+        </p:spPr>
+        <p:txBody>
+          <a:bodyPr wrap="square" rtlCol="0">
+            <a:spAutoFit/>
+          </a:bodyPr>
+          <a:lstStyle/>
+          <a:p>
+            <a:r>
+              <a:rPr lang="en-US" altLang="ko-KR" dirty="0"/>
+              <a:t>N</a:t>
+            </a:r>
+            <a:endParaRPr lang="ko-KR" altLang="en-US" dirty="0"/>
+          </a:p>
+        </p:txBody>
+      </p:sp>
+      <p:cxnSp>
+        <p:nvCxnSpPr>
+          <p:cNvPr id="48" name="직선 연결선 47"/>
+          <p:cNvCxnSpPr/>
+          <p:nvPr/>
+        </p:nvCxnSpPr>
+        <p:spPr>
+          <a:xfrm>
+            <a:off x="-3400565" y="-1607734"/>
+            <a:ext cx="0" cy="3073400"/>
+          </a:xfrm>
+          <a:prstGeom prst="line">
+            <a:avLst/>
+          </a:prstGeom>
+          <a:ln w="28575">
+            <a:solidFill>
+              <a:schemeClr val="accent6">
+                <a:lumMod val="60000"/>
+                <a:lumOff val="40000"/>
+              </a:schemeClr>
+            </a:solidFill>
+          </a:ln>
+        </p:spPr>
+        <p:style>
+          <a:lnRef idx="1">
+            <a:schemeClr val="accent1"/>
+          </a:lnRef>
+          <a:fillRef idx="0">
+            <a:schemeClr val="accent1"/>
+          </a:fillRef>
+          <a:effectRef idx="0">
+            <a:schemeClr val="accent1"/>
+          </a:effectRef>
+          <a:fontRef idx="minor">
+            <a:schemeClr val="tx1"/>
+          </a:fontRef>
+        </p:style>
+      </p:cxnSp>
+      <p:cxnSp>
+        <p:nvCxnSpPr>
+          <p:cNvPr id="49" name="직선 연결선 48"/>
+          <p:cNvCxnSpPr/>
+          <p:nvPr/>
+        </p:nvCxnSpPr>
+        <p:spPr>
+          <a:xfrm>
+            <a:off x="-3396025" y="-1607734"/>
+            <a:ext cx="557615" cy="0"/>
+          </a:xfrm>
+          <a:prstGeom prst="line">
+            <a:avLst/>
+          </a:prstGeom>
+          <a:ln w="28575">
+            <a:solidFill>
+              <a:schemeClr val="accent6">
+                <a:lumMod val="60000"/>
+                <a:lumOff val="40000"/>
+              </a:schemeClr>
+            </a:solidFill>
+          </a:ln>
+        </p:spPr>
+        <p:style>
+          <a:lnRef idx="1">
+            <a:schemeClr val="accent1"/>
+          </a:lnRef>
+          <a:fillRef idx="0">
+            <a:schemeClr val="accent1"/>
+          </a:fillRef>
+          <a:effectRef idx="0">
+            <a:schemeClr val="accent1"/>
+          </a:effectRef>
+          <a:fontRef idx="minor">
+            <a:schemeClr val="tx1"/>
+          </a:fontRef>
+        </p:style>
+      </p:cxnSp>
+      <p:cxnSp>
+        <p:nvCxnSpPr>
+          <p:cNvPr id="50" name="직선 연결선 49"/>
+          <p:cNvCxnSpPr/>
+          <p:nvPr/>
+        </p:nvCxnSpPr>
+        <p:spPr>
+          <a:xfrm>
+            <a:off x="-3396025" y="1465666"/>
+            <a:ext cx="409277" cy="0"/>
+          </a:xfrm>
+          <a:prstGeom prst="line">
+            <a:avLst/>
+          </a:prstGeom>
+          <a:ln w="28575">
+            <a:solidFill>
+              <a:schemeClr val="accent6">
+                <a:lumMod val="60000"/>
+                <a:lumOff val="40000"/>
+              </a:schemeClr>
+            </a:solidFill>
+          </a:ln>
+        </p:spPr>
+        <p:style>
+          <a:lnRef idx="1">
+            <a:schemeClr val="accent1"/>
+          </a:lnRef>
+          <a:fillRef idx="0">
+            <a:schemeClr val="accent1"/>
+          </a:fillRef>
+          <a:effectRef idx="0">
+            <a:schemeClr val="accent1"/>
+          </a:effectRef>
+          <a:fontRef idx="minor">
+            <a:schemeClr val="tx1"/>
+          </a:fontRef>
+        </p:style>
+      </p:cxnSp>
+      <p:sp>
+        <p:nvSpPr>
+          <p:cNvPr id="51" name="TextBox 50"/>
+          <p:cNvSpPr txBox="1"/>
+          <p:nvPr/>
+        </p:nvSpPr>
+        <p:spPr>
+          <a:xfrm>
+            <a:off x="-3177889" y="-1938199"/>
+            <a:ext cx="296676" cy="369332"/>
+          </a:xfrm>
+          <a:prstGeom prst="rect">
+            <a:avLst/>
+          </a:prstGeom>
+          <a:noFill/>
+        </p:spPr>
+        <p:txBody>
+          <a:bodyPr wrap="square" rtlCol="0">
+            <a:spAutoFit/>
+          </a:bodyPr>
+          <a:lstStyle/>
+          <a:p>
+            <a:r>
+              <a:rPr lang="en-US" altLang="ko-KR" dirty="0" smtClean="0"/>
+              <a:t>1</a:t>
+            </a:r>
+            <a:endParaRPr lang="ko-KR" altLang="en-US" dirty="0"/>
+          </a:p>
+        </p:txBody>
+      </p:sp>
+      <p:sp>
+        <p:nvSpPr>
+          <p:cNvPr id="52" name="TextBox 51"/>
+          <p:cNvSpPr txBox="1"/>
+          <p:nvPr/>
+        </p:nvSpPr>
+        <p:spPr>
+          <a:xfrm>
+            <a:off x="-3353760" y="1087490"/>
+            <a:ext cx="296676" cy="369332"/>
+          </a:xfrm>
+          <a:prstGeom prst="rect">
+            <a:avLst/>
+          </a:prstGeom>
+          <a:noFill/>
+        </p:spPr>
+        <p:txBody>
+          <a:bodyPr wrap="square" rtlCol="0">
+            <a:spAutoFit/>
+          </a:bodyPr>
+          <a:lstStyle/>
+          <a:p>
+            <a:r>
+              <a:rPr lang="en-US" altLang="ko-KR" dirty="0" smtClean="0"/>
+              <a:t>N</a:t>
+            </a:r>
+            <a:endParaRPr lang="ko-KR" altLang="en-US" dirty="0"/>
+          </a:p>
+        </p:txBody>
+      </p:sp>
+      <p:sp>
+        <p:nvSpPr>
+          <p:cNvPr id="53" name="TextBox 52"/>
+          <p:cNvSpPr txBox="1"/>
+          <p:nvPr/>
+        </p:nvSpPr>
+        <p:spPr>
+          <a:xfrm>
+            <a:off x="4501166" y="-3522699"/>
+            <a:ext cx="296676" cy="369332"/>
+          </a:xfrm>
+          <a:prstGeom prst="rect">
+            <a:avLst/>
+          </a:prstGeom>
+          <a:noFill/>
+        </p:spPr>
+        <p:txBody>
+          <a:bodyPr wrap="square" rtlCol="0">
+            <a:spAutoFit/>
+          </a:bodyPr>
+          <a:lstStyle/>
+          <a:p>
+            <a:r>
+              <a:rPr lang="en-US" altLang="ko-KR" dirty="0" smtClean="0"/>
+              <a:t>1</a:t>
+            </a:r>
+            <a:endParaRPr lang="ko-KR" altLang="en-US" dirty="0"/>
+          </a:p>
+        </p:txBody>
+      </p:sp>
+      <p:cxnSp>
+        <p:nvCxnSpPr>
+          <p:cNvPr id="54" name="직선 연결선 53"/>
+          <p:cNvCxnSpPr>
+            <a:stCxn id="53" idx="2"/>
+          </p:cNvCxnSpPr>
+          <p:nvPr/>
+        </p:nvCxnSpPr>
+        <p:spPr>
+          <a:xfrm>
+            <a:off x="4649504" y="-3153367"/>
+            <a:ext cx="54649" cy="6132771"/>
+          </a:xfrm>
+          <a:prstGeom prst="line">
+            <a:avLst/>
+          </a:prstGeom>
+          <a:ln w="28575">
+            <a:solidFill>
+              <a:schemeClr val="tx1"/>
+            </a:solidFill>
+          </a:ln>
+        </p:spPr>
+        <p:style>
+          <a:lnRef idx="1">
+            <a:schemeClr val="accent1"/>
+          </a:lnRef>
+          <a:fillRef idx="0">
+            <a:schemeClr val="accent1"/>
+          </a:fillRef>
+          <a:effectRef idx="0">
+            <a:schemeClr val="accent1"/>
+          </a:effectRef>
+          <a:fontRef idx="minor">
+            <a:schemeClr val="tx1"/>
+          </a:fontRef>
+        </p:style>
+      </p:cxnSp>
+      <p:cxnSp>
+        <p:nvCxnSpPr>
+          <p:cNvPr id="55" name="직선 연결선 54"/>
+          <p:cNvCxnSpPr/>
+          <p:nvPr/>
+        </p:nvCxnSpPr>
+        <p:spPr>
+          <a:xfrm flipH="1">
+            <a:off x="4501167" y="2979404"/>
+            <a:ext cx="202986" cy="0"/>
+          </a:xfrm>
+          <a:prstGeom prst="line">
+            <a:avLst/>
+          </a:prstGeom>
+          <a:ln w="28575">
+            <a:solidFill>
+              <a:schemeClr val="tx1"/>
+            </a:solidFill>
+          </a:ln>
+        </p:spPr>
+        <p:style>
+          <a:lnRef idx="1">
+            <a:schemeClr val="accent1"/>
+          </a:lnRef>
+          <a:fillRef idx="0">
+            <a:schemeClr val="accent1"/>
+          </a:fillRef>
+          <a:effectRef idx="0">
+            <a:schemeClr val="accent1"/>
+          </a:effectRef>
+          <a:fontRef idx="minor">
+            <a:schemeClr val="tx1"/>
+          </a:fontRef>
+        </p:style>
+      </p:cxnSp>
+      <p:sp>
+        <p:nvSpPr>
+          <p:cNvPr id="56" name="TextBox 55"/>
+          <p:cNvSpPr txBox="1"/>
+          <p:nvPr/>
+        </p:nvSpPr>
+        <p:spPr>
+          <a:xfrm>
+            <a:off x="4453213" y="2910969"/>
+            <a:ext cx="296676" cy="369332"/>
+          </a:xfrm>
+          <a:prstGeom prst="rect">
+            <a:avLst/>
+          </a:prstGeom>
+          <a:noFill/>
+        </p:spPr>
+        <p:txBody>
+          <a:bodyPr wrap="square" rtlCol="0">
+            <a:spAutoFit/>
+          </a:bodyPr>
+          <a:lstStyle/>
+          <a:p>
+            <a:r>
+              <a:rPr lang="en-US" altLang="ko-KR" dirty="0" smtClean="0"/>
+              <a:t>N</a:t>
+            </a:r>
+            <a:endParaRPr lang="ko-KR" altLang="en-US" dirty="0"/>
+          </a:p>
+        </p:txBody>
+      </p:sp>
+    </p:spTree>
+    <p:extLst>
+      <p:ext uri="{BB962C8B-B14F-4D97-AF65-F5344CB8AC3E}">
+        <p14:creationId xmlns:p14="http://schemas.microsoft.com/office/powerpoint/2010/main" val="2571883320"/>
+      </p:ext>
+    </p:extLst>
+  </p:cSld>
+  <p:clrMapOvr>
+    <a:masterClrMapping/>
+  </p:clrMapOvr>
+</p:sld>
+</file>
+
 <file path=ppt/theme/theme1.xml><?xml version="1.0" encoding="utf-8"?>
 <a:theme xmlns:a="http://schemas.openxmlformats.org/drawingml/2006/main" name="Office 테마">
   <a:themeElements>
@@ -11931,7 +20465,7 @@
   <a:extraClrSchemeLst/>
   <a:extLst>
     <a:ext uri="{05A4C25C-085E-4340-85A3-A5531E510DB2}">
-      <thm15:themeFamily xmlns:thm15="http://schemas.microsoft.com/office/thememl/2012/main" name="Office Theme" id="{62F939B6-93AF-4DB8-9C6B-D6C7DFDC589F}" vid="{4A3C46E8-61CC-4603-A589-7422A47A8E4A}"/>
+      <thm15:themeFamily xmlns:thm15="http://schemas.microsoft.com/office/thememl/2012/main" xmlns="" name="Office Theme" id="{62F939B6-93AF-4DB8-9C6B-D6C7DFDC589F}" vid="{4A3C46E8-61CC-4603-A589-7422A47A8E4A}"/>
     </a:ext>
   </a:extLst>
 </a:theme>
